--- a/poster.pptx
+++ b/poster.pptx
@@ -4751,118 +4751,9 @@
                 </a:solidFill>
                 <a:latin typeface="Helvetica"/>
               </a:rPr>
-              <a:t>uitabwebsite.github</a:t>
-            </a:r>
-            <a:r>
-              <a:rPr lang="en-US" sz="3930" b="1" i="1" dirty="0" smtClean="0">
-                <a:solidFill>
-                  <a:srgbClr val="4E2C75"/>
-                </a:solidFill>
-                <a:latin typeface="Helvetica"/>
-              </a:rPr>
-              <a:t>.io</a:t>
+              <a:t>uitabwebsite.github.io</a:t>
             </a:r>
             <a:endParaRPr lang="en-US" sz="3930" i="1" dirty="0"/>
-          </a:p>
-        </p:txBody>
-      </p:sp>
-      <p:sp>
-        <p:nvSpPr>
-          <p:cNvPr id="101" name="Rounded Rectangle 100"/>
-          <p:cNvSpPr/>
-          <p:nvPr/>
-        </p:nvSpPr>
-        <p:spPr>
-          <a:xfrm>
-            <a:off x="11522102" y="15175499"/>
-            <a:ext cx="16084863" cy="2821991"/>
-          </a:xfrm>
-          <a:prstGeom prst="roundRect">
-            <a:avLst/>
-          </a:prstGeom>
-          <a:solidFill>
-            <a:srgbClr val="CCFFCC">
-              <a:alpha val="38000"/>
-            </a:srgbClr>
-          </a:solidFill>
-          <a:ln w="12700" cmpd="sng">
-            <a:solidFill>
-              <a:schemeClr val="tx1"/>
-            </a:solidFill>
-            <a:prstDash val="sysDash"/>
-          </a:ln>
-        </p:spPr>
-        <p:style>
-          <a:lnRef idx="1">
-            <a:schemeClr val="accent1"/>
-          </a:lnRef>
-          <a:fillRef idx="3">
-            <a:schemeClr val="accent1"/>
-          </a:fillRef>
-          <a:effectRef idx="2">
-            <a:schemeClr val="accent1"/>
-          </a:effectRef>
-          <a:fontRef idx="minor">
-            <a:schemeClr val="lt1"/>
-          </a:fontRef>
-        </p:style>
-        <p:txBody>
-          <a:bodyPr rtlCol="0" anchor="ctr"/>
-          <a:lstStyle/>
-          <a:p>
-            <a:pPr algn="ctr"/>
-            <a:endParaRPr lang="en-US" sz="4830" dirty="0"/>
-          </a:p>
-        </p:txBody>
-      </p:sp>
-      <p:sp>
-        <p:nvSpPr>
-          <p:cNvPr id="102" name="Rounded Rectangle 101"/>
-          <p:cNvSpPr/>
-          <p:nvPr/>
-        </p:nvSpPr>
-        <p:spPr>
-          <a:xfrm>
-            <a:off x="11589623" y="12034114"/>
-            <a:ext cx="11290959" cy="2832319"/>
-          </a:xfrm>
-          <a:prstGeom prst="roundRect">
-            <a:avLst/>
-          </a:prstGeom>
-          <a:solidFill>
-            <a:schemeClr val="accent6">
-              <a:lumMod val="40000"/>
-              <a:lumOff val="60000"/>
-              <a:alpha val="38000"/>
-            </a:schemeClr>
-          </a:solidFill>
-          <a:ln w="12700" cmpd="sng">
-            <a:solidFill>
-              <a:schemeClr val="tx1"/>
-            </a:solidFill>
-            <a:prstDash val="sysDash"/>
-          </a:ln>
-        </p:spPr>
-        <p:style>
-          <a:lnRef idx="1">
-            <a:schemeClr val="accent1"/>
-          </a:lnRef>
-          <a:fillRef idx="3">
-            <a:schemeClr val="accent1"/>
-          </a:fillRef>
-          <a:effectRef idx="2">
-            <a:schemeClr val="accent1"/>
-          </a:effectRef>
-          <a:fontRef idx="minor">
-            <a:schemeClr val="lt1"/>
-          </a:fontRef>
-        </p:style>
-        <p:txBody>
-          <a:bodyPr rtlCol="0" anchor="ctr"/>
-          <a:lstStyle/>
-          <a:p>
-            <a:pPr algn="ctr"/>
-            <a:endParaRPr lang="en-US" sz="4830" dirty="0"/>
           </a:p>
         </p:txBody>
       </p:sp>
@@ -4907,808 +4798,16 @@
           </a:p>
         </p:txBody>
       </p:sp>
-      <p:grpSp>
-        <p:nvGrpSpPr>
-          <p:cNvPr id="11" name="Group 10"/>
-          <p:cNvGrpSpPr/>
-          <p:nvPr/>
-        </p:nvGrpSpPr>
-        <p:grpSpPr>
-          <a:xfrm>
-            <a:off x="12335084" y="13727977"/>
-            <a:ext cx="4054977" cy="862038"/>
-            <a:chOff x="10292858" y="5115902"/>
-            <a:chExt cx="3129434" cy="595965"/>
-          </a:xfrm>
-        </p:grpSpPr>
-        <p:pic>
-          <p:nvPicPr>
-            <p:cNvPr id="104" name="Picture 103"/>
-            <p:cNvPicPr>
-              <a:picLocks noChangeAspect="1"/>
-            </p:cNvPicPr>
-            <p:nvPr/>
-          </p:nvPicPr>
-          <p:blipFill rotWithShape="1">
-            <a:blip r:embed="rId7"/>
-            <a:srcRect l="4055" r="51638" b="9864"/>
-            <a:stretch/>
-          </p:blipFill>
-          <p:spPr>
-            <a:xfrm>
-              <a:off x="10292858" y="5115902"/>
-              <a:ext cx="3129434" cy="594473"/>
-            </a:xfrm>
-            <a:prstGeom prst="rect">
-              <a:avLst/>
-            </a:prstGeom>
-            <a:ln>
-              <a:solidFill>
-                <a:schemeClr val="tx1"/>
-              </a:solidFill>
-            </a:ln>
-          </p:spPr>
-        </p:pic>
-        <p:sp>
-          <p:nvSpPr>
-            <p:cNvPr id="105" name="Rectangle 104"/>
-            <p:cNvSpPr/>
-            <p:nvPr/>
-          </p:nvSpPr>
-          <p:spPr>
-            <a:xfrm>
-              <a:off x="10461092" y="5115903"/>
-              <a:ext cx="204854" cy="595964"/>
-            </a:xfrm>
-            <a:prstGeom prst="rect">
-              <a:avLst/>
-            </a:prstGeom>
-            <a:solidFill>
-              <a:schemeClr val="tx2">
-                <a:lumMod val="60000"/>
-                <a:lumOff val="40000"/>
-                <a:alpha val="52000"/>
-              </a:schemeClr>
-            </a:solidFill>
-          </p:spPr>
-          <p:style>
-            <a:lnRef idx="1">
-              <a:schemeClr val="accent1"/>
-            </a:lnRef>
-            <a:fillRef idx="3">
-              <a:schemeClr val="accent1"/>
-            </a:fillRef>
-            <a:effectRef idx="2">
-              <a:schemeClr val="accent1"/>
-            </a:effectRef>
-            <a:fontRef idx="minor">
-              <a:schemeClr val="lt1"/>
-            </a:fontRef>
-          </p:style>
-          <p:txBody>
-            <a:bodyPr rtlCol="0" anchor="ctr"/>
-            <a:lstStyle/>
-            <a:p>
-              <a:pPr algn="ctr"/>
-              <a:endParaRPr lang="en-US" sz="4830"/>
-            </a:p>
-          </p:txBody>
-        </p:sp>
-      </p:grpSp>
-      <p:grpSp>
-        <p:nvGrpSpPr>
-          <p:cNvPr id="106" name="Group 105"/>
-          <p:cNvGrpSpPr/>
-          <p:nvPr/>
-        </p:nvGrpSpPr>
-        <p:grpSpPr>
-          <a:xfrm>
-            <a:off x="12252478" y="16723052"/>
-            <a:ext cx="4051734" cy="737524"/>
-            <a:chOff x="473744" y="3368107"/>
-            <a:chExt cx="2254693" cy="506866"/>
-          </a:xfrm>
-        </p:grpSpPr>
-        <p:pic>
-          <p:nvPicPr>
-            <p:cNvPr id="132" name="Picture 131"/>
-            <p:cNvPicPr>
-              <a:picLocks noChangeAspect="1"/>
-            </p:cNvPicPr>
-            <p:nvPr/>
-          </p:nvPicPr>
-          <p:blipFill rotWithShape="1">
-            <a:blip r:embed="rId7"/>
-            <a:srcRect l="4055" r="51638" b="9864"/>
-            <a:stretch/>
-          </p:blipFill>
-          <p:spPr>
-            <a:xfrm>
-              <a:off x="478817" y="3369682"/>
-              <a:ext cx="2249620" cy="505291"/>
-            </a:xfrm>
-            <a:prstGeom prst="rect">
-              <a:avLst/>
-            </a:prstGeom>
-            <a:ln>
-              <a:solidFill>
-                <a:schemeClr val="tx1"/>
-              </a:solidFill>
-            </a:ln>
-          </p:spPr>
-        </p:pic>
-        <p:sp>
-          <p:nvSpPr>
-            <p:cNvPr id="133" name="Rectangle 132"/>
-            <p:cNvSpPr/>
-            <p:nvPr/>
-          </p:nvSpPr>
-          <p:spPr>
-            <a:xfrm>
-              <a:off x="599754" y="3368107"/>
-              <a:ext cx="162097" cy="505291"/>
-            </a:xfrm>
-            <a:prstGeom prst="rect">
-              <a:avLst/>
-            </a:prstGeom>
-            <a:solidFill>
-              <a:schemeClr val="tx2">
-                <a:lumMod val="60000"/>
-                <a:lumOff val="40000"/>
-                <a:alpha val="52000"/>
-              </a:schemeClr>
-            </a:solidFill>
-          </p:spPr>
-          <p:style>
-            <a:lnRef idx="1">
-              <a:schemeClr val="accent1"/>
-            </a:lnRef>
-            <a:fillRef idx="3">
-              <a:schemeClr val="accent1"/>
-            </a:fillRef>
-            <a:effectRef idx="2">
-              <a:schemeClr val="accent1"/>
-            </a:effectRef>
-            <a:fontRef idx="minor">
-              <a:schemeClr val="lt1"/>
-            </a:fontRef>
-          </p:style>
-          <p:txBody>
-            <a:bodyPr rtlCol="0" anchor="ctr"/>
-            <a:lstStyle/>
-            <a:p>
-              <a:pPr algn="ctr"/>
-              <a:endParaRPr lang="en-US" sz="4830"/>
-            </a:p>
-          </p:txBody>
-        </p:sp>
-        <p:sp>
-          <p:nvSpPr>
-            <p:cNvPr id="134" name="Rectangle 133"/>
-            <p:cNvSpPr/>
-            <p:nvPr/>
-          </p:nvSpPr>
-          <p:spPr>
-            <a:xfrm>
-              <a:off x="928772" y="3369682"/>
-              <a:ext cx="147261" cy="505291"/>
-            </a:xfrm>
-            <a:prstGeom prst="rect">
-              <a:avLst/>
-            </a:prstGeom>
-            <a:noFill/>
-            <a:ln>
-              <a:solidFill>
-                <a:schemeClr val="tx1"/>
-              </a:solidFill>
-            </a:ln>
-          </p:spPr>
-          <p:style>
-            <a:lnRef idx="1">
-              <a:schemeClr val="accent1"/>
-            </a:lnRef>
-            <a:fillRef idx="3">
-              <a:schemeClr val="accent1"/>
-            </a:fillRef>
-            <a:effectRef idx="2">
-              <a:schemeClr val="accent1"/>
-            </a:effectRef>
-            <a:fontRef idx="minor">
-              <a:schemeClr val="lt1"/>
-            </a:fontRef>
-          </p:style>
-          <p:txBody>
-            <a:bodyPr rtlCol="0" anchor="ctr"/>
-            <a:lstStyle/>
-            <a:p>
-              <a:pPr algn="ctr"/>
-              <a:endParaRPr lang="en-US" sz="4830"/>
-            </a:p>
-          </p:txBody>
-        </p:sp>
-        <p:sp>
-          <p:nvSpPr>
-            <p:cNvPr id="135" name="Rectangle 134"/>
-            <p:cNvSpPr/>
-            <p:nvPr/>
-          </p:nvSpPr>
-          <p:spPr>
-            <a:xfrm>
-              <a:off x="1081172" y="3369682"/>
-              <a:ext cx="147261" cy="505291"/>
-            </a:xfrm>
-            <a:prstGeom prst="rect">
-              <a:avLst/>
-            </a:prstGeom>
-            <a:noFill/>
-            <a:ln>
-              <a:solidFill>
-                <a:schemeClr val="tx1"/>
-              </a:solidFill>
-            </a:ln>
-          </p:spPr>
-          <p:style>
-            <a:lnRef idx="1">
-              <a:schemeClr val="accent1"/>
-            </a:lnRef>
-            <a:fillRef idx="3">
-              <a:schemeClr val="accent1"/>
-            </a:fillRef>
-            <a:effectRef idx="2">
-              <a:schemeClr val="accent1"/>
-            </a:effectRef>
-            <a:fontRef idx="minor">
-              <a:schemeClr val="lt1"/>
-            </a:fontRef>
-          </p:style>
-          <p:txBody>
-            <a:bodyPr rtlCol="0" anchor="ctr"/>
-            <a:lstStyle/>
-            <a:p>
-              <a:pPr algn="ctr"/>
-              <a:endParaRPr lang="en-US" sz="4830"/>
-            </a:p>
-          </p:txBody>
-        </p:sp>
-        <p:sp>
-          <p:nvSpPr>
-            <p:cNvPr id="136" name="Rectangle 135"/>
-            <p:cNvSpPr/>
-            <p:nvPr/>
-          </p:nvSpPr>
-          <p:spPr>
-            <a:xfrm>
-              <a:off x="1226674" y="3369682"/>
-              <a:ext cx="147261" cy="505291"/>
-            </a:xfrm>
-            <a:prstGeom prst="rect">
-              <a:avLst/>
-            </a:prstGeom>
-            <a:noFill/>
-            <a:ln>
-              <a:solidFill>
-                <a:schemeClr val="tx1"/>
-              </a:solidFill>
-            </a:ln>
-          </p:spPr>
-          <p:style>
-            <a:lnRef idx="1">
-              <a:schemeClr val="accent1"/>
-            </a:lnRef>
-            <a:fillRef idx="3">
-              <a:schemeClr val="accent1"/>
-            </a:fillRef>
-            <a:effectRef idx="2">
-              <a:schemeClr val="accent1"/>
-            </a:effectRef>
-            <a:fontRef idx="minor">
-              <a:schemeClr val="lt1"/>
-            </a:fontRef>
-          </p:style>
-          <p:txBody>
-            <a:bodyPr rtlCol="0" anchor="ctr"/>
-            <a:lstStyle/>
-            <a:p>
-              <a:pPr algn="ctr"/>
-              <a:endParaRPr lang="en-US" sz="4830"/>
-            </a:p>
-          </p:txBody>
-        </p:sp>
-        <p:sp>
-          <p:nvSpPr>
-            <p:cNvPr id="137" name="Rectangle 136"/>
-            <p:cNvSpPr/>
-            <p:nvPr/>
-          </p:nvSpPr>
-          <p:spPr>
-            <a:xfrm>
-              <a:off x="1376080" y="3369682"/>
-              <a:ext cx="147261" cy="505291"/>
-            </a:xfrm>
-            <a:prstGeom prst="rect">
-              <a:avLst/>
-            </a:prstGeom>
-            <a:noFill/>
-            <a:ln>
-              <a:solidFill>
-                <a:schemeClr val="tx1"/>
-              </a:solidFill>
-            </a:ln>
-          </p:spPr>
-          <p:style>
-            <a:lnRef idx="1">
-              <a:schemeClr val="accent1"/>
-            </a:lnRef>
-            <a:fillRef idx="3">
-              <a:schemeClr val="accent1"/>
-            </a:fillRef>
-            <a:effectRef idx="2">
-              <a:schemeClr val="accent1"/>
-            </a:effectRef>
-            <a:fontRef idx="minor">
-              <a:schemeClr val="lt1"/>
-            </a:fontRef>
-          </p:style>
-          <p:txBody>
-            <a:bodyPr rtlCol="0" anchor="ctr"/>
-            <a:lstStyle/>
-            <a:p>
-              <a:pPr algn="ctr"/>
-              <a:endParaRPr lang="en-US" sz="4830"/>
-            </a:p>
-          </p:txBody>
-        </p:sp>
-        <p:sp>
-          <p:nvSpPr>
-            <p:cNvPr id="138" name="Rectangle 137"/>
-            <p:cNvSpPr/>
-            <p:nvPr/>
-          </p:nvSpPr>
-          <p:spPr>
-            <a:xfrm>
-              <a:off x="1522403" y="3369682"/>
-              <a:ext cx="147261" cy="505291"/>
-            </a:xfrm>
-            <a:prstGeom prst="rect">
-              <a:avLst/>
-            </a:prstGeom>
-            <a:noFill/>
-            <a:ln>
-              <a:solidFill>
-                <a:schemeClr val="tx1"/>
-              </a:solidFill>
-            </a:ln>
-          </p:spPr>
-          <p:style>
-            <a:lnRef idx="1">
-              <a:schemeClr val="accent1"/>
-            </a:lnRef>
-            <a:fillRef idx="3">
-              <a:schemeClr val="accent1"/>
-            </a:fillRef>
-            <a:effectRef idx="2">
-              <a:schemeClr val="accent1"/>
-            </a:effectRef>
-            <a:fontRef idx="minor">
-              <a:schemeClr val="lt1"/>
-            </a:fontRef>
-          </p:style>
-          <p:txBody>
-            <a:bodyPr rtlCol="0" anchor="ctr"/>
-            <a:lstStyle/>
-            <a:p>
-              <a:pPr algn="ctr"/>
-              <a:endParaRPr lang="en-US" sz="4830"/>
-            </a:p>
-          </p:txBody>
-        </p:sp>
-        <p:sp>
-          <p:nvSpPr>
-            <p:cNvPr id="139" name="Rectangle 138"/>
-            <p:cNvSpPr/>
-            <p:nvPr/>
-          </p:nvSpPr>
-          <p:spPr>
-            <a:xfrm>
-              <a:off x="1667905" y="3369682"/>
-              <a:ext cx="147261" cy="505291"/>
-            </a:xfrm>
-            <a:prstGeom prst="rect">
-              <a:avLst/>
-            </a:prstGeom>
-            <a:noFill/>
-            <a:ln>
-              <a:solidFill>
-                <a:schemeClr val="tx1"/>
-              </a:solidFill>
-            </a:ln>
-          </p:spPr>
-          <p:style>
-            <a:lnRef idx="1">
-              <a:schemeClr val="accent1"/>
-            </a:lnRef>
-            <a:fillRef idx="3">
-              <a:schemeClr val="accent1"/>
-            </a:fillRef>
-            <a:effectRef idx="2">
-              <a:schemeClr val="accent1"/>
-            </a:effectRef>
-            <a:fontRef idx="minor">
-              <a:schemeClr val="lt1"/>
-            </a:fontRef>
-          </p:style>
-          <p:txBody>
-            <a:bodyPr rtlCol="0" anchor="ctr"/>
-            <a:lstStyle/>
-            <a:p>
-              <a:pPr algn="ctr"/>
-              <a:endParaRPr lang="en-US" sz="4830"/>
-            </a:p>
-          </p:txBody>
-        </p:sp>
-        <p:sp>
-          <p:nvSpPr>
-            <p:cNvPr id="140" name="Rectangle 139"/>
-            <p:cNvSpPr/>
-            <p:nvPr/>
-          </p:nvSpPr>
-          <p:spPr>
-            <a:xfrm>
-              <a:off x="1817311" y="3369682"/>
-              <a:ext cx="147261" cy="505291"/>
-            </a:xfrm>
-            <a:prstGeom prst="rect">
-              <a:avLst/>
-            </a:prstGeom>
-            <a:noFill/>
-            <a:ln>
-              <a:solidFill>
-                <a:schemeClr val="tx1"/>
-              </a:solidFill>
-            </a:ln>
-          </p:spPr>
-          <p:style>
-            <a:lnRef idx="1">
-              <a:schemeClr val="accent1"/>
-            </a:lnRef>
-            <a:fillRef idx="3">
-              <a:schemeClr val="accent1"/>
-            </a:fillRef>
-            <a:effectRef idx="2">
-              <a:schemeClr val="accent1"/>
-            </a:effectRef>
-            <a:fontRef idx="minor">
-              <a:schemeClr val="lt1"/>
-            </a:fontRef>
-          </p:style>
-          <p:txBody>
-            <a:bodyPr rtlCol="0" anchor="ctr"/>
-            <a:lstStyle/>
-            <a:p>
-              <a:pPr algn="ctr"/>
-              <a:endParaRPr lang="en-US" sz="4830"/>
-            </a:p>
-          </p:txBody>
-        </p:sp>
-        <p:sp>
-          <p:nvSpPr>
-            <p:cNvPr id="141" name="Rectangle 140"/>
-            <p:cNvSpPr/>
-            <p:nvPr/>
-          </p:nvSpPr>
-          <p:spPr>
-            <a:xfrm>
-              <a:off x="1969711" y="3369682"/>
-              <a:ext cx="147261" cy="505291"/>
-            </a:xfrm>
-            <a:prstGeom prst="rect">
-              <a:avLst/>
-            </a:prstGeom>
-            <a:noFill/>
-            <a:ln>
-              <a:solidFill>
-                <a:schemeClr val="tx1"/>
-              </a:solidFill>
-            </a:ln>
-          </p:spPr>
-          <p:style>
-            <a:lnRef idx="1">
-              <a:schemeClr val="accent1"/>
-            </a:lnRef>
-            <a:fillRef idx="3">
-              <a:schemeClr val="accent1"/>
-            </a:fillRef>
-            <a:effectRef idx="2">
-              <a:schemeClr val="accent1"/>
-            </a:effectRef>
-            <a:fontRef idx="minor">
-              <a:schemeClr val="lt1"/>
-            </a:fontRef>
-          </p:style>
-          <p:txBody>
-            <a:bodyPr rtlCol="0" anchor="ctr"/>
-            <a:lstStyle/>
-            <a:p>
-              <a:pPr algn="ctr"/>
-              <a:endParaRPr lang="en-US" sz="4830"/>
-            </a:p>
-          </p:txBody>
-        </p:sp>
-        <p:sp>
-          <p:nvSpPr>
-            <p:cNvPr id="142" name="Rectangle 141"/>
-            <p:cNvSpPr/>
-            <p:nvPr/>
-          </p:nvSpPr>
-          <p:spPr>
-            <a:xfrm>
-              <a:off x="2115213" y="3369682"/>
-              <a:ext cx="147261" cy="505291"/>
-            </a:xfrm>
-            <a:prstGeom prst="rect">
-              <a:avLst/>
-            </a:prstGeom>
-            <a:noFill/>
-            <a:ln>
-              <a:solidFill>
-                <a:schemeClr val="tx1"/>
-              </a:solidFill>
-            </a:ln>
-          </p:spPr>
-          <p:style>
-            <a:lnRef idx="1">
-              <a:schemeClr val="accent1"/>
-            </a:lnRef>
-            <a:fillRef idx="3">
-              <a:schemeClr val="accent1"/>
-            </a:fillRef>
-            <a:effectRef idx="2">
-              <a:schemeClr val="accent1"/>
-            </a:effectRef>
-            <a:fontRef idx="minor">
-              <a:schemeClr val="lt1"/>
-            </a:fontRef>
-          </p:style>
-          <p:txBody>
-            <a:bodyPr rtlCol="0" anchor="ctr"/>
-            <a:lstStyle/>
-            <a:p>
-              <a:pPr algn="ctr"/>
-              <a:endParaRPr lang="en-US" sz="4830"/>
-            </a:p>
-          </p:txBody>
-        </p:sp>
-        <p:sp>
-          <p:nvSpPr>
-            <p:cNvPr id="143" name="Rectangle 142"/>
-            <p:cNvSpPr/>
-            <p:nvPr/>
-          </p:nvSpPr>
-          <p:spPr>
-            <a:xfrm>
-              <a:off x="2264431" y="3368107"/>
-              <a:ext cx="147261" cy="505291"/>
-            </a:xfrm>
-            <a:prstGeom prst="rect">
-              <a:avLst/>
-            </a:prstGeom>
-            <a:noFill/>
-            <a:ln>
-              <a:solidFill>
-                <a:schemeClr val="tx1"/>
-              </a:solidFill>
-            </a:ln>
-          </p:spPr>
-          <p:style>
-            <a:lnRef idx="1">
-              <a:schemeClr val="accent1"/>
-            </a:lnRef>
-            <a:fillRef idx="3">
-              <a:schemeClr val="accent1"/>
-            </a:fillRef>
-            <a:effectRef idx="2">
-              <a:schemeClr val="accent1"/>
-            </a:effectRef>
-            <a:fontRef idx="minor">
-              <a:schemeClr val="lt1"/>
-            </a:fontRef>
-          </p:style>
-          <p:txBody>
-            <a:bodyPr rtlCol="0" anchor="ctr"/>
-            <a:lstStyle/>
-            <a:p>
-              <a:pPr algn="ctr"/>
-              <a:endParaRPr lang="en-US" sz="4830"/>
-            </a:p>
-          </p:txBody>
-        </p:sp>
-        <p:sp>
-          <p:nvSpPr>
-            <p:cNvPr id="144" name="Rectangle 143"/>
-            <p:cNvSpPr/>
-            <p:nvPr/>
-          </p:nvSpPr>
-          <p:spPr>
-            <a:xfrm>
-              <a:off x="2416831" y="3368107"/>
-              <a:ext cx="147261" cy="505291"/>
-            </a:xfrm>
-            <a:prstGeom prst="rect">
-              <a:avLst/>
-            </a:prstGeom>
-            <a:noFill/>
-            <a:ln>
-              <a:solidFill>
-                <a:schemeClr val="tx1"/>
-              </a:solidFill>
-            </a:ln>
-          </p:spPr>
-          <p:style>
-            <a:lnRef idx="1">
-              <a:schemeClr val="accent1"/>
-            </a:lnRef>
-            <a:fillRef idx="3">
-              <a:schemeClr val="accent1"/>
-            </a:fillRef>
-            <a:effectRef idx="2">
-              <a:schemeClr val="accent1"/>
-            </a:effectRef>
-            <a:fontRef idx="minor">
-              <a:schemeClr val="lt1"/>
-            </a:fontRef>
-          </p:style>
-          <p:txBody>
-            <a:bodyPr rtlCol="0" anchor="ctr"/>
-            <a:lstStyle/>
-            <a:p>
-              <a:pPr algn="ctr"/>
-              <a:endParaRPr lang="en-US" sz="4830"/>
-            </a:p>
-          </p:txBody>
-        </p:sp>
-        <p:sp>
-          <p:nvSpPr>
-            <p:cNvPr id="145" name="Rectangle 144"/>
-            <p:cNvSpPr/>
-            <p:nvPr/>
-          </p:nvSpPr>
-          <p:spPr>
-            <a:xfrm>
-              <a:off x="2562333" y="3368107"/>
-              <a:ext cx="166104" cy="505291"/>
-            </a:xfrm>
-            <a:prstGeom prst="rect">
-              <a:avLst/>
-            </a:prstGeom>
-            <a:noFill/>
-            <a:ln>
-              <a:solidFill>
-                <a:schemeClr val="tx1"/>
-              </a:solidFill>
-            </a:ln>
-          </p:spPr>
-          <p:style>
-            <a:lnRef idx="1">
-              <a:schemeClr val="accent1"/>
-            </a:lnRef>
-            <a:fillRef idx="3">
-              <a:schemeClr val="accent1"/>
-            </a:fillRef>
-            <a:effectRef idx="2">
-              <a:schemeClr val="accent1"/>
-            </a:effectRef>
-            <a:fontRef idx="minor">
-              <a:schemeClr val="lt1"/>
-            </a:fontRef>
-          </p:style>
-          <p:txBody>
-            <a:bodyPr rtlCol="0" anchor="ctr"/>
-            <a:lstStyle/>
-            <a:p>
-              <a:pPr algn="ctr"/>
-              <a:endParaRPr lang="en-US" sz="4830"/>
-            </a:p>
-          </p:txBody>
-        </p:sp>
-        <p:sp>
-          <p:nvSpPr>
-            <p:cNvPr id="146" name="Rectangle 145"/>
-            <p:cNvSpPr/>
-            <p:nvPr/>
-          </p:nvSpPr>
-          <p:spPr>
-            <a:xfrm>
-              <a:off x="761851" y="3369682"/>
-              <a:ext cx="166921" cy="505291"/>
-            </a:xfrm>
-            <a:prstGeom prst="rect">
-              <a:avLst/>
-            </a:prstGeom>
-            <a:noFill/>
-            <a:ln>
-              <a:solidFill>
-                <a:schemeClr val="tx1"/>
-              </a:solidFill>
-            </a:ln>
-          </p:spPr>
-          <p:style>
-            <a:lnRef idx="1">
-              <a:schemeClr val="accent1"/>
-            </a:lnRef>
-            <a:fillRef idx="3">
-              <a:schemeClr val="accent1"/>
-            </a:fillRef>
-            <a:effectRef idx="2">
-              <a:schemeClr val="accent1"/>
-            </a:effectRef>
-            <a:fontRef idx="minor">
-              <a:schemeClr val="lt1"/>
-            </a:fontRef>
-          </p:style>
-          <p:txBody>
-            <a:bodyPr rtlCol="0" anchor="ctr"/>
-            <a:lstStyle/>
-            <a:p>
-              <a:pPr algn="ctr"/>
-              <a:endParaRPr lang="en-US" sz="4830"/>
-            </a:p>
-          </p:txBody>
-        </p:sp>
-        <p:sp>
-          <p:nvSpPr>
-            <p:cNvPr id="147" name="Rectangle 146"/>
-            <p:cNvSpPr/>
-            <p:nvPr/>
-          </p:nvSpPr>
-          <p:spPr>
-            <a:xfrm>
-              <a:off x="473744" y="3369682"/>
-              <a:ext cx="126010" cy="505291"/>
-            </a:xfrm>
-            <a:prstGeom prst="rect">
-              <a:avLst/>
-            </a:prstGeom>
-            <a:noFill/>
-            <a:ln>
-              <a:solidFill>
-                <a:schemeClr val="tx1"/>
-              </a:solidFill>
-            </a:ln>
-          </p:spPr>
-          <p:style>
-            <a:lnRef idx="1">
-              <a:schemeClr val="accent1"/>
-            </a:lnRef>
-            <a:fillRef idx="3">
-              <a:schemeClr val="accent1"/>
-            </a:fillRef>
-            <a:effectRef idx="2">
-              <a:schemeClr val="accent1"/>
-            </a:effectRef>
-            <a:fontRef idx="minor">
-              <a:schemeClr val="lt1"/>
-            </a:fontRef>
-          </p:style>
-          <p:txBody>
-            <a:bodyPr rtlCol="0" anchor="ctr"/>
-            <a:lstStyle/>
-            <a:p>
-              <a:pPr algn="ctr"/>
-              <a:endParaRPr lang="en-US" sz="4830"/>
-            </a:p>
-          </p:txBody>
-        </p:sp>
-      </p:grpSp>
-      <p:sp>
-        <p:nvSpPr>
-          <p:cNvPr id="107" name="TextBox 106"/>
+      <p:sp>
+        <p:nvSpPr>
+          <p:cNvPr id="121" name="TextBox 120"/>
           <p:cNvSpPr txBox="1"/>
           <p:nvPr/>
         </p:nvSpPr>
         <p:spPr>
           <a:xfrm>
-            <a:off x="12035582" y="15792843"/>
-            <a:ext cx="5029204" cy="954107"/>
+            <a:off x="17378911" y="12689176"/>
+            <a:ext cx="5411069" cy="954107"/>
           </a:xfrm>
           <a:prstGeom prst="rect">
             <a:avLst/>
@@ -5733,27 +4832,27 @@
           <a:p>
             <a:r>
               <a:rPr lang="en-US" sz="2800" dirty="0"/>
-              <a:t>2. Segmentation and </a:t>
+              <a:t>4. User feedback: adjusting </a:t>
             </a:r>
           </a:p>
           <a:p>
             <a:r>
               <a:rPr lang="en-US" sz="2800" dirty="0"/>
-              <a:t>feature extraction (MFCCs)</a:t>
-            </a:r>
-          </a:p>
-        </p:txBody>
-      </p:sp>
-      <p:sp>
-        <p:nvSpPr>
-          <p:cNvPr id="113" name="TextBox 112"/>
+              <a:t>region boundaries and labeling</a:t>
+            </a:r>
+          </a:p>
+        </p:txBody>
+      </p:sp>
+      <p:sp>
+        <p:nvSpPr>
+          <p:cNvPr id="130" name="TextBox 129"/>
           <p:cNvSpPr txBox="1"/>
           <p:nvPr/>
         </p:nvSpPr>
         <p:spPr>
           <a:xfrm>
-            <a:off x="17556395" y="15697993"/>
-            <a:ext cx="5374128" cy="954107"/>
+            <a:off x="11730191" y="12201085"/>
+            <a:ext cx="964186" cy="523220"/>
           </a:xfrm>
           <a:prstGeom prst="rect">
             <a:avLst/>
@@ -5764,967 +4863,48 @@
           <a:bodyPr wrap="square" rtlCol="0">
             <a:spAutoFit/>
           </a:bodyPr>
-          <a:lstStyle>
-            <a:defPPr>
-              <a:defRPr lang="en-US"/>
-            </a:defPPr>
-            <a:lvl1pPr>
-              <a:defRPr sz="1800">
-                <a:latin typeface="Helvetica"/>
-                <a:cs typeface="Helvetica"/>
-              </a:defRPr>
-            </a:lvl1pPr>
-          </a:lstStyle>
-          <a:p>
-            <a:r>
-              <a:rPr lang="en-US" sz="2800" dirty="0"/>
-              <a:t>3. Highlights the n regions most similar to the target sound </a:t>
-            </a:r>
-          </a:p>
-        </p:txBody>
-      </p:sp>
-      <p:grpSp>
-        <p:nvGrpSpPr>
-          <p:cNvPr id="14" name="Group 13"/>
-          <p:cNvGrpSpPr/>
+          <a:lstStyle/>
+          <a:p>
+            <a:r>
+              <a:rPr lang="en-US" sz="2800" b="1" dirty="0"/>
+              <a:t>USER</a:t>
+            </a:r>
+          </a:p>
+        </p:txBody>
+      </p:sp>
+      <p:pic>
+        <p:nvPicPr>
+          <p:cNvPr id="17" name="Picture 16" descr="userInput.pdf"/>
+          <p:cNvPicPr>
+            <a:picLocks noChangeAspect="1"/>
+          </p:cNvPicPr>
           <p:nvPr/>
-        </p:nvGrpSpPr>
-        <p:grpSpPr>
-          <a:xfrm>
-            <a:off x="17632293" y="16659286"/>
-            <a:ext cx="4216415" cy="798999"/>
-            <a:chOff x="14404102" y="7299064"/>
-            <a:chExt cx="3119358" cy="938399"/>
-          </a:xfrm>
-        </p:grpSpPr>
-        <p:pic>
-          <p:nvPicPr>
-            <p:cNvPr id="108" name="Picture 107"/>
-            <p:cNvPicPr>
-              <a:picLocks noChangeAspect="1"/>
-            </p:cNvPicPr>
-            <p:nvPr/>
-          </p:nvPicPr>
-          <p:blipFill rotWithShape="1">
-            <a:blip r:embed="rId7"/>
-            <a:srcRect l="4055" r="51638" b="9864"/>
-            <a:stretch/>
-          </p:blipFill>
-          <p:spPr>
-            <a:xfrm>
-              <a:off x="14404102" y="7313039"/>
-              <a:ext cx="3119358" cy="922934"/>
-            </a:xfrm>
-            <a:prstGeom prst="rect">
-              <a:avLst/>
-            </a:prstGeom>
-            <a:ln>
-              <a:solidFill>
-                <a:schemeClr val="tx1"/>
-              </a:solidFill>
-            </a:ln>
-          </p:spPr>
-        </p:pic>
-        <p:sp>
-          <p:nvSpPr>
-            <p:cNvPr id="109" name="Rectangle 108"/>
-            <p:cNvSpPr/>
-            <p:nvPr/>
-          </p:nvSpPr>
-          <p:spPr>
-            <a:xfrm>
-              <a:off x="14572338" y="7314529"/>
-              <a:ext cx="204854" cy="922934"/>
-            </a:xfrm>
-            <a:prstGeom prst="rect">
-              <a:avLst/>
-            </a:prstGeom>
-            <a:solidFill>
-              <a:schemeClr val="tx2">
-                <a:lumMod val="60000"/>
-                <a:lumOff val="40000"/>
-                <a:alpha val="52000"/>
-              </a:schemeClr>
-            </a:solidFill>
-          </p:spPr>
-          <p:style>
-            <a:lnRef idx="1">
-              <a:schemeClr val="accent1"/>
-            </a:lnRef>
-            <a:fillRef idx="3">
-              <a:schemeClr val="accent1"/>
-            </a:fillRef>
-            <a:effectRef idx="2">
-              <a:schemeClr val="accent1"/>
-            </a:effectRef>
-            <a:fontRef idx="minor">
-              <a:schemeClr val="lt1"/>
-            </a:fontRef>
-          </p:style>
-          <p:txBody>
-            <a:bodyPr rtlCol="0" anchor="ctr"/>
-            <a:lstStyle/>
-            <a:p>
-              <a:pPr algn="ctr"/>
-              <a:endParaRPr lang="en-US" sz="4830"/>
-            </a:p>
-          </p:txBody>
-        </p:sp>
-        <p:sp>
-          <p:nvSpPr>
-            <p:cNvPr id="110" name="Rectangle 109"/>
-            <p:cNvSpPr/>
-            <p:nvPr/>
-          </p:nvSpPr>
-          <p:spPr>
-            <a:xfrm>
-              <a:off x="15247110" y="7314529"/>
-              <a:ext cx="204854" cy="922934"/>
-            </a:xfrm>
-            <a:prstGeom prst="rect">
-              <a:avLst/>
-            </a:prstGeom>
-            <a:solidFill>
-              <a:schemeClr val="bg1">
-                <a:lumMod val="75000"/>
-                <a:alpha val="52000"/>
-              </a:schemeClr>
-            </a:solidFill>
-            <a:ln>
-              <a:solidFill>
-                <a:schemeClr val="bg1">
-                  <a:lumMod val="50000"/>
-                </a:schemeClr>
-              </a:solidFill>
-            </a:ln>
-          </p:spPr>
-          <p:style>
-            <a:lnRef idx="1">
-              <a:schemeClr val="accent1"/>
-            </a:lnRef>
-            <a:fillRef idx="3">
-              <a:schemeClr val="accent1"/>
-            </a:fillRef>
-            <a:effectRef idx="2">
-              <a:schemeClr val="accent1"/>
-            </a:effectRef>
-            <a:fontRef idx="minor">
-              <a:schemeClr val="lt1"/>
-            </a:fontRef>
-          </p:style>
-          <p:txBody>
-            <a:bodyPr rtlCol="0" anchor="ctr"/>
-            <a:lstStyle/>
-            <a:p>
-              <a:pPr algn="ctr"/>
-              <a:endParaRPr lang="en-US" sz="4830" dirty="0"/>
-            </a:p>
-          </p:txBody>
-        </p:sp>
-        <p:sp>
-          <p:nvSpPr>
-            <p:cNvPr id="111" name="Rectangle 110"/>
-            <p:cNvSpPr/>
-            <p:nvPr/>
-          </p:nvSpPr>
-          <p:spPr>
-            <a:xfrm>
-              <a:off x="15663967" y="7313039"/>
-              <a:ext cx="204854" cy="922934"/>
-            </a:xfrm>
-            <a:prstGeom prst="rect">
-              <a:avLst/>
-            </a:prstGeom>
-            <a:solidFill>
-              <a:schemeClr val="bg1">
-                <a:lumMod val="75000"/>
-                <a:alpha val="52000"/>
-              </a:schemeClr>
-            </a:solidFill>
-            <a:ln>
-              <a:solidFill>
-                <a:schemeClr val="bg1">
-                  <a:lumMod val="50000"/>
-                </a:schemeClr>
-              </a:solidFill>
-            </a:ln>
-          </p:spPr>
-          <p:style>
-            <a:lnRef idx="1">
-              <a:schemeClr val="accent1"/>
-            </a:lnRef>
-            <a:fillRef idx="3">
-              <a:schemeClr val="accent1"/>
-            </a:fillRef>
-            <a:effectRef idx="2">
-              <a:schemeClr val="accent1"/>
-            </a:effectRef>
-            <a:fontRef idx="minor">
-              <a:schemeClr val="lt1"/>
-            </a:fontRef>
-          </p:style>
-          <p:txBody>
-            <a:bodyPr rtlCol="0" anchor="ctr"/>
-            <a:lstStyle/>
-            <a:p>
-              <a:pPr algn="ctr"/>
-              <a:endParaRPr lang="en-US" sz="4830" dirty="0"/>
-            </a:p>
-          </p:txBody>
-        </p:sp>
-        <p:sp>
-          <p:nvSpPr>
-            <p:cNvPr id="112" name="Rectangle 111"/>
-            <p:cNvSpPr/>
-            <p:nvPr/>
-          </p:nvSpPr>
-          <p:spPr>
-            <a:xfrm>
-              <a:off x="16286533" y="7313039"/>
-              <a:ext cx="204854" cy="922934"/>
-            </a:xfrm>
-            <a:prstGeom prst="rect">
-              <a:avLst/>
-            </a:prstGeom>
-            <a:solidFill>
-              <a:schemeClr val="bg1">
-                <a:lumMod val="75000"/>
-                <a:alpha val="52000"/>
-              </a:schemeClr>
-            </a:solidFill>
-            <a:ln>
-              <a:solidFill>
-                <a:schemeClr val="bg1">
-                  <a:lumMod val="50000"/>
-                </a:schemeClr>
-              </a:solidFill>
-            </a:ln>
-          </p:spPr>
-          <p:style>
-            <a:lnRef idx="1">
-              <a:schemeClr val="accent1"/>
-            </a:lnRef>
-            <a:fillRef idx="3">
-              <a:schemeClr val="accent1"/>
-            </a:fillRef>
-            <a:effectRef idx="2">
-              <a:schemeClr val="accent1"/>
-            </a:effectRef>
-            <a:fontRef idx="minor">
-              <a:schemeClr val="lt1"/>
-            </a:fontRef>
-          </p:style>
-          <p:txBody>
-            <a:bodyPr rtlCol="0" anchor="ctr"/>
-            <a:lstStyle/>
-            <a:p>
-              <a:pPr algn="ctr"/>
-              <a:endParaRPr lang="en-US" sz="4830" dirty="0"/>
-            </a:p>
-          </p:txBody>
-        </p:sp>
-        <p:sp>
-          <p:nvSpPr>
-            <p:cNvPr id="114" name="Rectangle 113"/>
-            <p:cNvSpPr/>
-            <p:nvPr/>
-          </p:nvSpPr>
-          <p:spPr>
-            <a:xfrm>
-              <a:off x="16759831" y="7299064"/>
-              <a:ext cx="204854" cy="922934"/>
-            </a:xfrm>
-            <a:prstGeom prst="rect">
-              <a:avLst/>
-            </a:prstGeom>
-            <a:solidFill>
-              <a:schemeClr val="bg1">
-                <a:lumMod val="75000"/>
-                <a:alpha val="52000"/>
-              </a:schemeClr>
-            </a:solidFill>
-            <a:ln>
-              <a:solidFill>
-                <a:schemeClr val="bg1">
-                  <a:lumMod val="50000"/>
-                </a:schemeClr>
-              </a:solidFill>
-            </a:ln>
-          </p:spPr>
-          <p:style>
-            <a:lnRef idx="1">
-              <a:schemeClr val="accent1"/>
-            </a:lnRef>
-            <a:fillRef idx="3">
-              <a:schemeClr val="accent1"/>
-            </a:fillRef>
-            <a:effectRef idx="2">
-              <a:schemeClr val="accent1"/>
-            </a:effectRef>
-            <a:fontRef idx="minor">
-              <a:schemeClr val="lt1"/>
-            </a:fontRef>
-          </p:style>
-          <p:txBody>
-            <a:bodyPr rtlCol="0" anchor="ctr"/>
-            <a:lstStyle/>
-            <a:p>
-              <a:pPr algn="ctr"/>
-              <a:endParaRPr lang="en-US" sz="4830" dirty="0"/>
-            </a:p>
-          </p:txBody>
-        </p:sp>
-      </p:grpSp>
-      <p:grpSp>
-        <p:nvGrpSpPr>
-          <p:cNvPr id="15" name="Group 14"/>
-          <p:cNvGrpSpPr/>
-          <p:nvPr/>
-        </p:nvGrpSpPr>
-        <p:grpSpPr>
-          <a:xfrm>
-            <a:off x="17612286" y="13703941"/>
-            <a:ext cx="4122229" cy="858946"/>
-            <a:chOff x="14381136" y="5386015"/>
-            <a:chExt cx="3119358" cy="936909"/>
-          </a:xfrm>
-        </p:grpSpPr>
-        <p:pic>
-          <p:nvPicPr>
-            <p:cNvPr id="115" name="Picture 114"/>
-            <p:cNvPicPr>
-              <a:picLocks noChangeAspect="1"/>
-            </p:cNvPicPr>
-            <p:nvPr/>
-          </p:nvPicPr>
-          <p:blipFill rotWithShape="1">
-            <a:blip r:embed="rId7"/>
-            <a:srcRect l="4055" r="51638" b="9864"/>
-            <a:stretch/>
-          </p:blipFill>
-          <p:spPr>
-            <a:xfrm>
-              <a:off x="14381136" y="5399990"/>
-              <a:ext cx="3119358" cy="922934"/>
-            </a:xfrm>
-            <a:prstGeom prst="rect">
-              <a:avLst/>
-            </a:prstGeom>
-            <a:ln>
-              <a:solidFill>
-                <a:schemeClr val="tx1"/>
-              </a:solidFill>
-            </a:ln>
-          </p:spPr>
-        </p:pic>
-        <p:sp>
-          <p:nvSpPr>
-            <p:cNvPr id="116" name="Rectangle 115"/>
-            <p:cNvSpPr/>
-            <p:nvPr/>
-          </p:nvSpPr>
-          <p:spPr>
-            <a:xfrm>
-              <a:off x="14549372" y="5386015"/>
-              <a:ext cx="204854" cy="922934"/>
-            </a:xfrm>
-            <a:prstGeom prst="rect">
-              <a:avLst/>
-            </a:prstGeom>
-            <a:solidFill>
-              <a:schemeClr val="tx2">
-                <a:lumMod val="60000"/>
-                <a:lumOff val="40000"/>
-                <a:alpha val="52000"/>
-              </a:schemeClr>
-            </a:solidFill>
-          </p:spPr>
-          <p:style>
-            <a:lnRef idx="1">
-              <a:schemeClr val="accent1"/>
-            </a:lnRef>
-            <a:fillRef idx="3">
-              <a:schemeClr val="accent1"/>
-            </a:fillRef>
-            <a:effectRef idx="2">
-              <a:schemeClr val="accent1"/>
-            </a:effectRef>
-            <a:fontRef idx="minor">
-              <a:schemeClr val="lt1"/>
-            </a:fontRef>
-          </p:style>
-          <p:txBody>
-            <a:bodyPr rtlCol="0" anchor="ctr"/>
-            <a:lstStyle/>
-            <a:p>
-              <a:pPr algn="ctr"/>
-              <a:endParaRPr lang="en-US" sz="4830"/>
-            </a:p>
-          </p:txBody>
-        </p:sp>
-        <p:sp>
-          <p:nvSpPr>
-            <p:cNvPr id="117" name="Rectangle 116"/>
-            <p:cNvSpPr/>
-            <p:nvPr/>
-          </p:nvSpPr>
-          <p:spPr>
-            <a:xfrm>
-              <a:off x="15095435" y="5386015"/>
-              <a:ext cx="333564" cy="922934"/>
-            </a:xfrm>
-            <a:prstGeom prst="rect">
-              <a:avLst/>
-            </a:prstGeom>
-            <a:solidFill>
-              <a:schemeClr val="tx2">
-                <a:lumMod val="60000"/>
-                <a:lumOff val="40000"/>
-                <a:alpha val="52000"/>
-              </a:schemeClr>
-            </a:solidFill>
-            <a:ln>
-              <a:solidFill>
-                <a:schemeClr val="tx2">
-                  <a:lumMod val="60000"/>
-                  <a:lumOff val="40000"/>
-                </a:schemeClr>
-              </a:solidFill>
-            </a:ln>
-          </p:spPr>
-          <p:style>
-            <a:lnRef idx="1">
-              <a:schemeClr val="accent1"/>
-            </a:lnRef>
-            <a:fillRef idx="3">
-              <a:schemeClr val="accent1"/>
-            </a:fillRef>
-            <a:effectRef idx="2">
-              <a:schemeClr val="accent1"/>
-            </a:effectRef>
-            <a:fontRef idx="minor">
-              <a:schemeClr val="lt1"/>
-            </a:fontRef>
-          </p:style>
-          <p:txBody>
-            <a:bodyPr rtlCol="0" anchor="ctr"/>
-            <a:lstStyle/>
-            <a:p>
-              <a:pPr algn="ctr"/>
-              <a:endParaRPr lang="en-US" sz="4830" dirty="0"/>
-            </a:p>
-          </p:txBody>
-        </p:sp>
-        <p:sp>
-          <p:nvSpPr>
-            <p:cNvPr id="118" name="Rectangle 117"/>
-            <p:cNvSpPr/>
-            <p:nvPr/>
-          </p:nvSpPr>
-          <p:spPr>
-            <a:xfrm>
-              <a:off x="15641002" y="5399990"/>
-              <a:ext cx="204854" cy="922934"/>
-            </a:xfrm>
-            <a:prstGeom prst="rect">
-              <a:avLst/>
-            </a:prstGeom>
-            <a:solidFill>
-              <a:schemeClr val="tx2">
-                <a:lumMod val="60000"/>
-                <a:lumOff val="40000"/>
-                <a:alpha val="52000"/>
-              </a:schemeClr>
-            </a:solidFill>
-            <a:ln>
-              <a:solidFill>
-                <a:schemeClr val="bg1">
-                  <a:lumMod val="50000"/>
-                </a:schemeClr>
-              </a:solidFill>
-            </a:ln>
-          </p:spPr>
-          <p:style>
-            <a:lnRef idx="1">
-              <a:schemeClr val="accent1"/>
-            </a:lnRef>
-            <a:fillRef idx="3">
-              <a:schemeClr val="accent1"/>
-            </a:fillRef>
-            <a:effectRef idx="2">
-              <a:schemeClr val="accent1"/>
-            </a:effectRef>
-            <a:fontRef idx="minor">
-              <a:schemeClr val="lt1"/>
-            </a:fontRef>
-          </p:style>
-          <p:txBody>
-            <a:bodyPr rtlCol="0" anchor="ctr"/>
-            <a:lstStyle/>
-            <a:p>
-              <a:pPr algn="ctr"/>
-              <a:endParaRPr lang="en-US" sz="4830" dirty="0"/>
-            </a:p>
-          </p:txBody>
-        </p:sp>
-        <p:sp>
-          <p:nvSpPr>
-            <p:cNvPr id="119" name="Rectangle 118"/>
-            <p:cNvSpPr/>
-            <p:nvPr/>
-          </p:nvSpPr>
-          <p:spPr>
-            <a:xfrm>
-              <a:off x="16263568" y="5399990"/>
-              <a:ext cx="204854" cy="922934"/>
-            </a:xfrm>
-            <a:prstGeom prst="rect">
-              <a:avLst/>
-            </a:prstGeom>
-            <a:solidFill>
-              <a:srgbClr val="FF0000">
-                <a:alpha val="52000"/>
-              </a:srgbClr>
-            </a:solidFill>
-            <a:ln>
-              <a:solidFill>
-                <a:schemeClr val="bg1">
-                  <a:lumMod val="50000"/>
-                </a:schemeClr>
-              </a:solidFill>
-            </a:ln>
-          </p:spPr>
-          <p:style>
-            <a:lnRef idx="1">
-              <a:schemeClr val="accent1"/>
-            </a:lnRef>
-            <a:fillRef idx="3">
-              <a:schemeClr val="accent1"/>
-            </a:fillRef>
-            <a:effectRef idx="2">
-              <a:schemeClr val="accent1"/>
-            </a:effectRef>
-            <a:fontRef idx="minor">
-              <a:schemeClr val="lt1"/>
-            </a:fontRef>
-          </p:style>
-          <p:txBody>
-            <a:bodyPr rtlCol="0" anchor="ctr"/>
-            <a:lstStyle/>
-            <a:p>
-              <a:pPr algn="ctr"/>
-              <a:endParaRPr lang="en-US" sz="4830" dirty="0"/>
-            </a:p>
-          </p:txBody>
-        </p:sp>
-        <p:sp>
-          <p:nvSpPr>
-            <p:cNvPr id="120" name="Rectangle 119"/>
-            <p:cNvSpPr/>
-            <p:nvPr/>
-          </p:nvSpPr>
-          <p:spPr>
-            <a:xfrm>
-              <a:off x="16709112" y="5386015"/>
-              <a:ext cx="204854" cy="922934"/>
-            </a:xfrm>
-            <a:prstGeom prst="rect">
-              <a:avLst/>
-            </a:prstGeom>
-            <a:solidFill>
-              <a:srgbClr val="FF0000">
-                <a:alpha val="52000"/>
-              </a:srgbClr>
-            </a:solidFill>
-            <a:ln>
-              <a:solidFill>
-                <a:schemeClr val="bg1">
-                  <a:lumMod val="50000"/>
-                </a:schemeClr>
-              </a:solidFill>
-            </a:ln>
-          </p:spPr>
-          <p:style>
-            <a:lnRef idx="1">
-              <a:schemeClr val="accent1"/>
-            </a:lnRef>
-            <a:fillRef idx="3">
-              <a:schemeClr val="accent1"/>
-            </a:fillRef>
-            <a:effectRef idx="2">
-              <a:schemeClr val="accent1"/>
-            </a:effectRef>
-            <a:fontRef idx="minor">
-              <a:schemeClr val="lt1"/>
-            </a:fontRef>
-          </p:style>
-          <p:txBody>
-            <a:bodyPr rtlCol="0" anchor="ctr"/>
-            <a:lstStyle/>
-            <a:p>
-              <a:pPr algn="ctr"/>
-              <a:endParaRPr lang="en-US" sz="4830" dirty="0"/>
-            </a:p>
-          </p:txBody>
-        </p:sp>
-      </p:grpSp>
-      <p:sp>
-        <p:nvSpPr>
-          <p:cNvPr id="121" name="TextBox 120"/>
-          <p:cNvSpPr txBox="1"/>
-          <p:nvPr/>
-        </p:nvSpPr>
+        </p:nvPicPr>
+        <p:blipFill>
+          <a:blip r:embed="rId7">
+            <a:extLst>
+              <a:ext uri="{28A0092B-C50C-407E-A947-70E740481C1C}">
+                <a14:useLocalDpi xmlns:a14="http://schemas.microsoft.com/office/drawing/2010/main" val="0"/>
+              </a:ext>
+            </a:extLst>
+          </a:blip>
+          <a:stretch>
+            <a:fillRect/>
+          </a:stretch>
+        </p:blipFill>
         <p:spPr>
           <a:xfrm>
-            <a:off x="17378911" y="12689176"/>
-            <a:ext cx="5411069" cy="954107"/>
+            <a:off x="11656060" y="19485488"/>
+            <a:ext cx="8613616" cy="3322695"/>
           </a:xfrm>
           <a:prstGeom prst="rect">
             <a:avLst/>
           </a:prstGeom>
-          <a:noFill/>
         </p:spPr>
-        <p:txBody>
-          <a:bodyPr wrap="square" rtlCol="0">
-            <a:spAutoFit/>
-          </a:bodyPr>
-          <a:lstStyle>
-            <a:defPPr>
-              <a:defRPr lang="en-US"/>
-            </a:defPPr>
-            <a:lvl1pPr>
-              <a:defRPr sz="1800">
-                <a:latin typeface="Helvetica"/>
-                <a:cs typeface="Helvetica"/>
-              </a:defRPr>
-            </a:lvl1pPr>
-          </a:lstStyle>
-          <a:p>
-            <a:r>
-              <a:rPr lang="en-US" sz="2800" dirty="0"/>
-              <a:t>4. User feedback: adjusting </a:t>
-            </a:r>
-          </a:p>
-          <a:p>
-            <a:r>
-              <a:rPr lang="en-US" sz="2800" dirty="0"/>
-              <a:t>region boundaries and labeling</a:t>
-            </a:r>
-          </a:p>
-        </p:txBody>
-      </p:sp>
-      <p:sp>
-        <p:nvSpPr>
-          <p:cNvPr id="122" name="Rounded Rectangle 121"/>
-          <p:cNvSpPr/>
-          <p:nvPr/>
-        </p:nvSpPr>
-        <p:spPr>
-          <a:xfrm>
-            <a:off x="23230484" y="15891324"/>
-            <a:ext cx="3646007" cy="1937096"/>
-          </a:xfrm>
-          <a:prstGeom prst="roundRect">
-            <a:avLst>
-              <a:gd name="adj" fmla="val 0"/>
-            </a:avLst>
-          </a:prstGeom>
-          <a:solidFill>
-            <a:schemeClr val="bg1"/>
-          </a:solidFill>
-          <a:ln w="19050" cmpd="sng">
-            <a:solidFill>
-              <a:schemeClr val="tx1"/>
-            </a:solidFill>
-            <a:bevel/>
-          </a:ln>
-        </p:spPr>
-        <p:style>
-          <a:lnRef idx="1">
-            <a:schemeClr val="accent1"/>
-          </a:lnRef>
-          <a:fillRef idx="3">
-            <a:schemeClr val="accent1"/>
-          </a:fillRef>
-          <a:effectRef idx="2">
-            <a:schemeClr val="accent1"/>
-          </a:effectRef>
-          <a:fontRef idx="minor">
-            <a:schemeClr val="lt1"/>
-          </a:fontRef>
-        </p:style>
-        <p:txBody>
-          <a:bodyPr rtlCol="0" anchor="ctr"/>
-          <a:lstStyle/>
-          <a:p>
-            <a:pPr algn="ctr"/>
-            <a:endParaRPr lang="en-US" sz="4830" dirty="0">
-              <a:solidFill>
-                <a:schemeClr val="tx1"/>
-              </a:solidFill>
-            </a:endParaRPr>
-          </a:p>
-        </p:txBody>
-      </p:sp>
-      <p:sp>
-        <p:nvSpPr>
-          <p:cNvPr id="123" name="TextBox 122"/>
-          <p:cNvSpPr txBox="1"/>
-          <p:nvPr/>
-        </p:nvSpPr>
-        <p:spPr>
-          <a:xfrm>
-            <a:off x="23294676" y="16037466"/>
-            <a:ext cx="3831422" cy="1815882"/>
-          </a:xfrm>
-          <a:prstGeom prst="rect">
-            <a:avLst/>
-          </a:prstGeom>
-          <a:noFill/>
-        </p:spPr>
-        <p:txBody>
-          <a:bodyPr wrap="square" rtlCol="0">
-            <a:spAutoFit/>
-          </a:bodyPr>
-          <a:lstStyle>
-            <a:defPPr>
-              <a:defRPr lang="en-US"/>
-            </a:defPPr>
-            <a:lvl1pPr>
-              <a:defRPr sz="1800">
-                <a:latin typeface="Helvetica"/>
-                <a:cs typeface="Helvetica"/>
-              </a:defRPr>
-            </a:lvl1pPr>
-          </a:lstStyle>
-          <a:p>
-            <a:r>
-              <a:rPr lang="en-US" sz="2800" dirty="0"/>
-              <a:t>- Additional negative </a:t>
-            </a:r>
-          </a:p>
-          <a:p>
-            <a:r>
-              <a:rPr lang="en-US" sz="2800" dirty="0"/>
-              <a:t>regions</a:t>
-            </a:r>
-          </a:p>
-          <a:p>
-            <a:r>
-              <a:rPr lang="en-US" sz="2800" dirty="0"/>
-              <a:t>- Feature reweight</a:t>
-            </a:r>
-          </a:p>
-          <a:p>
-            <a:r>
-              <a:rPr lang="en-US" sz="2800" dirty="0"/>
-              <a:t>- Relevance score</a:t>
-            </a:r>
-          </a:p>
-        </p:txBody>
-      </p:sp>
-      <p:sp>
-        <p:nvSpPr>
-          <p:cNvPr id="124" name="TextBox 123"/>
-          <p:cNvSpPr txBox="1"/>
-          <p:nvPr/>
-        </p:nvSpPr>
-        <p:spPr>
-          <a:xfrm>
-            <a:off x="23125484" y="15382143"/>
-            <a:ext cx="3258014" cy="523220"/>
-          </a:xfrm>
-          <a:prstGeom prst="rect">
-            <a:avLst/>
-          </a:prstGeom>
-          <a:noFill/>
-        </p:spPr>
-        <p:txBody>
-          <a:bodyPr wrap="square" rtlCol="0">
-            <a:spAutoFit/>
-          </a:bodyPr>
-          <a:lstStyle>
-            <a:defPPr>
-              <a:defRPr lang="en-US"/>
-            </a:defPPr>
-            <a:lvl1pPr>
-              <a:defRPr sz="1800">
-                <a:latin typeface="Helvetica"/>
-                <a:cs typeface="Helvetica"/>
-              </a:defRPr>
-            </a:lvl1pPr>
-          </a:lstStyle>
-          <a:p>
-            <a:r>
-              <a:rPr lang="en-US" sz="2800" dirty="0"/>
-              <a:t>5. Model update</a:t>
-            </a:r>
-          </a:p>
-        </p:txBody>
-      </p:sp>
-      <p:sp>
-        <p:nvSpPr>
-          <p:cNvPr id="127" name="Up Arrow 126"/>
-          <p:cNvSpPr/>
-          <p:nvPr/>
-        </p:nvSpPr>
-        <p:spPr>
-          <a:xfrm rot="5400000">
-            <a:off x="16691047" y="16695782"/>
-            <a:ext cx="524360" cy="879870"/>
-          </a:xfrm>
-          <a:prstGeom prst="upArrow">
-            <a:avLst/>
-          </a:prstGeom>
-          <a:solidFill>
-            <a:srgbClr val="4E2C75"/>
-          </a:solidFill>
-          <a:ln>
-            <a:noFill/>
-          </a:ln>
-        </p:spPr>
-        <p:style>
-          <a:lnRef idx="1">
-            <a:schemeClr val="accent1"/>
-          </a:lnRef>
-          <a:fillRef idx="3">
-            <a:schemeClr val="accent1"/>
-          </a:fillRef>
-          <a:effectRef idx="2">
-            <a:schemeClr val="accent1"/>
-          </a:effectRef>
-          <a:fontRef idx="minor">
-            <a:schemeClr val="lt1"/>
-          </a:fontRef>
-        </p:style>
-        <p:txBody>
-          <a:bodyPr rtlCol="0" anchor="ctr"/>
-          <a:lstStyle/>
-          <a:p>
-            <a:pPr algn="ctr"/>
-            <a:endParaRPr lang="en-US" sz="4830">
-              <a:solidFill>
-                <a:srgbClr val="7F1D80"/>
-              </a:solidFill>
-            </a:endParaRPr>
-          </a:p>
-        </p:txBody>
-      </p:sp>
-      <p:sp>
-        <p:nvSpPr>
-          <p:cNvPr id="129" name="Bent Arrow 128"/>
-          <p:cNvSpPr/>
-          <p:nvPr/>
-        </p:nvSpPr>
-        <p:spPr>
-          <a:xfrm rot="5400000">
-            <a:off x="22702426" y="13628437"/>
-            <a:ext cx="1437511" cy="2398207"/>
-          </a:xfrm>
-          <a:prstGeom prst="bentArrow">
-            <a:avLst>
-              <a:gd name="adj1" fmla="val 14149"/>
-              <a:gd name="adj2" fmla="val 15054"/>
-              <a:gd name="adj3" fmla="val 23191"/>
-              <a:gd name="adj4" fmla="val 43750"/>
-            </a:avLst>
-          </a:prstGeom>
-          <a:solidFill>
-            <a:srgbClr val="4E2C75"/>
-          </a:solidFill>
-          <a:ln>
-            <a:noFill/>
-          </a:ln>
-        </p:spPr>
-        <p:style>
-          <a:lnRef idx="1">
-            <a:schemeClr val="accent1"/>
-          </a:lnRef>
-          <a:fillRef idx="3">
-            <a:schemeClr val="accent1"/>
-          </a:fillRef>
-          <a:effectRef idx="2">
-            <a:schemeClr val="accent1"/>
-          </a:effectRef>
-          <a:fontRef idx="minor">
-            <a:schemeClr val="lt1"/>
-          </a:fontRef>
-        </p:style>
-        <p:txBody>
-          <a:bodyPr rtlCol="0" anchor="ctr"/>
-          <a:lstStyle/>
-          <a:p>
-            <a:pPr algn="ctr"/>
-            <a:endParaRPr lang="en-US" sz="4830" dirty="0">
-              <a:solidFill>
-                <a:schemeClr val="tx1"/>
-              </a:solidFill>
-            </a:endParaRPr>
-          </a:p>
-        </p:txBody>
-      </p:sp>
-      <p:sp>
-        <p:nvSpPr>
-          <p:cNvPr id="130" name="TextBox 129"/>
-          <p:cNvSpPr txBox="1"/>
-          <p:nvPr/>
-        </p:nvSpPr>
-        <p:spPr>
-          <a:xfrm>
-            <a:off x="11730191" y="12201085"/>
-            <a:ext cx="964186" cy="523220"/>
-          </a:xfrm>
-          <a:prstGeom prst="rect">
-            <a:avLst/>
-          </a:prstGeom>
-          <a:noFill/>
-        </p:spPr>
-        <p:txBody>
-          <a:bodyPr wrap="square" rtlCol="0">
-            <a:spAutoFit/>
-          </a:bodyPr>
-          <a:lstStyle/>
-          <a:p>
-            <a:r>
-              <a:rPr lang="en-US" sz="2800" b="1" dirty="0"/>
-              <a:t>USER</a:t>
-            </a:r>
-          </a:p>
-        </p:txBody>
-      </p:sp>
-      <p:sp>
-        <p:nvSpPr>
-          <p:cNvPr id="131" name="TextBox 130"/>
-          <p:cNvSpPr txBox="1"/>
-          <p:nvPr/>
-        </p:nvSpPr>
-        <p:spPr>
-          <a:xfrm>
-            <a:off x="11585378" y="15427982"/>
-            <a:ext cx="1892417" cy="523220"/>
-          </a:xfrm>
-          <a:prstGeom prst="rect">
-            <a:avLst/>
-          </a:prstGeom>
-          <a:noFill/>
-        </p:spPr>
-        <p:txBody>
-          <a:bodyPr wrap="square" rtlCol="0">
-            <a:spAutoFit/>
-          </a:bodyPr>
-          <a:lstStyle/>
-          <a:p>
-            <a:r>
-              <a:rPr lang="en-US" sz="2800" b="1" dirty="0"/>
-              <a:t>SYSTEM</a:t>
-            </a:r>
-            <a:endParaRPr lang="en-US" sz="3200" b="1" dirty="0"/>
-          </a:p>
-        </p:txBody>
-      </p:sp>
+      </p:pic>
       <p:pic>
         <p:nvPicPr>
-          <p:cNvPr id="17" name="Picture 16" descr="userInput.pdf"/>
+          <p:cNvPr id="26" name="Picture 25" descr="autoNegLabel.pdf"/>
           <p:cNvPicPr>
             <a:picLocks noChangeAspect="1"/>
           </p:cNvPicPr>
@@ -6744,444 +4924,14 @@
         </p:blipFill>
         <p:spPr>
           <a:xfrm>
-            <a:off x="11656060" y="19485488"/>
-            <a:ext cx="8613616" cy="3322695"/>
+            <a:off x="21402710" y="20193484"/>
+            <a:ext cx="4699575" cy="2219244"/>
           </a:xfrm>
           <a:prstGeom prst="rect">
             <a:avLst/>
           </a:prstGeom>
         </p:spPr>
       </p:pic>
-      <p:pic>
-        <p:nvPicPr>
-          <p:cNvPr id="26" name="Picture 25" descr="autoNegLabel.pdf"/>
-          <p:cNvPicPr>
-            <a:picLocks noChangeAspect="1"/>
-          </p:cNvPicPr>
-          <p:nvPr/>
-        </p:nvPicPr>
-        <p:blipFill>
-          <a:blip r:embed="rId9">
-            <a:extLst>
-              <a:ext uri="{28A0092B-C50C-407E-A947-70E740481C1C}">
-                <a14:useLocalDpi xmlns:a14="http://schemas.microsoft.com/office/drawing/2010/main" val="0"/>
-              </a:ext>
-            </a:extLst>
-          </a:blip>
-          <a:stretch>
-            <a:fillRect/>
-          </a:stretch>
-        </p:blipFill>
-        <p:spPr>
-          <a:xfrm>
-            <a:off x="21402710" y="20193484"/>
-            <a:ext cx="4699575" cy="2219244"/>
-          </a:xfrm>
-          <a:prstGeom prst="rect">
-            <a:avLst/>
-          </a:prstGeom>
-        </p:spPr>
-      </p:pic>
-      <p:grpSp>
-        <p:nvGrpSpPr>
-          <p:cNvPr id="158" name="Group 157"/>
-          <p:cNvGrpSpPr/>
-          <p:nvPr/>
-        </p:nvGrpSpPr>
-        <p:grpSpPr>
-          <a:xfrm>
-            <a:off x="11466915" y="7306789"/>
-            <a:ext cx="9626499" cy="3052261"/>
-            <a:chOff x="-110430" y="2068349"/>
-            <a:chExt cx="9101821" cy="2604853"/>
-          </a:xfrm>
-        </p:grpSpPr>
-        <p:sp>
-          <p:nvSpPr>
-            <p:cNvPr id="159" name="Rounded Rectangle 158"/>
-            <p:cNvSpPr/>
-            <p:nvPr/>
-          </p:nvSpPr>
-          <p:spPr>
-            <a:xfrm>
-              <a:off x="2897221" y="2316364"/>
-              <a:ext cx="3010249" cy="848256"/>
-            </a:xfrm>
-            <a:prstGeom prst="roundRect">
-              <a:avLst/>
-            </a:prstGeom>
-            <a:solidFill>
-              <a:srgbClr val="FF0000">
-                <a:alpha val="52000"/>
-              </a:srgbClr>
-            </a:solidFill>
-            <a:ln>
-              <a:solidFill>
-                <a:schemeClr val="accent2"/>
-              </a:solidFill>
-            </a:ln>
-          </p:spPr>
-          <p:style>
-            <a:lnRef idx="1">
-              <a:schemeClr val="accent1"/>
-            </a:lnRef>
-            <a:fillRef idx="3">
-              <a:schemeClr val="accent1"/>
-            </a:fillRef>
-            <a:effectRef idx="2">
-              <a:schemeClr val="accent1"/>
-            </a:effectRef>
-            <a:fontRef idx="minor">
-              <a:schemeClr val="lt1"/>
-            </a:fontRef>
-          </p:style>
-          <p:txBody>
-            <a:bodyPr rtlCol="0" anchor="ctr"/>
-            <a:lstStyle/>
-            <a:p>
-              <a:pPr algn="ctr"/>
-              <a:r>
-                <a:rPr lang="en-US" sz="3600" dirty="0">
-                  <a:solidFill>
-                    <a:schemeClr val="tx1"/>
-                  </a:solidFill>
-                  <a:latin typeface="Helvetica"/>
-                </a:rPr>
-                <a:t>Human</a:t>
-              </a:r>
-              <a:endParaRPr lang="en-US" sz="2800" dirty="0">
-                <a:solidFill>
-                  <a:schemeClr val="tx1"/>
-                </a:solidFill>
-                <a:latin typeface="Helvetica"/>
-              </a:endParaRPr>
-            </a:p>
-          </p:txBody>
-        </p:sp>
-        <p:sp>
-          <p:nvSpPr>
-            <p:cNvPr id="160" name="Rounded Rectangle 159"/>
-            <p:cNvSpPr/>
-            <p:nvPr/>
-          </p:nvSpPr>
-          <p:spPr>
-            <a:xfrm>
-              <a:off x="2897221" y="3807753"/>
-              <a:ext cx="3010249" cy="848256"/>
-            </a:xfrm>
-            <a:prstGeom prst="roundRect">
-              <a:avLst/>
-            </a:prstGeom>
-            <a:solidFill>
-              <a:srgbClr val="FF0000">
-                <a:alpha val="52000"/>
-              </a:srgbClr>
-            </a:solidFill>
-            <a:ln>
-              <a:solidFill>
-                <a:schemeClr val="accent2"/>
-              </a:solidFill>
-            </a:ln>
-          </p:spPr>
-          <p:style>
-            <a:lnRef idx="1">
-              <a:schemeClr val="accent1"/>
-            </a:lnRef>
-            <a:fillRef idx="3">
-              <a:schemeClr val="accent1"/>
-            </a:fillRef>
-            <a:effectRef idx="2">
-              <a:schemeClr val="accent1"/>
-            </a:effectRef>
-            <a:fontRef idx="minor">
-              <a:schemeClr val="lt1"/>
-            </a:fontRef>
-          </p:style>
-          <p:txBody>
-            <a:bodyPr rtlCol="0" anchor="ctr"/>
-            <a:lstStyle/>
-            <a:p>
-              <a:pPr algn="ctr"/>
-              <a:r>
-                <a:rPr lang="en-US" sz="3600" dirty="0">
-                  <a:solidFill>
-                    <a:schemeClr val="tx1"/>
-                  </a:solidFill>
-                  <a:latin typeface="Helvetica"/>
-                </a:rPr>
-                <a:t>Machine</a:t>
-              </a:r>
-            </a:p>
-          </p:txBody>
-        </p:sp>
-        <p:sp>
-          <p:nvSpPr>
-            <p:cNvPr id="161" name="Curved Left Arrow 160"/>
-            <p:cNvSpPr/>
-            <p:nvPr/>
-          </p:nvSpPr>
-          <p:spPr>
-            <a:xfrm>
-              <a:off x="6305300" y="2874123"/>
-              <a:ext cx="596745" cy="1231715"/>
-            </a:xfrm>
-            <a:prstGeom prst="curvedLeftArrow">
-              <a:avLst/>
-            </a:prstGeom>
-            <a:solidFill>
-              <a:srgbClr val="FF0000">
-                <a:alpha val="52000"/>
-              </a:srgbClr>
-            </a:solidFill>
-            <a:ln>
-              <a:solidFill>
-                <a:schemeClr val="accent2"/>
-              </a:solidFill>
-            </a:ln>
-          </p:spPr>
-          <p:style>
-            <a:lnRef idx="1">
-              <a:schemeClr val="accent1"/>
-            </a:lnRef>
-            <a:fillRef idx="3">
-              <a:schemeClr val="accent1"/>
-            </a:fillRef>
-            <a:effectRef idx="2">
-              <a:schemeClr val="accent1"/>
-            </a:effectRef>
-            <a:fontRef idx="minor">
-              <a:schemeClr val="lt1"/>
-            </a:fontRef>
-          </p:style>
-          <p:txBody>
-            <a:bodyPr rtlCol="0" anchor="ctr"/>
-            <a:lstStyle/>
-            <a:p>
-              <a:pPr algn="ctr"/>
-              <a:endParaRPr lang="en-US" sz="4830" dirty="0"/>
-            </a:p>
-          </p:txBody>
-        </p:sp>
-        <p:sp>
-          <p:nvSpPr>
-            <p:cNvPr id="162" name="TextBox 161"/>
-            <p:cNvSpPr txBox="1"/>
-            <p:nvPr/>
-          </p:nvSpPr>
-          <p:spPr>
-            <a:xfrm>
-              <a:off x="7013425" y="2874123"/>
-              <a:ext cx="1977966" cy="919317"/>
-            </a:xfrm>
-            <a:prstGeom prst="rect">
-              <a:avLst/>
-            </a:prstGeom>
-            <a:noFill/>
-          </p:spPr>
-          <p:txBody>
-            <a:bodyPr wrap="square" rtlCol="0">
-              <a:spAutoFit/>
-            </a:bodyPr>
-            <a:lstStyle/>
-            <a:p>
-              <a:r>
-                <a:rPr lang="en-US" sz="3200" dirty="0">
-                  <a:latin typeface="Helvetica"/>
-                </a:rPr>
-                <a:t>User</a:t>
-              </a:r>
-            </a:p>
-            <a:p>
-              <a:r>
-                <a:rPr lang="en-US" sz="3200" dirty="0">
-                  <a:latin typeface="Helvetica"/>
-                </a:rPr>
-                <a:t>Feedback</a:t>
-              </a:r>
-            </a:p>
-          </p:txBody>
-        </p:sp>
-        <p:sp>
-          <p:nvSpPr>
-            <p:cNvPr id="163" name="Curved Left Arrow 162"/>
-            <p:cNvSpPr/>
-            <p:nvPr/>
-          </p:nvSpPr>
-          <p:spPr>
-            <a:xfrm rot="10800000">
-              <a:off x="1994949" y="2850431"/>
-              <a:ext cx="596745" cy="1231715"/>
-            </a:xfrm>
-            <a:prstGeom prst="curvedLeftArrow">
-              <a:avLst/>
-            </a:prstGeom>
-            <a:solidFill>
-              <a:srgbClr val="FF0000">
-                <a:alpha val="52000"/>
-              </a:srgbClr>
-            </a:solidFill>
-            <a:ln>
-              <a:solidFill>
-                <a:schemeClr val="accent2"/>
-              </a:solidFill>
-            </a:ln>
-          </p:spPr>
-          <p:style>
-            <a:lnRef idx="1">
-              <a:schemeClr val="accent1"/>
-            </a:lnRef>
-            <a:fillRef idx="3">
-              <a:schemeClr val="accent1"/>
-            </a:fillRef>
-            <a:effectRef idx="2">
-              <a:schemeClr val="accent1"/>
-            </a:effectRef>
-            <a:fontRef idx="minor">
-              <a:schemeClr val="lt1"/>
-            </a:fontRef>
-          </p:style>
-          <p:txBody>
-            <a:bodyPr rtlCol="0" anchor="ctr"/>
-            <a:lstStyle/>
-            <a:p>
-              <a:pPr algn="ctr"/>
-              <a:endParaRPr lang="en-US" sz="4830" dirty="0"/>
-            </a:p>
-          </p:txBody>
-        </p:sp>
-        <p:sp>
-          <p:nvSpPr>
-            <p:cNvPr id="164" name="TextBox 163"/>
-            <p:cNvSpPr txBox="1"/>
-            <p:nvPr/>
-          </p:nvSpPr>
-          <p:spPr>
-            <a:xfrm>
-              <a:off x="-110430" y="2907893"/>
-              <a:ext cx="2402765" cy="919317"/>
-            </a:xfrm>
-            <a:prstGeom prst="rect">
-              <a:avLst/>
-            </a:prstGeom>
-            <a:noFill/>
-          </p:spPr>
-          <p:txBody>
-            <a:bodyPr wrap="square" rtlCol="0">
-              <a:spAutoFit/>
-            </a:bodyPr>
-            <a:lstStyle/>
-            <a:p>
-              <a:r>
-                <a:rPr lang="en-US" sz="3200" dirty="0">
-                  <a:latin typeface="Helvetica"/>
-                </a:rPr>
-                <a:t>Machine</a:t>
-              </a:r>
-              <a:r>
-                <a:rPr lang="en-US" sz="3200" b="1" dirty="0">
-                  <a:latin typeface="Helvetica"/>
-                  <a:cs typeface="Helvetica"/>
-                </a:rPr>
-                <a:t> </a:t>
-              </a:r>
-              <a:r>
-                <a:rPr lang="en-US" sz="3200" dirty="0">
-                  <a:latin typeface="Helvetica"/>
-                </a:rPr>
-                <a:t>Suggestion</a:t>
-              </a:r>
-            </a:p>
-          </p:txBody>
-        </p:sp>
-        <p:sp>
-          <p:nvSpPr>
-            <p:cNvPr id="165" name="TextBox 164"/>
-            <p:cNvSpPr txBox="1"/>
-            <p:nvPr/>
-          </p:nvSpPr>
-          <p:spPr>
-            <a:xfrm>
-              <a:off x="5907469" y="2068349"/>
-              <a:ext cx="2265190" cy="499057"/>
-            </a:xfrm>
-            <a:prstGeom prst="rect">
-              <a:avLst/>
-            </a:prstGeom>
-            <a:noFill/>
-          </p:spPr>
-          <p:txBody>
-            <a:bodyPr wrap="square" rtlCol="0">
-              <a:spAutoFit/>
-            </a:bodyPr>
-            <a:lstStyle/>
-            <a:p>
-              <a:r>
-                <a:rPr lang="en-US" sz="3200" b="1" dirty="0">
-                  <a:solidFill>
-                    <a:srgbClr val="0070C0"/>
-                  </a:solidFill>
-                  <a:latin typeface="Helvetica"/>
-                </a:rPr>
-                <a:t>Accurate</a:t>
-              </a:r>
-              <a:r>
-                <a:rPr lang="en-US" sz="3200" b="1" dirty="0">
-                  <a:solidFill>
-                    <a:srgbClr val="0070C0"/>
-                  </a:solidFill>
-                  <a:latin typeface="Helvetica"/>
-                  <a:cs typeface="Helvetica"/>
-                </a:rPr>
-                <a:t>!</a:t>
-              </a:r>
-            </a:p>
-          </p:txBody>
-        </p:sp>
-        <p:sp>
-          <p:nvSpPr>
-            <p:cNvPr id="166" name="TextBox 165"/>
-            <p:cNvSpPr txBox="1"/>
-            <p:nvPr/>
-          </p:nvSpPr>
-          <p:spPr>
-            <a:xfrm>
-              <a:off x="1405447" y="4174145"/>
-              <a:ext cx="1597085" cy="499057"/>
-            </a:xfrm>
-            <a:prstGeom prst="rect">
-              <a:avLst/>
-            </a:prstGeom>
-            <a:noFill/>
-          </p:spPr>
-          <p:txBody>
-            <a:bodyPr wrap="square" rtlCol="0">
-              <a:spAutoFit/>
-            </a:bodyPr>
-            <a:lstStyle/>
-            <a:p>
-              <a:r>
-                <a:rPr lang="en-US" sz="3200" b="1" dirty="0">
-                  <a:solidFill>
-                    <a:srgbClr val="0070C0"/>
-                  </a:solidFill>
-                  <a:latin typeface="Helvetica"/>
-                </a:rPr>
-                <a:t>Fast</a:t>
-              </a:r>
-              <a:r>
-                <a:rPr lang="en-US" sz="3200" b="1" dirty="0">
-                  <a:solidFill>
-                    <a:srgbClr val="0070C0"/>
-                  </a:solidFill>
-                  <a:latin typeface="Helvetica"/>
-                  <a:cs typeface="Helvetica"/>
-                </a:rPr>
-                <a:t>!</a:t>
-              </a:r>
-            </a:p>
-          </p:txBody>
-        </p:sp>
-      </p:grpSp>
       <p:cxnSp>
         <p:nvCxnSpPr>
           <p:cNvPr id="4" name="Straight Connector 3"/>
@@ -7220,150 +4970,6 @@
           </a:fontRef>
         </p:style>
       </p:cxnSp>
-      <p:sp>
-        <p:nvSpPr>
-          <p:cNvPr id="169" name="Up Arrow 168"/>
-          <p:cNvSpPr/>
-          <p:nvPr/>
-        </p:nvSpPr>
-        <p:spPr>
-          <a:xfrm rot="10800000">
-            <a:off x="13802247" y="14779811"/>
-            <a:ext cx="605988" cy="956295"/>
-          </a:xfrm>
-          <a:prstGeom prst="upArrow">
-            <a:avLst/>
-          </a:prstGeom>
-          <a:solidFill>
-            <a:srgbClr val="4E2C75"/>
-          </a:solidFill>
-          <a:ln>
-            <a:noFill/>
-          </a:ln>
-        </p:spPr>
-        <p:style>
-          <a:lnRef idx="1">
-            <a:schemeClr val="accent1"/>
-          </a:lnRef>
-          <a:fillRef idx="3">
-            <a:schemeClr val="accent1"/>
-          </a:fillRef>
-          <a:effectRef idx="2">
-            <a:schemeClr val="accent1"/>
-          </a:effectRef>
-          <a:fontRef idx="minor">
-            <a:schemeClr val="lt1"/>
-          </a:fontRef>
-        </p:style>
-        <p:txBody>
-          <a:bodyPr rtlCol="0" anchor="ctr"/>
-          <a:lstStyle/>
-          <a:p>
-            <a:pPr algn="ctr"/>
-            <a:endParaRPr lang="en-US" sz="4830">
-              <a:solidFill>
-                <a:srgbClr val="7F1D80"/>
-              </a:solidFill>
-            </a:endParaRPr>
-          </a:p>
-        </p:txBody>
-      </p:sp>
-      <p:sp>
-        <p:nvSpPr>
-          <p:cNvPr id="170" name="Up Arrow 169"/>
-          <p:cNvSpPr/>
-          <p:nvPr/>
-        </p:nvSpPr>
-        <p:spPr>
-          <a:xfrm>
-            <a:off x="18952569" y="14668313"/>
-            <a:ext cx="611387" cy="910334"/>
-          </a:xfrm>
-          <a:prstGeom prst="upArrow">
-            <a:avLst/>
-          </a:prstGeom>
-          <a:solidFill>
-            <a:srgbClr val="4E2C75"/>
-          </a:solidFill>
-          <a:ln>
-            <a:noFill/>
-          </a:ln>
-        </p:spPr>
-        <p:style>
-          <a:lnRef idx="1">
-            <a:schemeClr val="accent1"/>
-          </a:lnRef>
-          <a:fillRef idx="3">
-            <a:schemeClr val="accent1"/>
-          </a:fillRef>
-          <a:effectRef idx="2">
-            <a:schemeClr val="accent1"/>
-          </a:effectRef>
-          <a:fontRef idx="minor">
-            <a:schemeClr val="lt1"/>
-          </a:fontRef>
-        </p:style>
-        <p:txBody>
-          <a:bodyPr rtlCol="0" anchor="ctr"/>
-          <a:lstStyle/>
-          <a:p>
-            <a:pPr algn="ctr"/>
-            <a:endParaRPr lang="en-US" sz="4830">
-              <a:solidFill>
-                <a:srgbClr val="7F1D80"/>
-              </a:solidFill>
-            </a:endParaRPr>
-          </a:p>
-        </p:txBody>
-      </p:sp>
-      <p:sp>
-        <p:nvSpPr>
-          <p:cNvPr id="171" name="Up Arrow 170"/>
-          <p:cNvSpPr/>
-          <p:nvPr/>
-        </p:nvSpPr>
-        <p:spPr>
-          <a:xfrm rot="16200000">
-            <a:off x="22312267" y="16575977"/>
-            <a:ext cx="650979" cy="945128"/>
-          </a:xfrm>
-          <a:prstGeom prst="upArrow">
-            <a:avLst/>
-          </a:prstGeom>
-          <a:solidFill>
-            <a:srgbClr val="4E2C75"/>
-          </a:solidFill>
-          <a:ln>
-            <a:noFill/>
-          </a:ln>
-        </p:spPr>
-        <p:style>
-          <a:lnRef idx="1">
-            <a:schemeClr val="accent1"/>
-          </a:lnRef>
-          <a:fillRef idx="3">
-            <a:schemeClr val="accent1"/>
-          </a:fillRef>
-          <a:effectRef idx="2">
-            <a:schemeClr val="accent1"/>
-          </a:effectRef>
-          <a:fontRef idx="minor">
-            <a:schemeClr val="lt1"/>
-          </a:fontRef>
-        </p:style>
-        <p:txBody>
-          <a:bodyPr rtlCol="0" anchor="ctr"/>
-          <a:lstStyle/>
-          <a:p>
-            <a:pPr algn="ctr"/>
-            <a:endParaRPr lang="en-US" sz="4830">
-              <a:solidFill>
-                <a:srgbClr val="7F1D80"/>
-              </a:solidFill>
-            </a:endParaRPr>
-          </a:p>
-        </p:txBody>
-      </p:sp>
       <p:sp>
         <p:nvSpPr>
           <p:cNvPr id="175" name="TextBox 174"/>
@@ -7655,7 +5261,7 @@
           <p:nvPr/>
         </p:nvPicPr>
         <p:blipFill>
-          <a:blip r:embed="rId10"/>
+          <a:blip r:embed="rId9"/>
           <a:stretch>
             <a:fillRect/>
           </a:stretch>
@@ -7727,7 +5333,7 @@
           <p:nvPr/>
         </p:nvPicPr>
         <p:blipFill rotWithShape="1">
-          <a:blip r:embed="rId11"/>
+          <a:blip r:embed="rId10"/>
           <a:srcRect l="69219"/>
           <a:stretch/>
         </p:blipFill>
@@ -8182,7 +5788,7 @@
         </p:nvSpPr>
         <p:spPr>
           <a:xfrm>
-            <a:off x="11579973" y="18549227"/>
+            <a:off x="11616361" y="19591536"/>
             <a:ext cx="19572697" cy="769441"/>
           </a:xfrm>
           <a:prstGeom prst="rect">
@@ -8283,6 +5889,30 @@
           </a:p>
         </p:txBody>
       </p:sp>
+      <p:pic>
+        <p:nvPicPr>
+          <p:cNvPr id="13" name="Picture 12"/>
+          <p:cNvPicPr>
+            <a:picLocks noChangeAspect="1"/>
+          </p:cNvPicPr>
+          <p:nvPr/>
+        </p:nvPicPr>
+        <p:blipFill>
+          <a:blip r:embed="rId11"/>
+          <a:stretch>
+            <a:fillRect/>
+          </a:stretch>
+        </p:blipFill>
+        <p:spPr>
+          <a:xfrm>
+            <a:off x="12379663" y="13703305"/>
+            <a:ext cx="17232849" cy="4942251"/>
+          </a:xfrm>
+          <a:prstGeom prst="rect">
+            <a:avLst/>
+          </a:prstGeom>
+        </p:spPr>
+      </p:pic>
     </p:spTree>
     <p:extLst>
       <p:ext uri="{BB962C8B-B14F-4D97-AF65-F5344CB8AC3E}">

--- a/poster.pptx
+++ b/poster.pptx
@@ -3559,6 +3559,30 @@
       </p:grpSpPr>
       <p:pic>
         <p:nvPicPr>
+          <p:cNvPr id="13" name="Picture 12"/>
+          <p:cNvPicPr>
+            <a:picLocks noChangeAspect="1"/>
+          </p:cNvPicPr>
+          <p:nvPr/>
+        </p:nvPicPr>
+        <p:blipFill>
+          <a:blip r:embed="rId3"/>
+          <a:stretch>
+            <a:fillRect/>
+          </a:stretch>
+        </p:blipFill>
+        <p:spPr>
+          <a:xfrm>
+            <a:off x="12320335" y="11925327"/>
+            <a:ext cx="17232849" cy="4942251"/>
+          </a:xfrm>
+          <a:prstGeom prst="rect">
+            <a:avLst/>
+          </a:prstGeom>
+        </p:spPr>
+      </p:pic>
+      <p:pic>
+        <p:nvPicPr>
           <p:cNvPr id="6" name="Picture 5"/>
           <p:cNvPicPr>
             <a:picLocks noChangeAspect="1"/>
@@ -3566,7 +3590,7 @@
           <p:nvPr/>
         </p:nvPicPr>
         <p:blipFill rotWithShape="1">
-          <a:blip r:embed="rId3"/>
+          <a:blip r:embed="rId4"/>
           <a:srcRect l="13017" t="7811" r="8885" b="54090"/>
           <a:stretch/>
         </p:blipFill>
@@ -3691,8 +3715,8 @@
         </p:nvSpPr>
         <p:spPr>
           <a:xfrm>
-            <a:off x="20269676" y="37408402"/>
-            <a:ext cx="9974671" cy="504394"/>
+            <a:off x="20579554" y="36934606"/>
+            <a:ext cx="9974671" cy="947592"/>
           </a:xfrm>
           <a:prstGeom prst="rect">
             <a:avLst/>
@@ -3723,8 +3747,41 @@
               <a:rPr lang="en-US" sz="2400" dirty="0">
                 <a:latin typeface="Helvetica"/>
               </a:rPr>
-              <a:t>This work was supported by NSF Grant 1617497</a:t>
-            </a:r>
+              <a:t>This work </a:t>
+            </a:r>
+            <a:r>
+              <a:rPr lang="en-US" sz="2400" dirty="0" smtClean="0">
+                <a:latin typeface="Helvetica"/>
+              </a:rPr>
+              <a:t>used the CREPE pitch tracker made by Justin </a:t>
+            </a:r>
+            <a:r>
+              <a:rPr lang="en-US" sz="2400" dirty="0" err="1" smtClean="0">
+                <a:latin typeface="Helvetica"/>
+              </a:rPr>
+              <a:t>Salamon</a:t>
+            </a:r>
+            <a:r>
+              <a:rPr lang="en-US" sz="2400" dirty="0" smtClean="0">
+                <a:latin typeface="Helvetica"/>
+              </a:rPr>
+              <a:t>, Jong </a:t>
+            </a:r>
+            <a:r>
+              <a:rPr lang="en-US" sz="2400" dirty="0" err="1" smtClean="0">
+                <a:latin typeface="Helvetica"/>
+              </a:rPr>
+              <a:t>Wook</a:t>
+            </a:r>
+            <a:r>
+              <a:rPr lang="en-US" sz="2400" dirty="0" smtClean="0">
+                <a:latin typeface="Helvetica"/>
+              </a:rPr>
+              <a:t> Kim, Peter Li, and Juan Pablo Bello </a:t>
+            </a:r>
+            <a:endParaRPr lang="en-US" sz="2400" dirty="0">
+              <a:latin typeface="Helvetica"/>
+            </a:endParaRPr>
           </a:p>
         </p:txBody>
       </p:sp>
@@ -3858,126 +3915,55 @@
           </a:p>
         </p:txBody>
       </p:sp>
-      <p:grpSp>
-        <p:nvGrpSpPr>
-          <p:cNvPr id="25" name="Group 24"/>
-          <p:cNvGrpSpPr/>
+      <p:sp>
+        <p:nvSpPr>
+          <p:cNvPr id="10" name="TextBox 9"/>
+          <p:cNvSpPr txBox="1"/>
           <p:nvPr/>
-        </p:nvGrpSpPr>
-        <p:grpSpPr>
+        </p:nvSpPr>
+        <p:spPr>
           <a:xfrm>
             <a:off x="938572" y="6147250"/>
-            <a:ext cx="9512626" cy="4761557"/>
-            <a:chOff x="898406" y="4745092"/>
-            <a:chExt cx="7862934" cy="7046096"/>
+            <a:ext cx="9451167" cy="749220"/>
           </a:xfrm>
-        </p:grpSpPr>
-        <p:sp>
-          <p:nvSpPr>
-            <p:cNvPr id="10" name="TextBox 9"/>
-            <p:cNvSpPr txBox="1"/>
-            <p:nvPr/>
-          </p:nvSpPr>
-          <p:spPr>
-            <a:xfrm>
-              <a:off x="898406" y="4745092"/>
-              <a:ext cx="7812134" cy="1108687"/>
-            </a:xfrm>
-            <a:prstGeom prst="rect">
-              <a:avLst/>
-            </a:prstGeom>
-            <a:noFill/>
-          </p:spPr>
-          <p:txBody>
-            <a:bodyPr wrap="square" lIns="71413" tIns="35707" rIns="71413" bIns="35707" rtlCol="0">
-              <a:spAutoFit/>
-            </a:bodyPr>
-            <a:lstStyle/>
-            <a:p>
-              <a:r>
-                <a:rPr lang="en-US" sz="4400" b="1" dirty="0">
-                  <a:solidFill>
-                    <a:srgbClr val="4E2C75"/>
-                  </a:solidFill>
-                  <a:latin typeface="Helvetica"/>
-                </a:rPr>
-                <a:t>1. Why do we label audio?</a:t>
-              </a:r>
-            </a:p>
-          </p:txBody>
-        </p:sp>
-        <p:sp>
-          <p:nvSpPr>
-            <p:cNvPr id="52" name="TextBox 51"/>
-            <p:cNvSpPr txBox="1"/>
-            <p:nvPr/>
-          </p:nvSpPr>
-          <p:spPr>
-            <a:xfrm>
-              <a:off x="900288" y="5751999"/>
-              <a:ext cx="7861052" cy="6039189"/>
-            </a:xfrm>
-            <a:prstGeom prst="rect">
-              <a:avLst/>
-            </a:prstGeom>
-            <a:noFill/>
-          </p:spPr>
-          <p:txBody>
-            <a:bodyPr wrap="square" rtlCol="0">
-              <a:spAutoFit/>
-            </a:bodyPr>
-            <a:lstStyle/>
-            <a:p>
-              <a:pPr marL="280732" indent="-280732" algn="just">
-                <a:lnSpc>
-                  <a:spcPct val="120000"/>
-                </a:lnSpc>
-                <a:buFont typeface="Arial"/>
-                <a:buChar char="•"/>
-              </a:pPr>
-              <a:r>
-                <a:rPr lang="en-US" sz="3600" dirty="0">
-                  <a:latin typeface="Helvetica"/>
-                  <a:cs typeface="Helvetica"/>
-                </a:rPr>
-                <a:t>To quantify sound events to understand the context</a:t>
-              </a:r>
-            </a:p>
-            <a:p>
-              <a:pPr marL="280732" indent="-280732" algn="just">
-                <a:lnSpc>
-                  <a:spcPct val="120000"/>
-                </a:lnSpc>
-                <a:buFont typeface="Arial"/>
-                <a:buChar char="•"/>
-              </a:pPr>
-              <a:r>
-                <a:rPr lang="en-US" sz="3600" dirty="0">
-                  <a:latin typeface="Helvetica"/>
-                  <a:cs typeface="Helvetica"/>
-                </a:rPr>
-                <a:t>To build a database for audio search engines </a:t>
-              </a:r>
-            </a:p>
-            <a:p>
-              <a:pPr marL="280732" indent="-280732" algn="just">
-                <a:lnSpc>
-                  <a:spcPct val="120000"/>
-                </a:lnSpc>
-                <a:buFont typeface="Arial"/>
-                <a:buChar char="•"/>
-              </a:pPr>
-              <a:r>
-                <a:rPr lang="en-US" sz="3600" dirty="0">
-                  <a:latin typeface="Helvetica"/>
-                  <a:cs typeface="Helvetica"/>
-                </a:rPr>
-                <a:t>To collect training data for machine learning tasks in audio</a:t>
-              </a:r>
-            </a:p>
-          </p:txBody>
-        </p:sp>
-      </p:grpSp>
+          <a:prstGeom prst="rect">
+            <a:avLst/>
+          </a:prstGeom>
+          <a:noFill/>
+        </p:spPr>
+        <p:txBody>
+          <a:bodyPr wrap="square" lIns="71413" tIns="35707" rIns="71413" bIns="35707" rtlCol="0">
+            <a:spAutoFit/>
+          </a:bodyPr>
+          <a:lstStyle/>
+          <a:p>
+            <a:r>
+              <a:rPr lang="en-US" sz="4400" b="1" dirty="0">
+                <a:solidFill>
+                  <a:srgbClr val="4E2C75"/>
+                </a:solidFill>
+                <a:latin typeface="Helvetica"/>
+              </a:rPr>
+              <a:t>1. </a:t>
+            </a:r>
+            <a:r>
+              <a:rPr lang="en-US" sz="4400" b="1" dirty="0" smtClean="0">
+                <a:solidFill>
+                  <a:srgbClr val="4E2C75"/>
+                </a:solidFill>
+                <a:latin typeface="Helvetica"/>
+              </a:rPr>
+              <a:t>Motivation</a:t>
+            </a:r>
+            <a:endParaRPr lang="en-US" sz="4400" b="1" dirty="0">
+              <a:solidFill>
+                <a:srgbClr val="4E2C75"/>
+              </a:solidFill>
+              <a:latin typeface="Helvetica"/>
+            </a:endParaRPr>
+          </a:p>
+        </p:txBody>
+      </p:sp>
       <p:sp>
         <p:nvSpPr>
           <p:cNvPr id="173" name="TextBox 172"/>
@@ -3986,7 +3972,7 @@
         </p:nvSpPr>
         <p:spPr>
           <a:xfrm>
-            <a:off x="11486217" y="11150856"/>
+            <a:off x="11638093" y="6518174"/>
             <a:ext cx="16595564" cy="769441"/>
           </a:xfrm>
           <a:prstGeom prst="rect">
@@ -4007,8 +3993,32 @@
                 </a:solidFill>
                 <a:latin typeface="Helvetica"/>
               </a:rPr>
-              <a:t>5. I-SED: Interactive Sound Event Detector [Kim ,2017]</a:t>
-            </a:r>
+              <a:t>4</a:t>
+            </a:r>
+            <a:r>
+              <a:rPr lang="en-US" sz="4400" b="1" dirty="0" smtClean="0">
+                <a:solidFill>
+                  <a:srgbClr val="4E2C75"/>
+                </a:solidFill>
+                <a:latin typeface="Helvetica"/>
+              </a:rPr>
+              <a:t>. </a:t>
+            </a:r>
+            <a:r>
+              <a:rPr lang="en-US" sz="4400" b="1" dirty="0" smtClean="0">
+                <a:solidFill>
+                  <a:srgbClr val="4E2C75"/>
+                </a:solidFill>
+                <a:latin typeface="Helvetica"/>
+              </a:rPr>
+              <a:t>Pipeline</a:t>
+            </a:r>
+            <a:endParaRPr lang="en-US" sz="4400" b="1" dirty="0">
+              <a:solidFill>
+                <a:srgbClr val="4E2C75"/>
+              </a:solidFill>
+              <a:latin typeface="Helvetica"/>
+            </a:endParaRPr>
           </a:p>
         </p:txBody>
       </p:sp>
@@ -4020,10 +4030,10 @@
         </p:nvGrpSpPr>
         <p:grpSpPr>
           <a:xfrm>
-            <a:off x="1015823" y="16484463"/>
-            <a:ext cx="9552941" cy="11244102"/>
-            <a:chOff x="898406" y="4745092"/>
-            <a:chExt cx="7867775" cy="6272155"/>
+            <a:off x="683914" y="17885489"/>
+            <a:ext cx="9580654" cy="1812916"/>
+            <a:chOff x="875581" y="5054049"/>
+            <a:chExt cx="7890600" cy="1011276"/>
           </a:xfrm>
         </p:grpSpPr>
         <p:sp>
@@ -4034,7 +4044,7 @@
           </p:nvSpPr>
           <p:spPr>
             <a:xfrm>
-              <a:off x="898406" y="4745092"/>
+              <a:off x="875581" y="5647397"/>
               <a:ext cx="7812133" cy="417928"/>
             </a:xfrm>
             <a:prstGeom prst="rect">
@@ -4055,8 +4065,23 @@
                   </a:solidFill>
                   <a:latin typeface="Helvetica"/>
                 </a:rPr>
-                <a:t>2. How do we label audio?</a:t>
+                <a:t>2. </a:t>
               </a:r>
+              <a:r>
+                <a:rPr lang="en-US" sz="4400" b="1" dirty="0" smtClean="0">
+                  <a:solidFill>
+                    <a:srgbClr val="4E2C75"/>
+                  </a:solidFill>
+                  <a:latin typeface="Helvetica"/>
+                </a:rPr>
+                <a:t>Related Work</a:t>
+              </a:r>
+              <a:endParaRPr lang="en-US" sz="4400" b="1" dirty="0">
+                <a:solidFill>
+                  <a:srgbClr val="4E2C75"/>
+                </a:solidFill>
+                <a:latin typeface="Helvetica"/>
+              </a:endParaRPr>
             </a:p>
           </p:txBody>
         </p:sp>
@@ -4069,7 +4094,7 @@
           <p:spPr>
             <a:xfrm>
               <a:off x="905129" y="5054049"/>
-              <a:ext cx="7861052" cy="5963198"/>
+              <a:ext cx="7861052" cy="388254"/>
             </a:xfrm>
             <a:prstGeom prst="rect">
               <a:avLst/>
@@ -4087,155 +4112,6 @@
                   <a:spcPct val="120000"/>
                 </a:lnSpc>
               </a:pPr>
-              <a:r>
-                <a:rPr lang="en-US" sz="3600" b="1" dirty="0">
-                  <a:latin typeface="Helvetica"/>
-                </a:rPr>
-                <a:t>Manual</a:t>
-              </a:r>
-              <a:r>
-                <a:rPr lang="en-US" sz="3600" b="1" dirty="0">
-                  <a:latin typeface="Helvetica"/>
-                  <a:cs typeface="Helvetica"/>
-                </a:rPr>
-                <a:t> </a:t>
-              </a:r>
-              <a:r>
-                <a:rPr lang="en-US" sz="3600" b="1" dirty="0">
-                  <a:latin typeface="Helvetica"/>
-                </a:rPr>
-                <a:t>way</a:t>
-              </a:r>
-            </a:p>
-            <a:p>
-              <a:pPr marL="280732" indent="-280732" algn="just">
-                <a:lnSpc>
-                  <a:spcPct val="120000"/>
-                </a:lnSpc>
-                <a:buFont typeface="Arial"/>
-                <a:buChar char="•"/>
-              </a:pPr>
-              <a:r>
-                <a:rPr lang="en-US" sz="3600" dirty="0">
-                  <a:latin typeface="Helvetica"/>
-                </a:rPr>
-                <a:t>Expensive and time-consuming</a:t>
-              </a:r>
-            </a:p>
-            <a:p>
-              <a:pPr marL="280732" indent="-280732" algn="just">
-                <a:lnSpc>
-                  <a:spcPct val="120000"/>
-                </a:lnSpc>
-                <a:buFont typeface="Arial"/>
-                <a:buChar char="•"/>
-              </a:pPr>
-              <a:r>
-                <a:rPr lang="en-US" sz="3600" dirty="0">
-                  <a:latin typeface="Helvetica"/>
-                </a:rPr>
-                <a:t>Expert labeling typically takes 3 minutes for each 1 minute of audio</a:t>
-              </a:r>
-            </a:p>
-            <a:p>
-              <a:pPr algn="just">
-                <a:lnSpc>
-                  <a:spcPct val="120000"/>
-                </a:lnSpc>
-              </a:pPr>
-              <a:endParaRPr lang="en-US" sz="3600" dirty="0">
-                <a:latin typeface="Helvetica"/>
-                <a:cs typeface="Helvetica"/>
-              </a:endParaRPr>
-            </a:p>
-            <a:p>
-              <a:pPr algn="just">
-                <a:lnSpc>
-                  <a:spcPct val="120000"/>
-                </a:lnSpc>
-              </a:pPr>
-              <a:r>
-                <a:rPr lang="en-US" sz="3600" b="1" dirty="0">
-                  <a:latin typeface="Helvetica"/>
-                </a:rPr>
-                <a:t>Automatic</a:t>
-              </a:r>
-              <a:r>
-                <a:rPr lang="en-US" sz="3600" b="1" dirty="0">
-                  <a:latin typeface="Helvetica"/>
-                  <a:cs typeface="Helvetica"/>
-                </a:rPr>
-                <a:t> </a:t>
-              </a:r>
-              <a:r>
-                <a:rPr lang="en-US" sz="3600" b="1" dirty="0">
-                  <a:latin typeface="Helvetica"/>
-                </a:rPr>
-                <a:t>way</a:t>
-              </a:r>
-            </a:p>
-            <a:p>
-              <a:pPr marL="280732" indent="-280732" algn="just">
-                <a:lnSpc>
-                  <a:spcPct val="120000"/>
-                </a:lnSpc>
-                <a:buFont typeface="Arial"/>
-                <a:buChar char="•"/>
-              </a:pPr>
-              <a:r>
-                <a:rPr lang="en-US" sz="3600" dirty="0">
-                  <a:latin typeface="Helvetica"/>
-                </a:rPr>
-                <a:t>Uses machine learning model.</a:t>
-              </a:r>
-            </a:p>
-            <a:p>
-              <a:pPr marL="280732" indent="-280732" algn="just">
-                <a:lnSpc>
-                  <a:spcPct val="120000"/>
-                </a:lnSpc>
-                <a:buFont typeface="Arial"/>
-                <a:buChar char="•"/>
-              </a:pPr>
-              <a:r>
-                <a:rPr lang="en-US" sz="3600" dirty="0">
-                  <a:latin typeface="Helvetica"/>
-                </a:rPr>
-                <a:t>Requires enough training data of pre-defined classes (thousands of labeled examples) and fine-tuning for specific applications.</a:t>
-              </a:r>
-            </a:p>
-            <a:p>
-              <a:pPr marL="280732" indent="-280732" algn="just">
-                <a:lnSpc>
-                  <a:spcPct val="120000"/>
-                </a:lnSpc>
-                <a:buFont typeface="Arial"/>
-                <a:buChar char="•"/>
-              </a:pPr>
-              <a:r>
-                <a:rPr lang="en-US" sz="3600" dirty="0">
-                  <a:latin typeface="Helvetica"/>
-                </a:rPr>
-                <a:t>Unreliable for mission critical tasks.</a:t>
-              </a:r>
-            </a:p>
-            <a:p>
-              <a:pPr algn="just">
-                <a:lnSpc>
-                  <a:spcPct val="120000"/>
-                </a:lnSpc>
-              </a:pPr>
-              <a:endParaRPr lang="en-US" sz="3600" dirty="0">
-                <a:latin typeface="Helvetica"/>
-                <a:cs typeface="Helvetica"/>
-              </a:endParaRPr>
-            </a:p>
-            <a:p>
-              <a:pPr algn="just">
-                <a:lnSpc>
-                  <a:spcPct val="120000"/>
-                </a:lnSpc>
-              </a:pPr>
               <a:endParaRPr lang="en-US" sz="3600" dirty="0">
                 <a:latin typeface="Helvetica"/>
                 <a:cs typeface="Helvetica"/>
@@ -4244,456 +4120,6 @@
           </p:txBody>
         </p:sp>
       </p:grpSp>
-      <p:pic>
-        <p:nvPicPr>
-          <p:cNvPr id="57" name="Picture 56"/>
-          <p:cNvPicPr>
-            <a:picLocks noChangeAspect="1"/>
-          </p:cNvPicPr>
-          <p:nvPr/>
-        </p:nvPicPr>
-        <p:blipFill>
-          <a:blip r:embed="rId4"/>
-          <a:stretch>
-            <a:fillRect/>
-          </a:stretch>
-        </p:blipFill>
-        <p:spPr>
-          <a:xfrm>
-            <a:off x="1663287" y="12111450"/>
-            <a:ext cx="6451613" cy="766474"/>
-          </a:xfrm>
-          <a:prstGeom prst="rect">
-            <a:avLst/>
-          </a:prstGeom>
-          <a:ln>
-            <a:solidFill>
-              <a:schemeClr val="tx1"/>
-            </a:solidFill>
-          </a:ln>
-        </p:spPr>
-      </p:pic>
-      <p:sp>
-        <p:nvSpPr>
-          <p:cNvPr id="58" name="Rectangle 57"/>
-          <p:cNvSpPr/>
-          <p:nvPr/>
-        </p:nvSpPr>
-        <p:spPr>
-          <a:xfrm>
-            <a:off x="3273695" y="12120976"/>
-            <a:ext cx="834170" cy="796422"/>
-          </a:xfrm>
-          <a:prstGeom prst="rect">
-            <a:avLst/>
-          </a:prstGeom>
-          <a:solidFill>
-            <a:schemeClr val="accent1">
-              <a:alpha val="52000"/>
-            </a:schemeClr>
-          </a:solidFill>
-          <a:ln>
-            <a:noFill/>
-          </a:ln>
-        </p:spPr>
-        <p:style>
-          <a:lnRef idx="1">
-            <a:schemeClr val="accent1"/>
-          </a:lnRef>
-          <a:fillRef idx="3">
-            <a:schemeClr val="accent1"/>
-          </a:fillRef>
-          <a:effectRef idx="2">
-            <a:schemeClr val="accent1"/>
-          </a:effectRef>
-          <a:fontRef idx="minor">
-            <a:schemeClr val="lt1"/>
-          </a:fontRef>
-        </p:style>
-        <p:txBody>
-          <a:bodyPr rtlCol="0" anchor="ctr"/>
-          <a:lstStyle/>
-          <a:p>
-            <a:pPr algn="ctr"/>
-            <a:endParaRPr lang="en-US" sz="4830" dirty="0"/>
-          </a:p>
-        </p:txBody>
-      </p:sp>
-      <p:sp>
-        <p:nvSpPr>
-          <p:cNvPr id="59" name="Rectangle 58"/>
-          <p:cNvSpPr/>
-          <p:nvPr/>
-        </p:nvSpPr>
-        <p:spPr>
-          <a:xfrm>
-            <a:off x="5830981" y="12123975"/>
-            <a:ext cx="1440379" cy="811734"/>
-          </a:xfrm>
-          <a:prstGeom prst="rect">
-            <a:avLst/>
-          </a:prstGeom>
-          <a:solidFill>
-            <a:srgbClr val="008000">
-              <a:alpha val="52000"/>
-            </a:srgbClr>
-          </a:solidFill>
-          <a:ln>
-            <a:noFill/>
-          </a:ln>
-        </p:spPr>
-        <p:style>
-          <a:lnRef idx="1">
-            <a:schemeClr val="accent1"/>
-          </a:lnRef>
-          <a:fillRef idx="3">
-            <a:schemeClr val="accent1"/>
-          </a:fillRef>
-          <a:effectRef idx="2">
-            <a:schemeClr val="accent1"/>
-          </a:effectRef>
-          <a:fontRef idx="minor">
-            <a:schemeClr val="lt1"/>
-          </a:fontRef>
-        </p:style>
-        <p:txBody>
-          <a:bodyPr rtlCol="0" anchor="ctr"/>
-          <a:lstStyle/>
-          <a:p>
-            <a:pPr algn="ctr"/>
-            <a:endParaRPr lang="en-US" sz="4830" dirty="0"/>
-          </a:p>
-        </p:txBody>
-      </p:sp>
-      <p:pic>
-        <p:nvPicPr>
-          <p:cNvPr id="60" name="Picture 59"/>
-          <p:cNvPicPr>
-            <a:picLocks noChangeAspect="1"/>
-          </p:cNvPicPr>
-          <p:nvPr/>
-        </p:nvPicPr>
-        <p:blipFill>
-          <a:blip r:embed="rId4"/>
-          <a:stretch>
-            <a:fillRect/>
-          </a:stretch>
-        </p:blipFill>
-        <p:spPr>
-          <a:xfrm>
-            <a:off x="1663287" y="14120060"/>
-            <a:ext cx="6483128" cy="765672"/>
-          </a:xfrm>
-          <a:prstGeom prst="rect">
-            <a:avLst/>
-          </a:prstGeom>
-          <a:ln>
-            <a:solidFill>
-              <a:schemeClr val="tx1"/>
-            </a:solidFill>
-          </a:ln>
-        </p:spPr>
-      </p:pic>
-      <p:sp>
-        <p:nvSpPr>
-          <p:cNvPr id="62" name="Rectangle 61"/>
-          <p:cNvSpPr/>
-          <p:nvPr/>
-        </p:nvSpPr>
-        <p:spPr>
-          <a:xfrm>
-            <a:off x="4142643" y="14113609"/>
-            <a:ext cx="480031" cy="770567"/>
-          </a:xfrm>
-          <a:prstGeom prst="rect">
-            <a:avLst/>
-          </a:prstGeom>
-          <a:solidFill>
-            <a:schemeClr val="accent1">
-              <a:alpha val="52000"/>
-            </a:schemeClr>
-          </a:solidFill>
-          <a:ln>
-            <a:noFill/>
-          </a:ln>
-        </p:spPr>
-        <p:style>
-          <a:lnRef idx="1">
-            <a:schemeClr val="accent1"/>
-          </a:lnRef>
-          <a:fillRef idx="3">
-            <a:schemeClr val="accent1"/>
-          </a:fillRef>
-          <a:effectRef idx="2">
-            <a:schemeClr val="accent1"/>
-          </a:effectRef>
-          <a:fontRef idx="minor">
-            <a:schemeClr val="lt1"/>
-          </a:fontRef>
-        </p:style>
-        <p:txBody>
-          <a:bodyPr rtlCol="0" anchor="ctr"/>
-          <a:lstStyle/>
-          <a:p>
-            <a:pPr algn="ctr"/>
-            <a:endParaRPr lang="en-US" sz="4830" dirty="0"/>
-          </a:p>
-        </p:txBody>
-      </p:sp>
-      <p:sp>
-        <p:nvSpPr>
-          <p:cNvPr id="63" name="Rectangle 62"/>
-          <p:cNvSpPr/>
-          <p:nvPr/>
-        </p:nvSpPr>
-        <p:spPr>
-          <a:xfrm>
-            <a:off x="6408620" y="14120061"/>
-            <a:ext cx="591093" cy="764115"/>
-          </a:xfrm>
-          <a:prstGeom prst="rect">
-            <a:avLst/>
-          </a:prstGeom>
-          <a:solidFill>
-            <a:srgbClr val="008000">
-              <a:alpha val="52000"/>
-            </a:srgbClr>
-          </a:solidFill>
-          <a:ln>
-            <a:noFill/>
-          </a:ln>
-        </p:spPr>
-        <p:style>
-          <a:lnRef idx="1">
-            <a:schemeClr val="accent1"/>
-          </a:lnRef>
-          <a:fillRef idx="3">
-            <a:schemeClr val="accent1"/>
-          </a:fillRef>
-          <a:effectRef idx="2">
-            <a:schemeClr val="accent1"/>
-          </a:effectRef>
-          <a:fontRef idx="minor">
-            <a:schemeClr val="lt1"/>
-          </a:fontRef>
-        </p:style>
-        <p:txBody>
-          <a:bodyPr rtlCol="0" anchor="ctr"/>
-          <a:lstStyle/>
-          <a:p>
-            <a:pPr algn="ctr"/>
-            <a:endParaRPr lang="en-US" sz="4830" dirty="0"/>
-          </a:p>
-        </p:txBody>
-      </p:sp>
-      <p:sp>
-        <p:nvSpPr>
-          <p:cNvPr id="2" name="TextBox 1"/>
-          <p:cNvSpPr txBox="1"/>
-          <p:nvPr/>
-        </p:nvSpPr>
-        <p:spPr>
-          <a:xfrm>
-            <a:off x="3320535" y="12935709"/>
-            <a:ext cx="827953" cy="523220"/>
-          </a:xfrm>
-          <a:prstGeom prst="rect">
-            <a:avLst/>
-          </a:prstGeom>
-          <a:noFill/>
-        </p:spPr>
-        <p:txBody>
-          <a:bodyPr wrap="square" rtlCol="0">
-            <a:spAutoFit/>
-          </a:bodyPr>
-          <a:lstStyle/>
-          <a:p>
-            <a:r>
-              <a:rPr lang="en-US" sz="2800" dirty="0">
-                <a:latin typeface="Helvetica"/>
-              </a:rPr>
-              <a:t>Bob</a:t>
-            </a:r>
-          </a:p>
-        </p:txBody>
-      </p:sp>
-      <p:sp>
-        <p:nvSpPr>
-          <p:cNvPr id="70" name="TextBox 69"/>
-          <p:cNvSpPr txBox="1"/>
-          <p:nvPr/>
-        </p:nvSpPr>
-        <p:spPr>
-          <a:xfrm>
-            <a:off x="6347137" y="12963418"/>
-            <a:ext cx="827953" cy="523220"/>
-          </a:xfrm>
-          <a:prstGeom prst="rect">
-            <a:avLst/>
-          </a:prstGeom>
-          <a:noFill/>
-        </p:spPr>
-        <p:txBody>
-          <a:bodyPr wrap="square" rtlCol="0">
-            <a:spAutoFit/>
-          </a:bodyPr>
-          <a:lstStyle/>
-          <a:p>
-            <a:r>
-              <a:rPr lang="en-US" sz="2800" dirty="0"/>
-              <a:t>Sue</a:t>
-            </a:r>
-          </a:p>
-        </p:txBody>
-      </p:sp>
-      <p:pic>
-        <p:nvPicPr>
-          <p:cNvPr id="71" name="Picture 70" descr="bird2.jpg"/>
-          <p:cNvPicPr>
-            <a:picLocks noChangeAspect="1"/>
-          </p:cNvPicPr>
-          <p:nvPr/>
-        </p:nvPicPr>
-        <p:blipFill>
-          <a:blip r:embed="rId5">
-            <a:extLst>
-              <a:ext uri="{28A0092B-C50C-407E-A947-70E740481C1C}">
-                <a14:useLocalDpi xmlns:a14="http://schemas.microsoft.com/office/drawing/2010/main" val="0"/>
-              </a:ext>
-            </a:extLst>
-          </a:blip>
-          <a:stretch>
-            <a:fillRect/>
-          </a:stretch>
-        </p:blipFill>
-        <p:spPr>
-          <a:xfrm>
-            <a:off x="3526733" y="15010008"/>
-            <a:ext cx="1595843" cy="793584"/>
-          </a:xfrm>
-          <a:prstGeom prst="rect">
-            <a:avLst/>
-          </a:prstGeom>
-        </p:spPr>
-      </p:pic>
-      <p:pic>
-        <p:nvPicPr>
-          <p:cNvPr id="72" name="Picture 71" descr="bird1.jpg"/>
-          <p:cNvPicPr>
-            <a:picLocks noChangeAspect="1"/>
-          </p:cNvPicPr>
-          <p:nvPr/>
-        </p:nvPicPr>
-        <p:blipFill>
-          <a:blip r:embed="rId6">
-            <a:extLst>
-              <a:ext uri="{28A0092B-C50C-407E-A947-70E740481C1C}">
-                <a14:useLocalDpi xmlns:a14="http://schemas.microsoft.com/office/drawing/2010/main" val="0"/>
-              </a:ext>
-            </a:extLst>
-          </a:blip>
-          <a:stretch>
-            <a:fillRect/>
-          </a:stretch>
-        </p:blipFill>
-        <p:spPr>
-          <a:xfrm>
-            <a:off x="5982406" y="15025732"/>
-            <a:ext cx="1637561" cy="814331"/>
-          </a:xfrm>
-          <a:prstGeom prst="rect">
-            <a:avLst/>
-          </a:prstGeom>
-        </p:spPr>
-      </p:pic>
-      <p:sp>
-        <p:nvSpPr>
-          <p:cNvPr id="76" name="TextBox 75"/>
-          <p:cNvSpPr txBox="1"/>
-          <p:nvPr/>
-        </p:nvSpPr>
-        <p:spPr>
-          <a:xfrm>
-            <a:off x="1620781" y="11469523"/>
-            <a:ext cx="4647346" cy="584775"/>
-          </a:xfrm>
-          <a:prstGeom prst="rect">
-            <a:avLst/>
-          </a:prstGeom>
-          <a:noFill/>
-        </p:spPr>
-        <p:txBody>
-          <a:bodyPr wrap="square" rtlCol="0">
-            <a:spAutoFit/>
-          </a:bodyPr>
-          <a:lstStyle/>
-          <a:p>
-            <a:r>
-              <a:rPr lang="en-US" sz="3200" dirty="0">
-                <a:latin typeface="Helvetica"/>
-              </a:rPr>
-              <a:t>Speech</a:t>
-            </a:r>
-            <a:r>
-              <a:rPr lang="en-US" sz="2400" dirty="0">
-                <a:latin typeface="Helvetica"/>
-                <a:cs typeface="Helvetica"/>
-              </a:rPr>
-              <a:t> </a:t>
-            </a:r>
-            <a:r>
-              <a:rPr lang="en-US" sz="3200" dirty="0">
-                <a:latin typeface="Helvetica"/>
-              </a:rPr>
-              <a:t>recording</a:t>
-            </a:r>
-          </a:p>
-        </p:txBody>
-      </p:sp>
-      <p:sp>
-        <p:nvSpPr>
-          <p:cNvPr id="78" name="TextBox 77"/>
-          <p:cNvSpPr txBox="1"/>
-          <p:nvPr/>
-        </p:nvSpPr>
-        <p:spPr>
-          <a:xfrm>
-            <a:off x="1650328" y="13550820"/>
-            <a:ext cx="4476885" cy="584775"/>
-          </a:xfrm>
-          <a:prstGeom prst="rect">
-            <a:avLst/>
-          </a:prstGeom>
-          <a:noFill/>
-        </p:spPr>
-        <p:txBody>
-          <a:bodyPr wrap="square" rtlCol="0">
-            <a:spAutoFit/>
-          </a:bodyPr>
-          <a:lstStyle/>
-          <a:p>
-            <a:r>
-              <a:rPr lang="en-US" sz="3200" dirty="0">
-                <a:latin typeface="Helvetica"/>
-              </a:rPr>
-              <a:t>Nature</a:t>
-            </a:r>
-            <a:r>
-              <a:rPr lang="en-US" sz="3200" dirty="0">
-                <a:latin typeface="Helvetica"/>
-                <a:cs typeface="Helvetica"/>
-              </a:rPr>
-              <a:t> </a:t>
-            </a:r>
-            <a:r>
-              <a:rPr lang="en-US" sz="3200" dirty="0">
-                <a:latin typeface="Helvetica"/>
-              </a:rPr>
-              <a:t>recording</a:t>
-            </a:r>
-          </a:p>
-        </p:txBody>
-      </p:sp>
       <p:sp>
         <p:nvSpPr>
           <p:cNvPr id="80" name="Rectangle 79"/>
@@ -4765,8 +4191,8 @@
         </p:nvSpPr>
         <p:spPr>
           <a:xfrm>
-            <a:off x="12162697" y="12680681"/>
-            <a:ext cx="4944732" cy="954107"/>
+            <a:off x="11645135" y="7708321"/>
+            <a:ext cx="5351257" cy="954107"/>
           </a:xfrm>
           <a:prstGeom prst="rect">
             <a:avLst/>
@@ -4784,17 +4210,19 @@
                 <a:latin typeface="Helvetica"/>
                 <a:cs typeface="Helvetica"/>
               </a:rPr>
-              <a:t>1. The user defines the target </a:t>
-            </a:r>
-          </a:p>
-          <a:p>
-            <a:r>
-              <a:rPr lang="en-US" sz="2800" dirty="0">
+              <a:t>1. </a:t>
+            </a:r>
+            <a:r>
+              <a:rPr lang="en-US" sz="2800" dirty="0" smtClean="0">
                 <a:latin typeface="Helvetica"/>
                 <a:cs typeface="Helvetica"/>
               </a:rPr>
-              <a:t>sound by selecting the region</a:t>
-            </a:r>
+              <a:t>The user indicates an audio file to transcribe</a:t>
+            </a:r>
+            <a:endParaRPr lang="en-US" sz="2800" dirty="0">
+              <a:latin typeface="Helvetica"/>
+              <a:cs typeface="Helvetica"/>
+            </a:endParaRPr>
           </a:p>
         </p:txBody>
       </p:sp>
@@ -4806,8 +4234,8 @@
         </p:nvSpPr>
         <p:spPr>
           <a:xfrm>
-            <a:off x="17378911" y="12689176"/>
-            <a:ext cx="5411069" cy="954107"/>
+            <a:off x="17125043" y="7797337"/>
+            <a:ext cx="7623432" cy="2246769"/>
           </a:xfrm>
           <a:prstGeom prst="rect">
             <a:avLst/>
@@ -4832,106 +4260,20 @@
           <a:p>
             <a:r>
               <a:rPr lang="en-US" sz="2800" dirty="0"/>
-              <a:t>4. User feedback: adjusting </a:t>
-            </a:r>
-          </a:p>
-          <a:p>
-            <a:r>
-              <a:rPr lang="en-US" sz="2800" dirty="0"/>
-              <a:t>region boundaries and labeling</a:t>
-            </a:r>
-          </a:p>
-        </p:txBody>
-      </p:sp>
-      <p:sp>
-        <p:nvSpPr>
-          <p:cNvPr id="130" name="TextBox 129"/>
-          <p:cNvSpPr txBox="1"/>
-          <p:nvPr/>
-        </p:nvSpPr>
-        <p:spPr>
-          <a:xfrm>
-            <a:off x="11730191" y="12201085"/>
-            <a:ext cx="964186" cy="523220"/>
-          </a:xfrm>
-          <a:prstGeom prst="rect">
-            <a:avLst/>
-          </a:prstGeom>
-          <a:noFill/>
-        </p:spPr>
-        <p:txBody>
-          <a:bodyPr wrap="square" rtlCol="0">
-            <a:spAutoFit/>
-          </a:bodyPr>
-          <a:lstStyle/>
-          <a:p>
-            <a:r>
-              <a:rPr lang="en-US" sz="2800" b="1" dirty="0"/>
-              <a:t>USER</a:t>
-            </a:r>
-          </a:p>
-        </p:txBody>
-      </p:sp>
-      <p:pic>
-        <p:nvPicPr>
-          <p:cNvPr id="17" name="Picture 16" descr="userInput.pdf"/>
-          <p:cNvPicPr>
-            <a:picLocks noChangeAspect="1"/>
-          </p:cNvPicPr>
-          <p:nvPr/>
-        </p:nvPicPr>
-        <p:blipFill>
-          <a:blip r:embed="rId7">
-            <a:extLst>
-              <a:ext uri="{28A0092B-C50C-407E-A947-70E740481C1C}">
-                <a14:useLocalDpi xmlns:a14="http://schemas.microsoft.com/office/drawing/2010/main" val="0"/>
-              </a:ext>
-            </a:extLst>
-          </a:blip>
-          <a:stretch>
-            <a:fillRect/>
-          </a:stretch>
-        </p:blipFill>
-        <p:spPr>
-          <a:xfrm>
-            <a:off x="11656060" y="19485488"/>
-            <a:ext cx="8613616" cy="3322695"/>
-          </a:xfrm>
-          <a:prstGeom prst="rect">
-            <a:avLst/>
-          </a:prstGeom>
-        </p:spPr>
-      </p:pic>
-      <p:pic>
-        <p:nvPicPr>
-          <p:cNvPr id="26" name="Picture 25" descr="autoNegLabel.pdf"/>
-          <p:cNvPicPr>
-            <a:picLocks noChangeAspect="1"/>
-          </p:cNvPicPr>
-          <p:nvPr/>
-        </p:nvPicPr>
-        <p:blipFill>
-          <a:blip r:embed="rId8">
-            <a:extLst>
-              <a:ext uri="{28A0092B-C50C-407E-A947-70E740481C1C}">
-                <a14:useLocalDpi xmlns:a14="http://schemas.microsoft.com/office/drawing/2010/main" val="0"/>
-              </a:ext>
-            </a:extLst>
-          </a:blip>
-          <a:stretch>
-            <a:fillRect/>
-          </a:stretch>
-        </p:blipFill>
-        <p:spPr>
-          <a:xfrm>
-            <a:off x="21402710" y="20193484"/>
-            <a:ext cx="4699575" cy="2219244"/>
-          </a:xfrm>
-          <a:prstGeom prst="rect">
-            <a:avLst/>
-          </a:prstGeom>
-        </p:spPr>
-      </p:pic>
+              <a:t>2</a:t>
+            </a:r>
+            <a:r>
+              <a:rPr lang="en-US" sz="2800" dirty="0" smtClean="0"/>
+              <a:t>. </a:t>
+            </a:r>
+            <a:r>
+              <a:rPr lang="en-US" sz="2800" dirty="0" smtClean="0"/>
+              <a:t>We run CREPE on the audio file, determining new notes based off of having a sufficient change in Hz. If CREPE is not confident for too long, we also terminate the current note.</a:t>
+            </a:r>
+            <a:endParaRPr lang="en-US" sz="2800" dirty="0"/>
+          </a:p>
+        </p:txBody>
+      </p:sp>
       <p:cxnSp>
         <p:nvCxnSpPr>
           <p:cNvPr id="4" name="Straight Connector 3"/>
@@ -4970,38 +4312,6 @@
           </a:fontRef>
         </p:style>
       </p:cxnSp>
-      <p:sp>
-        <p:nvSpPr>
-          <p:cNvPr id="175" name="TextBox 174"/>
-          <p:cNvSpPr txBox="1"/>
-          <p:nvPr/>
-        </p:nvSpPr>
-        <p:spPr>
-          <a:xfrm>
-            <a:off x="21268324" y="19514490"/>
-            <a:ext cx="7392989" cy="461665"/>
-          </a:xfrm>
-          <a:prstGeom prst="rect">
-            <a:avLst/>
-          </a:prstGeom>
-          <a:noFill/>
-        </p:spPr>
-        <p:txBody>
-          <a:bodyPr wrap="square" rtlCol="0">
-            <a:spAutoFit/>
-          </a:bodyPr>
-          <a:lstStyle/>
-          <a:p>
-            <a:r>
-              <a:rPr lang="en-US" sz="2400" b="1" dirty="0">
-                <a:latin typeface="Helvetica"/>
-                <a:cs typeface="Helvetica"/>
-              </a:rPr>
-              <a:t>Collecting additional negative regions</a:t>
-            </a:r>
-          </a:p>
-        </p:txBody>
-      </p:sp>
       <p:grpSp>
         <p:nvGrpSpPr>
           <p:cNvPr id="176" name="Group 175">
@@ -5016,10 +4326,10 @@
         </p:nvGrpSpPr>
         <p:grpSpPr>
           <a:xfrm>
-            <a:off x="845049" y="25176403"/>
-            <a:ext cx="9817904" cy="10980198"/>
-            <a:chOff x="877735" y="20775221"/>
-            <a:chExt cx="7917470" cy="42287849"/>
+            <a:off x="648535" y="25427510"/>
+            <a:ext cx="9944455" cy="769441"/>
+            <a:chOff x="719260" y="21742305"/>
+            <a:chExt cx="8019525" cy="2963335"/>
           </a:xfrm>
         </p:grpSpPr>
         <p:sp>
@@ -5037,7 +4347,7 @@
           <p:spPr>
             <a:xfrm>
               <a:off x="877735" y="21742305"/>
-              <a:ext cx="7861050" cy="41320765"/>
+              <a:ext cx="7861050" cy="2680585"/>
             </a:xfrm>
             <a:prstGeom prst="rect">
               <a:avLst/>
@@ -5059,95 +4369,6 @@
                 <a:latin typeface="Helvetica"/>
               </a:endParaRPr>
             </a:p>
-            <a:p>
-              <a:pPr marL="317644" indent="-317644" algn="just">
-                <a:lnSpc>
-                  <a:spcPct val="120000"/>
-                </a:lnSpc>
-                <a:buFont typeface="Arial"/>
-                <a:buChar char="•"/>
-              </a:pPr>
-              <a:r>
-                <a:rPr lang="en-US" sz="3600" dirty="0">
-                  <a:latin typeface="Helvetica"/>
-                </a:rPr>
-                <a:t>We have a long audio track to be labeled (days or weeks of audio).</a:t>
-              </a:r>
-            </a:p>
-            <a:p>
-              <a:pPr marL="317644" indent="-317644" algn="just">
-                <a:lnSpc>
-                  <a:spcPct val="120000"/>
-                </a:lnSpc>
-                <a:buFont typeface="Arial"/>
-                <a:buChar char="•"/>
-              </a:pPr>
-              <a:r>
-                <a:rPr lang="en-US" sz="3600" dirty="0">
-                  <a:latin typeface="Helvetica"/>
-                </a:rPr>
-                <a:t>We do not have enough pre-labeled examples of the sounds of interest to train an accurate machine labeler. </a:t>
-              </a:r>
-            </a:p>
-            <a:p>
-              <a:pPr marL="317644" indent="-317644" algn="just">
-                <a:lnSpc>
-                  <a:spcPct val="120000"/>
-                </a:lnSpc>
-                <a:buFont typeface="Arial"/>
-                <a:buChar char="•"/>
-              </a:pPr>
-              <a:r>
-                <a:rPr lang="en-US" sz="3600" dirty="0">
-                  <a:latin typeface="Helvetica"/>
-                </a:rPr>
-                <a:t>We do not have any prior knowledge about the audio track to be labeled until actually listening to it. (e.g. what sound events and how many each of them is recorded in the track)</a:t>
-              </a:r>
-            </a:p>
-            <a:p>
-              <a:pPr marL="317644" indent="-317644" algn="just">
-                <a:lnSpc>
-                  <a:spcPct val="120000"/>
-                </a:lnSpc>
-                <a:buFont typeface="Arial"/>
-                <a:buChar char="•"/>
-              </a:pPr>
-              <a:r>
-                <a:rPr lang="en-US" sz="3600" dirty="0">
-                  <a:latin typeface="Helvetica"/>
-                </a:rPr>
-                <a:t>Some applications require ground truth-level accuracy. (e.g. medical data)</a:t>
-              </a:r>
-            </a:p>
-            <a:p>
-              <a:pPr marL="280732" indent="-280732" algn="just">
-                <a:lnSpc>
-                  <a:spcPct val="120000"/>
-                </a:lnSpc>
-                <a:buFont typeface="Wingdings" charset="0"/>
-                <a:buChar char="è"/>
-              </a:pPr>
-              <a:endParaRPr lang="en-US" sz="3600" dirty="0">
-                <a:latin typeface="Helvetica"/>
-                <a:sym typeface="Wingdings"/>
-              </a:endParaRPr>
-            </a:p>
-            <a:p>
-              <a:pPr marL="280732" indent="-280732" algn="just">
-                <a:lnSpc>
-                  <a:spcPct val="120000"/>
-                </a:lnSpc>
-                <a:buFont typeface="Wingdings" charset="0"/>
-                <a:buChar char="è"/>
-              </a:pPr>
-              <a:r>
-                <a:rPr lang="en-US" sz="3600" i="1" u="sng" dirty="0">
-                  <a:latin typeface="Helvetica"/>
-                  <a:sym typeface="Wingdings"/>
-                </a:rPr>
-                <a:t>Using either fully manual or fully automatic labeling is not feasible</a:t>
-              </a:r>
-            </a:p>
           </p:txBody>
         </p:sp>
         <p:sp>
@@ -5164,7 +4385,7 @@
           </p:nvSpPr>
           <p:spPr>
             <a:xfrm>
-              <a:off x="983068" y="20775221"/>
+              <a:off x="719260" y="21742305"/>
               <a:ext cx="7812137" cy="2963335"/>
             </a:xfrm>
             <a:prstGeom prst="rect">
@@ -5193,91 +4414,6 @@
       </p:grpSp>
       <p:sp>
         <p:nvSpPr>
-          <p:cNvPr id="183" name="Rectangle 182">
-            <a:extLst>
-              <a:ext uri="{FF2B5EF4-FFF2-40B4-BE49-F238E27FC236}">
-                <a16:creationId xmlns:a16="http://schemas.microsoft.com/office/drawing/2014/main" id="{0BAC296D-E335-BC46-9B2B-C34A53717F0A}"/>
-              </a:ext>
-            </a:extLst>
-          </p:cNvPr>
-          <p:cNvSpPr/>
-          <p:nvPr/>
-        </p:nvSpPr>
-        <p:spPr>
-          <a:xfrm>
-            <a:off x="21734515" y="7965392"/>
-            <a:ext cx="8759756" cy="1754326"/>
-          </a:xfrm>
-          <a:prstGeom prst="rect">
-            <a:avLst/>
-          </a:prstGeom>
-        </p:spPr>
-        <p:txBody>
-          <a:bodyPr wrap="square">
-            <a:spAutoFit/>
-          </a:bodyPr>
-          <a:lstStyle/>
-          <a:p>
-            <a:r>
-              <a:rPr lang="en-US" sz="3600" b="1" i="1" dirty="0">
-                <a:solidFill>
-                  <a:srgbClr val="D2533C"/>
-                </a:solidFill>
-              </a:rPr>
-              <a:t>The success of interactive searching system depends on </a:t>
-            </a:r>
-            <a:r>
-              <a:rPr lang="en-US" sz="3600" b="1" i="1" u="sng" dirty="0">
-                <a:solidFill>
-                  <a:srgbClr val="D2533C"/>
-                </a:solidFill>
-              </a:rPr>
-              <a:t>how to incorporate human knowledge</a:t>
-            </a:r>
-            <a:r>
-              <a:rPr lang="en-US" sz="3600" b="1" i="1" dirty="0">
-                <a:solidFill>
-                  <a:srgbClr val="D2533C"/>
-                </a:solidFill>
-              </a:rPr>
-              <a:t> into the retrieval task</a:t>
-            </a:r>
-            <a:endParaRPr lang="en-US" sz="3600" i="1" dirty="0"/>
-          </a:p>
-        </p:txBody>
-      </p:sp>
-      <p:pic>
-        <p:nvPicPr>
-          <p:cNvPr id="23" name="Picture 22">
-            <a:extLst>
-              <a:ext uri="{FF2B5EF4-FFF2-40B4-BE49-F238E27FC236}">
-                <a16:creationId xmlns:a16="http://schemas.microsoft.com/office/drawing/2014/main" id="{A119980C-BFAC-A649-A11F-42F893FC452F}"/>
-              </a:ext>
-            </a:extLst>
-          </p:cNvPr>
-          <p:cNvPicPr>
-            <a:picLocks noChangeAspect="1"/>
-          </p:cNvPicPr>
-          <p:nvPr/>
-        </p:nvPicPr>
-        <p:blipFill>
-          <a:blip r:embed="rId9"/>
-          <a:stretch>
-            <a:fillRect/>
-          </a:stretch>
-        </p:blipFill>
-        <p:spPr>
-          <a:xfrm>
-            <a:off x="20299065" y="25202585"/>
-            <a:ext cx="10222911" cy="7739878"/>
-          </a:xfrm>
-          <a:prstGeom prst="rect">
-            <a:avLst/>
-          </a:prstGeom>
-        </p:spPr>
-      </p:pic>
-      <p:sp>
-        <p:nvSpPr>
           <p:cNvPr id="185" name="TextBox 184">
             <a:extLst>
               <a:ext uri="{FF2B5EF4-FFF2-40B4-BE49-F238E27FC236}">
@@ -5315,106 +4451,6 @@
               <a:latin typeface="Helvetica"/>
               <a:cs typeface="Helvetica"/>
             </a:endParaRPr>
-          </a:p>
-        </p:txBody>
-      </p:sp>
-      <p:pic>
-        <p:nvPicPr>
-          <p:cNvPr id="40" name="Picture 39">
-            <a:extLst>
-              <a:ext uri="{FF2B5EF4-FFF2-40B4-BE49-F238E27FC236}">
-                <a16:creationId xmlns:a16="http://schemas.microsoft.com/office/drawing/2014/main" id="{A952AEE8-235C-7E48-B284-2735ACA9237A}"/>
-              </a:ext>
-            </a:extLst>
-          </p:cNvPr>
-          <p:cNvPicPr>
-            <a:picLocks noChangeAspect="1"/>
-          </p:cNvPicPr>
-          <p:nvPr/>
-        </p:nvPicPr>
-        <p:blipFill rotWithShape="1">
-          <a:blip r:embed="rId10"/>
-          <a:srcRect l="69219"/>
-          <a:stretch/>
-        </p:blipFill>
-        <p:spPr>
-          <a:xfrm>
-            <a:off x="13476355" y="28852429"/>
-            <a:ext cx="3799704" cy="4014101"/>
-          </a:xfrm>
-          <a:prstGeom prst="rect">
-            <a:avLst/>
-          </a:prstGeom>
-        </p:spPr>
-      </p:pic>
-      <p:sp>
-        <p:nvSpPr>
-          <p:cNvPr id="192" name="Rectangle 191">
-            <a:extLst>
-              <a:ext uri="{FF2B5EF4-FFF2-40B4-BE49-F238E27FC236}">
-                <a16:creationId xmlns:a16="http://schemas.microsoft.com/office/drawing/2014/main" id="{D1401EF4-F2F8-464E-894D-BAD54D123DFD}"/>
-              </a:ext>
-            </a:extLst>
-          </p:cNvPr>
-          <p:cNvSpPr/>
-          <p:nvPr/>
-        </p:nvSpPr>
-        <p:spPr>
-          <a:xfrm>
-            <a:off x="11839419" y="33503549"/>
-            <a:ext cx="8430257" cy="2862322"/>
-          </a:xfrm>
-          <a:prstGeom prst="rect">
-            <a:avLst/>
-          </a:prstGeom>
-        </p:spPr>
-        <p:txBody>
-          <a:bodyPr wrap="square">
-            <a:spAutoFit/>
-          </a:bodyPr>
-          <a:lstStyle/>
-          <a:p>
-            <a:r>
-              <a:rPr lang="en-US" sz="3600" b="1" i="1" dirty="0">
-                <a:solidFill>
-                  <a:srgbClr val="D2533C"/>
-                </a:solidFill>
-              </a:rPr>
-              <a:t>It is hard for a machine to know which sound is the target sound in the query.</a:t>
-            </a:r>
-          </a:p>
-          <a:p>
-            <a:endParaRPr lang="en-US" sz="3600" b="1" i="1" dirty="0">
-              <a:solidFill>
-                <a:srgbClr val="D2533C"/>
-              </a:solidFill>
-            </a:endParaRPr>
-          </a:p>
-          <a:p>
-            <a:r>
-              <a:rPr lang="en-US" sz="3600" b="1" i="1" dirty="0">
-                <a:solidFill>
-                  <a:srgbClr val="D2533C"/>
-                </a:solidFill>
-              </a:rPr>
-              <a:t>A user might be able to specify the target sound by </a:t>
-            </a:r>
-            <a:r>
-              <a:rPr lang="en-US" sz="3600" b="1" i="1" u="sng" dirty="0">
-                <a:solidFill>
-                  <a:srgbClr val="D2533C"/>
-                </a:solidFill>
-              </a:rPr>
-              <a:t>imitating</a:t>
-            </a:r>
-            <a:r>
-              <a:rPr lang="en-US" sz="3600" b="1" i="1" dirty="0">
-                <a:solidFill>
-                  <a:srgbClr val="D2533C"/>
-                </a:solidFill>
-              </a:rPr>
-              <a:t> it!</a:t>
-            </a:r>
           </a:p>
         </p:txBody>
       </p:sp>
@@ -5432,10 +4468,10 @@
         </p:nvGrpSpPr>
         <p:grpSpPr>
           <a:xfrm>
-            <a:off x="11611092" y="23252659"/>
-            <a:ext cx="16681893" cy="4790185"/>
-            <a:chOff x="783697" y="17354961"/>
-            <a:chExt cx="14181594" cy="18448356"/>
+            <a:off x="11372802" y="23763497"/>
+            <a:ext cx="16954226" cy="9579959"/>
+            <a:chOff x="853193" y="17525457"/>
+            <a:chExt cx="14413109" cy="36895132"/>
           </a:xfrm>
         </p:grpSpPr>
         <p:sp>
@@ -5453,7 +4489,7 @@
           <p:spPr>
             <a:xfrm>
               <a:off x="853193" y="17525457"/>
-              <a:ext cx="6949565" cy="18277860"/>
+              <a:ext cx="6949565" cy="2680585"/>
             </a:xfrm>
             <a:prstGeom prst="rect">
               <a:avLst/>
@@ -5475,52 +4511,6 @@
                 <a:latin typeface="Helvetica"/>
               </a:endParaRPr>
             </a:p>
-            <a:p>
-              <a:pPr algn="just">
-                <a:lnSpc>
-                  <a:spcPct val="120000"/>
-                </a:lnSpc>
-              </a:pPr>
-              <a:r>
-                <a:rPr lang="en-US" sz="3600" b="1" dirty="0">
-                  <a:latin typeface="Helvetica"/>
-                </a:rPr>
-                <a:t>Why vocal imitation?</a:t>
-              </a:r>
-              <a:endParaRPr lang="en-US" sz="3600" dirty="0">
-                <a:latin typeface="Helvetica"/>
-              </a:endParaRPr>
-            </a:p>
-            <a:p>
-              <a:pPr marL="317644" indent="-317644" algn="just">
-                <a:lnSpc>
-                  <a:spcPct val="120000"/>
-                </a:lnSpc>
-                <a:buFont typeface="Arial"/>
-                <a:buChar char="•"/>
-              </a:pPr>
-              <a:r>
-                <a:rPr lang="en-US" sz="3600" dirty="0">
-                  <a:latin typeface="Helvetica"/>
-                </a:rPr>
-                <a:t>A simple and easy way to describe a sound event.</a:t>
-              </a:r>
-            </a:p>
-            <a:p>
-              <a:pPr marL="317644" indent="-317644" algn="just">
-                <a:lnSpc>
-                  <a:spcPct val="120000"/>
-                </a:lnSpc>
-                <a:buFont typeface="Arial"/>
-                <a:buChar char="•"/>
-              </a:pPr>
-              <a:r>
-                <a:rPr lang="en-US" sz="3600" dirty="0">
-                  <a:latin typeface="Helvetica"/>
-                </a:rPr>
-                <a:t>Provides the system with more information about the target sound quickly</a:t>
-              </a:r>
-            </a:p>
           </p:txBody>
         </p:sp>
         <p:sp>
@@ -5537,7 +4527,7 @@
           </p:nvSpPr>
           <p:spPr>
             <a:xfrm>
-              <a:off x="783697" y="17354961"/>
+              <a:off x="1084708" y="51457254"/>
               <a:ext cx="14181594" cy="2963335"/>
             </a:xfrm>
             <a:prstGeom prst="rect">
@@ -5558,222 +4548,27 @@
                   </a:solidFill>
                   <a:latin typeface="Helvetica"/>
                 </a:rPr>
-                <a:t>7. User input / feedback -2: Vocal imitation</a:t>
+                <a:t>7. </a:t>
               </a:r>
+              <a:r>
+                <a:rPr lang="en-US" sz="4400" b="1" dirty="0" smtClean="0">
+                  <a:solidFill>
+                    <a:srgbClr val="4E2C75"/>
+                  </a:solidFill>
+                  <a:latin typeface="Helvetica"/>
+                </a:rPr>
+                <a:t>Future Work</a:t>
+              </a:r>
+              <a:endParaRPr lang="en-US" sz="4400" b="1" dirty="0">
+                <a:solidFill>
+                  <a:srgbClr val="4E2C75"/>
+                </a:solidFill>
+                <a:latin typeface="Helvetica"/>
+              </a:endParaRPr>
             </a:p>
           </p:txBody>
         </p:sp>
       </p:grpSp>
-      <p:sp>
-        <p:nvSpPr>
-          <p:cNvPr id="125" name="TextBox 124">
-            <a:extLst>
-              <a:ext uri="{FF2B5EF4-FFF2-40B4-BE49-F238E27FC236}">
-                <a16:creationId xmlns:a16="http://schemas.microsoft.com/office/drawing/2014/main" id="{F020D5E4-565A-8549-8AA6-1A6D61A76BC3}"/>
-              </a:ext>
-            </a:extLst>
-          </p:cNvPr>
-          <p:cNvSpPr txBox="1"/>
-          <p:nvPr/>
-        </p:nvSpPr>
-        <p:spPr>
-          <a:xfrm>
-            <a:off x="11451109" y="6086762"/>
-            <a:ext cx="16595564" cy="769441"/>
-          </a:xfrm>
-          <a:prstGeom prst="rect">
-            <a:avLst/>
-          </a:prstGeom>
-          <a:noFill/>
-        </p:spPr>
-        <p:txBody>
-          <a:bodyPr wrap="square" rtlCol="0">
-            <a:spAutoFit/>
-          </a:bodyPr>
-          <a:lstStyle/>
-          <a:p>
-            <a:r>
-              <a:rPr lang="en-US" sz="4400" b="1" dirty="0">
-                <a:solidFill>
-                  <a:srgbClr val="4E2C75"/>
-                </a:solidFill>
-                <a:latin typeface="Helvetica"/>
-              </a:rPr>
-              <a:t>4. Approach: a Human-in-the-loop system</a:t>
-            </a:r>
-          </a:p>
-        </p:txBody>
-      </p:sp>
-      <p:sp>
-        <p:nvSpPr>
-          <p:cNvPr id="8" name="Rectangle 7">
-            <a:extLst>
-              <a:ext uri="{FF2B5EF4-FFF2-40B4-BE49-F238E27FC236}">
-                <a16:creationId xmlns:a16="http://schemas.microsoft.com/office/drawing/2014/main" id="{D113BC7D-F6F8-CF4F-8B45-68AAECA0545A}"/>
-              </a:ext>
-            </a:extLst>
-          </p:cNvPr>
-          <p:cNvSpPr/>
-          <p:nvPr/>
-        </p:nvSpPr>
-        <p:spPr>
-          <a:xfrm>
-            <a:off x="11730191" y="28218060"/>
-            <a:ext cx="6904454" cy="757130"/>
-          </a:xfrm>
-          <a:prstGeom prst="rect">
-            <a:avLst/>
-          </a:prstGeom>
-        </p:spPr>
-        <p:txBody>
-          <a:bodyPr wrap="none">
-            <a:spAutoFit/>
-          </a:bodyPr>
-          <a:lstStyle/>
-          <a:p>
-            <a:pPr algn="just">
-              <a:lnSpc>
-                <a:spcPct val="120000"/>
-              </a:lnSpc>
-            </a:pPr>
-            <a:r>
-              <a:rPr lang="en-US" sz="3600" b="1" dirty="0">
-                <a:latin typeface="Helvetica"/>
-              </a:rPr>
-              <a:t>An example of difficult queries</a:t>
-            </a:r>
-          </a:p>
-        </p:txBody>
-      </p:sp>
-      <p:sp>
-        <p:nvSpPr>
-          <p:cNvPr id="128" name="Rectangle 127">
-            <a:extLst>
-              <a:ext uri="{FF2B5EF4-FFF2-40B4-BE49-F238E27FC236}">
-                <a16:creationId xmlns:a16="http://schemas.microsoft.com/office/drawing/2014/main" id="{525E0EC1-E276-604C-9EA8-4FEC391320E7}"/>
-              </a:ext>
-            </a:extLst>
-          </p:cNvPr>
-          <p:cNvSpPr/>
-          <p:nvPr/>
-        </p:nvSpPr>
-        <p:spPr>
-          <a:xfrm>
-            <a:off x="13995721" y="32551997"/>
-            <a:ext cx="2839239" cy="718274"/>
-          </a:xfrm>
-          <a:prstGeom prst="rect">
-            <a:avLst/>
-          </a:prstGeom>
-        </p:spPr>
-        <p:txBody>
-          <a:bodyPr wrap="none">
-            <a:spAutoFit/>
-          </a:bodyPr>
-          <a:lstStyle/>
-          <a:p>
-            <a:pPr algn="just">
-              <a:lnSpc>
-                <a:spcPct val="120000"/>
-              </a:lnSpc>
-            </a:pPr>
-            <a:r>
-              <a:rPr lang="en-US" sz="3600" dirty="0" err="1">
-                <a:latin typeface="Helvetica"/>
-              </a:rPr>
-              <a:t>cough+laugh</a:t>
-            </a:r>
-            <a:endParaRPr lang="en-US" sz="3600" dirty="0">
-              <a:latin typeface="Helvetica"/>
-            </a:endParaRPr>
-          </a:p>
-        </p:txBody>
-      </p:sp>
-      <p:sp>
-        <p:nvSpPr>
-          <p:cNvPr id="149" name="Rectangle 148">
-            <a:extLst>
-              <a:ext uri="{FF2B5EF4-FFF2-40B4-BE49-F238E27FC236}">
-                <a16:creationId xmlns:a16="http://schemas.microsoft.com/office/drawing/2014/main" id="{9E49811C-3B3C-E34E-9B48-3F93885832AE}"/>
-              </a:ext>
-            </a:extLst>
-          </p:cNvPr>
-          <p:cNvSpPr/>
-          <p:nvPr/>
-        </p:nvSpPr>
-        <p:spPr>
-          <a:xfrm>
-            <a:off x="20488857" y="24137319"/>
-            <a:ext cx="8751114" cy="757130"/>
-          </a:xfrm>
-          <a:prstGeom prst="rect">
-            <a:avLst/>
-          </a:prstGeom>
-        </p:spPr>
-        <p:txBody>
-          <a:bodyPr wrap="none">
-            <a:spAutoFit/>
-          </a:bodyPr>
-          <a:lstStyle/>
-          <a:p>
-            <a:pPr algn="just">
-              <a:lnSpc>
-                <a:spcPct val="120000"/>
-              </a:lnSpc>
-            </a:pPr>
-            <a:r>
-              <a:rPr lang="en-US" sz="3600" b="1" dirty="0">
-                <a:latin typeface="Helvetica"/>
-              </a:rPr>
-              <a:t>Search methods using vocal imitations</a:t>
-            </a:r>
-          </a:p>
-        </p:txBody>
-      </p:sp>
-      <p:cxnSp>
-        <p:nvCxnSpPr>
-          <p:cNvPr id="150" name="Straight Connector 149">
-            <a:extLst>
-              <a:ext uri="{FF2B5EF4-FFF2-40B4-BE49-F238E27FC236}">
-                <a16:creationId xmlns:a16="http://schemas.microsoft.com/office/drawing/2014/main" id="{8D950F4C-6A06-7841-9F1E-5606C9555703}"/>
-              </a:ext>
-            </a:extLst>
-          </p:cNvPr>
-          <p:cNvCxnSpPr>
-            <a:cxnSpLocks/>
-          </p:cNvCxnSpPr>
-          <p:nvPr/>
-        </p:nvCxnSpPr>
-        <p:spPr>
-          <a:xfrm>
-            <a:off x="20244296" y="24369705"/>
-            <a:ext cx="0" cy="12853169"/>
-          </a:xfrm>
-          <a:prstGeom prst="line">
-            <a:avLst/>
-          </a:prstGeom>
-          <a:ln w="12700" cmpd="sng">
-            <a:solidFill>
-              <a:srgbClr val="7F1D80"/>
-            </a:solidFill>
-            <a:prstDash val="dashDot"/>
-          </a:ln>
-        </p:spPr>
-        <p:style>
-          <a:lnRef idx="2">
-            <a:schemeClr val="accent1"/>
-          </a:lnRef>
-          <a:fillRef idx="0">
-            <a:schemeClr val="accent1"/>
-          </a:fillRef>
-          <a:effectRef idx="1">
-            <a:schemeClr val="accent1"/>
-          </a:effectRef>
-          <a:fontRef idx="minor">
-            <a:schemeClr val="tx1"/>
-          </a:fontRef>
-        </p:style>
-      </p:cxnSp>
       <p:sp>
         <p:nvSpPr>
           <p:cNvPr id="152" name="TextBox 151">
@@ -5788,7 +4583,7 @@
         </p:nvSpPr>
         <p:spPr>
           <a:xfrm>
-            <a:off x="11616361" y="19591536"/>
+            <a:off x="11645135" y="28069049"/>
             <a:ext cx="19572697" cy="769441"/>
           </a:xfrm>
           <a:prstGeom prst="rect">
@@ -5809,27 +4604,36 @@
                 </a:solidFill>
                 <a:latin typeface="Helvetica"/>
               </a:rPr>
-              <a:t>6. User input / feedback -1: Relevance feedback, user segmentation</a:t>
-            </a:r>
-          </a:p>
-        </p:txBody>
-      </p:sp>
-      <p:sp>
-        <p:nvSpPr>
-          <p:cNvPr id="153" name="TextBox 152">
-            <a:extLst>
-              <a:ext uri="{FF2B5EF4-FFF2-40B4-BE49-F238E27FC236}">
-                <a16:creationId xmlns:a16="http://schemas.microsoft.com/office/drawing/2014/main" id="{7AAE829E-4662-B541-B543-CCA8A4FCEB42}"/>
-              </a:ext>
-            </a:extLst>
-          </p:cNvPr>
+              <a:t>6. </a:t>
+            </a:r>
+            <a:r>
+              <a:rPr lang="en-US" sz="4400" b="1" dirty="0" smtClean="0">
+                <a:solidFill>
+                  <a:srgbClr val="4E2C75"/>
+                </a:solidFill>
+                <a:latin typeface="Helvetica"/>
+              </a:rPr>
+              <a:t>Results</a:t>
+            </a:r>
+            <a:endParaRPr lang="en-US" sz="4400" b="1" dirty="0">
+              <a:solidFill>
+                <a:srgbClr val="4E2C75"/>
+              </a:solidFill>
+              <a:latin typeface="Helvetica"/>
+            </a:endParaRPr>
+          </a:p>
+        </p:txBody>
+      </p:sp>
+      <p:sp>
+        <p:nvSpPr>
+          <p:cNvPr id="53" name="TextBox 52"/>
           <p:cNvSpPr txBox="1"/>
           <p:nvPr/>
         </p:nvSpPr>
         <p:spPr>
           <a:xfrm>
-            <a:off x="20837497" y="32942463"/>
-            <a:ext cx="8658635" cy="4081117"/>
+            <a:off x="24748475" y="7844239"/>
+            <a:ext cx="5351257" cy="2677656"/>
           </a:xfrm>
           <a:prstGeom prst="rect">
             <a:avLst/>
@@ -5842,77 +4646,204 @@
           </a:bodyPr>
           <a:lstStyle/>
           <a:p>
-            <a:pPr algn="just">
-              <a:lnSpc>
-                <a:spcPct val="120000"/>
-              </a:lnSpc>
-            </a:pPr>
-            <a:r>
-              <a:rPr lang="en-US" sz="3600" b="1" dirty="0">
+            <a:r>
+              <a:rPr lang="en-US" sz="2800" dirty="0">
                 <a:latin typeface="Helvetica"/>
+                <a:cs typeface="Helvetica"/>
               </a:rPr>
-              <a:t>Issues</a:t>
-            </a:r>
-            <a:endParaRPr lang="en-US" sz="3600" dirty="0">
+              <a:t>3</a:t>
+            </a:r>
+            <a:r>
+              <a:rPr lang="en-US" sz="2800" dirty="0" smtClean="0">
+                <a:latin typeface="Helvetica"/>
+                <a:cs typeface="Helvetica"/>
+              </a:rPr>
+              <a:t>. Using the note list generated by CREPE, we identify an optimal fingering by performing a shortest path algorithm on a graph representation of the finger pattern.</a:t>
+            </a:r>
+            <a:endParaRPr lang="en-US" sz="2800" dirty="0">
               <a:latin typeface="Helvetica"/>
+              <a:cs typeface="Helvetica"/>
             </a:endParaRPr>
           </a:p>
-          <a:p>
-            <a:pPr marL="317644" indent="-317644" algn="just">
-              <a:lnSpc>
-                <a:spcPct val="120000"/>
-              </a:lnSpc>
-              <a:buFont typeface="Arial"/>
-              <a:buChar char="•"/>
-            </a:pPr>
-            <a:r>
-              <a:rPr lang="en-US" sz="3600" dirty="0">
-                <a:latin typeface="Helvetica"/>
-              </a:rPr>
-              <a:t>How to measure the similarity between a real sound event and its vocal imitation</a:t>
-            </a:r>
-          </a:p>
-          <a:p>
-            <a:pPr marL="317644" indent="-317644" algn="just">
-              <a:lnSpc>
-                <a:spcPct val="120000"/>
-              </a:lnSpc>
-              <a:buFont typeface="Arial"/>
-              <a:buChar char="•"/>
-            </a:pPr>
-            <a:r>
-              <a:rPr lang="en-US" sz="3600" dirty="0">
-                <a:latin typeface="Helvetica"/>
-              </a:rPr>
-              <a:t>How to control the quality of vocal imitations from different users.</a:t>
-            </a:r>
-          </a:p>
-        </p:txBody>
-      </p:sp>
-      <p:pic>
-        <p:nvPicPr>
-          <p:cNvPr id="13" name="Picture 12"/>
-          <p:cNvPicPr>
-            <a:picLocks noChangeAspect="1"/>
-          </p:cNvPicPr>
+        </p:txBody>
+      </p:sp>
+      <p:sp>
+        <p:nvSpPr>
+          <p:cNvPr id="54" name="TextBox 53"/>
+          <p:cNvSpPr txBox="1"/>
           <p:nvPr/>
-        </p:nvPicPr>
-        <p:blipFill>
-          <a:blip r:embed="rId11"/>
-          <a:stretch>
-            <a:fillRect/>
-          </a:stretch>
-        </p:blipFill>
+        </p:nvSpPr>
         <p:spPr>
           <a:xfrm>
-            <a:off x="12379663" y="13703305"/>
-            <a:ext cx="17232849" cy="4942251"/>
+            <a:off x="15708224" y="10971669"/>
+            <a:ext cx="9742660" cy="954107"/>
           </a:xfrm>
           <a:prstGeom prst="rect">
             <a:avLst/>
           </a:prstGeom>
+          <a:noFill/>
         </p:spPr>
-      </p:pic>
+        <p:txBody>
+          <a:bodyPr wrap="square" rtlCol="0">
+            <a:spAutoFit/>
+          </a:bodyPr>
+          <a:lstStyle/>
+          <a:p>
+            <a:r>
+              <a:rPr lang="en-US" sz="2800" dirty="0">
+                <a:latin typeface="Helvetica"/>
+                <a:cs typeface="Helvetica"/>
+              </a:rPr>
+              <a:t>4</a:t>
+            </a:r>
+            <a:r>
+              <a:rPr lang="en-US" sz="2800" dirty="0" smtClean="0">
+                <a:latin typeface="Helvetica"/>
+                <a:cs typeface="Helvetica"/>
+              </a:rPr>
+              <a:t>. Using the optimal fingerings, we use Muse Score in order to transcribe the notes in tablature, and generate a pdf of it</a:t>
+            </a:r>
+            <a:endParaRPr lang="en-US" sz="2800" dirty="0">
+              <a:latin typeface="Helvetica"/>
+              <a:cs typeface="Helvetica"/>
+            </a:endParaRPr>
+          </a:p>
+        </p:txBody>
+      </p:sp>
+      <p:sp>
+        <p:nvSpPr>
+          <p:cNvPr id="67" name="TextBox 66"/>
+          <p:cNvSpPr txBox="1"/>
+          <p:nvPr/>
+        </p:nvSpPr>
+        <p:spPr>
+          <a:xfrm>
+            <a:off x="11442689" y="16758544"/>
+            <a:ext cx="16595564" cy="769441"/>
+          </a:xfrm>
+          <a:prstGeom prst="rect">
+            <a:avLst/>
+          </a:prstGeom>
+          <a:noFill/>
+        </p:spPr>
+        <p:txBody>
+          <a:bodyPr wrap="square" rtlCol="0">
+            <a:spAutoFit/>
+          </a:bodyPr>
+          <a:lstStyle/>
+          <a:p>
+            <a:r>
+              <a:rPr lang="en-US" sz="4400" b="1" dirty="0" smtClean="0">
+                <a:solidFill>
+                  <a:srgbClr val="4E2C75"/>
+                </a:solidFill>
+                <a:latin typeface="Helvetica"/>
+              </a:rPr>
+              <a:t>5. Fingering Algorithm In Depth</a:t>
+            </a:r>
+            <a:endParaRPr lang="en-US" sz="4400" b="1" dirty="0">
+              <a:solidFill>
+                <a:srgbClr val="4E2C75"/>
+              </a:solidFill>
+              <a:latin typeface="Helvetica"/>
+            </a:endParaRPr>
+          </a:p>
+        </p:txBody>
+      </p:sp>
+      <p:sp>
+        <p:nvSpPr>
+          <p:cNvPr id="3" name="TextBox 2"/>
+          <p:cNvSpPr txBox="1"/>
+          <p:nvPr/>
+        </p:nvSpPr>
+        <p:spPr>
+          <a:xfrm>
+            <a:off x="1023986" y="7441833"/>
+            <a:ext cx="8487312" cy="11418510"/>
+          </a:xfrm>
+          <a:prstGeom prst="rect">
+            <a:avLst/>
+          </a:prstGeom>
+          <a:noFill/>
+        </p:spPr>
+        <p:txBody>
+          <a:bodyPr wrap="square" rtlCol="0">
+            <a:spAutoFit/>
+          </a:bodyPr>
+          <a:lstStyle/>
+          <a:p>
+            <a:pPr marL="457200" indent="-457200">
+              <a:buFont typeface="Arial" panose="020B0604020202020204" pitchFamily="34" charset="0"/>
+              <a:buChar char="•"/>
+            </a:pPr>
+            <a:r>
+              <a:rPr lang="en-US" sz="3200" dirty="0"/>
+              <a:t>Amateur or intermediate-level musicians who want a reference to play music would benefit greatly from a tool that automatically turns auto into playable music. </a:t>
+            </a:r>
+            <a:endParaRPr lang="en-US" sz="3200" dirty="0" smtClean="0"/>
+          </a:p>
+          <a:p>
+            <a:endParaRPr lang="en-US" sz="3200" dirty="0" smtClean="0"/>
+          </a:p>
+          <a:p>
+            <a:pPr marL="457200" indent="-457200">
+              <a:buFont typeface="Arial" panose="020B0604020202020204" pitchFamily="34" charset="0"/>
+              <a:buChar char="•"/>
+            </a:pPr>
+            <a:r>
+              <a:rPr lang="en-US" sz="3200" dirty="0" smtClean="0"/>
+              <a:t>For </a:t>
+            </a:r>
+            <a:r>
+              <a:rPr lang="en-US" sz="3200" dirty="0"/>
+              <a:t>those who want to have transcriptions for obscure songs, small licks or riffs, or songs that just don’t have playable transcriptions available, an auto-tab generator would be incredibly helpful</a:t>
+            </a:r>
+            <a:r>
+              <a:rPr lang="en-US" sz="3200" dirty="0" smtClean="0"/>
+              <a:t>.</a:t>
+            </a:r>
+          </a:p>
+          <a:p>
+            <a:endParaRPr lang="en-US" sz="3200" dirty="0" smtClean="0"/>
+          </a:p>
+          <a:p>
+            <a:pPr marL="457200" indent="-457200">
+              <a:buFont typeface="Arial" panose="020B0604020202020204" pitchFamily="34" charset="0"/>
+              <a:buChar char="•"/>
+            </a:pPr>
+            <a:r>
+              <a:rPr lang="en-US" sz="3200" dirty="0" smtClean="0"/>
+              <a:t> </a:t>
+            </a:r>
+            <a:r>
+              <a:rPr lang="en-US" sz="3200" dirty="0"/>
+              <a:t>Because many amateur guitarists depend on fan-made tablature from online communities, it would be nice for guitarists of any level to be able to input songs and get relatively good tablature, with accurate fingerings </a:t>
+            </a:r>
+            <a:r>
+              <a:rPr lang="en-US" sz="3200" dirty="0" smtClean="0"/>
+              <a:t>quickly.</a:t>
+            </a:r>
+          </a:p>
+          <a:p>
+            <a:endParaRPr lang="en-US" sz="3200" dirty="0" smtClean="0"/>
+          </a:p>
+          <a:p>
+            <a:pPr marL="457200" indent="-457200">
+              <a:buFont typeface="Arial" panose="020B0604020202020204" pitchFamily="34" charset="0"/>
+              <a:buChar char="•"/>
+            </a:pPr>
+            <a:r>
+              <a:rPr lang="en-US" sz="3200" dirty="0" smtClean="0"/>
+              <a:t>While </a:t>
+            </a:r>
+            <a:r>
+              <a:rPr lang="en-US" sz="3200" dirty="0"/>
+              <a:t>research has been done on the topics of extracting notes of melodies and songs, processing those notes into midi files, and transcribing into tablature, little has been done to streamline this process from audio file to guitar tabs directly.</a:t>
+            </a:r>
+            <a:endParaRPr lang="en-US" sz="3200" dirty="0"/>
+          </a:p>
+        </p:txBody>
+      </p:sp>
     </p:spTree>
     <p:extLst>
       <p:ext uri="{BB962C8B-B14F-4D97-AF65-F5344CB8AC3E}">
@@ -5926,382 +4857,9 @@
   <p:timing>
     <p:tnLst>
       <p:par>
-        <p:cTn id="1" dur="indefinite" restart="never" nodeType="tmRoot">
-          <p:childTnLst>
-            <p:seq concurrent="1" nextAc="seek">
-              <p:cTn id="2" dur="indefinite" nodeType="mainSeq">
-                <p:childTnLst>
-                  <p:par>
-                    <p:cTn id="3" fill="hold">
-                      <p:stCondLst>
-                        <p:cond delay="indefinite"/>
-                      </p:stCondLst>
-                      <p:childTnLst>
-                        <p:par>
-                          <p:cTn id="4" fill="hold">
-                            <p:stCondLst>
-                              <p:cond delay="0"/>
-                            </p:stCondLst>
-                            <p:childTnLst>
-                              <p:par>
-                                <p:cTn id="5" presetID="1" presetClass="entr" presetSubtype="0" fill="hold" nodeType="clickEffect">
-                                  <p:stCondLst>
-                                    <p:cond delay="0"/>
-                                  </p:stCondLst>
-                                  <p:childTnLst>
-                                    <p:set>
-                                      <p:cBhvr>
-                                        <p:cTn id="6" dur="1" fill="hold">
-                                          <p:stCondLst>
-                                            <p:cond delay="0"/>
-                                          </p:stCondLst>
-                                        </p:cTn>
-                                        <p:tgtEl>
-                                          <p:spTgt spid="57"/>
-                                        </p:tgtEl>
-                                        <p:attrNameLst>
-                                          <p:attrName>style.visibility</p:attrName>
-                                        </p:attrNameLst>
-                                      </p:cBhvr>
-                                      <p:to>
-                                        <p:strVal val="visible"/>
-                                      </p:to>
-                                    </p:set>
-                                  </p:childTnLst>
-                                </p:cTn>
-                              </p:par>
-                              <p:par>
-                                <p:cTn id="7" presetID="1" presetClass="entr" presetSubtype="0" fill="hold" grpId="0" nodeType="withEffect">
-                                  <p:stCondLst>
-                                    <p:cond delay="0"/>
-                                  </p:stCondLst>
-                                  <p:childTnLst>
-                                    <p:set>
-                                      <p:cBhvr>
-                                        <p:cTn id="8" dur="1" fill="hold">
-                                          <p:stCondLst>
-                                            <p:cond delay="0"/>
-                                          </p:stCondLst>
-                                        </p:cTn>
-                                        <p:tgtEl>
-                                          <p:spTgt spid="58"/>
-                                        </p:tgtEl>
-                                        <p:attrNameLst>
-                                          <p:attrName>style.visibility</p:attrName>
-                                        </p:attrNameLst>
-                                      </p:cBhvr>
-                                      <p:to>
-                                        <p:strVal val="visible"/>
-                                      </p:to>
-                                    </p:set>
-                                  </p:childTnLst>
-                                </p:cTn>
-                              </p:par>
-                              <p:par>
-                                <p:cTn id="9" presetID="1" presetClass="entr" presetSubtype="0" fill="hold" grpId="0" nodeType="withEffect">
-                                  <p:stCondLst>
-                                    <p:cond delay="0"/>
-                                  </p:stCondLst>
-                                  <p:childTnLst>
-                                    <p:set>
-                                      <p:cBhvr>
-                                        <p:cTn id="10" dur="1" fill="hold">
-                                          <p:stCondLst>
-                                            <p:cond delay="0"/>
-                                          </p:stCondLst>
-                                        </p:cTn>
-                                        <p:tgtEl>
-                                          <p:spTgt spid="59"/>
-                                        </p:tgtEl>
-                                        <p:attrNameLst>
-                                          <p:attrName>style.visibility</p:attrName>
-                                        </p:attrNameLst>
-                                      </p:cBhvr>
-                                      <p:to>
-                                        <p:strVal val="visible"/>
-                                      </p:to>
-                                    </p:set>
-                                  </p:childTnLst>
-                                </p:cTn>
-                              </p:par>
-                            </p:childTnLst>
-                          </p:cTn>
-                        </p:par>
-                      </p:childTnLst>
-                    </p:cTn>
-                  </p:par>
-                  <p:par>
-                    <p:cTn id="11" fill="hold">
-                      <p:stCondLst>
-                        <p:cond delay="indefinite"/>
-                      </p:stCondLst>
-                      <p:childTnLst>
-                        <p:par>
-                          <p:cTn id="12" fill="hold">
-                            <p:stCondLst>
-                              <p:cond delay="0"/>
-                            </p:stCondLst>
-                            <p:childTnLst>
-                              <p:par>
-                                <p:cTn id="13" presetID="1" presetClass="entr" presetSubtype="0" fill="hold" nodeType="clickEffect">
-                                  <p:stCondLst>
-                                    <p:cond delay="0"/>
-                                  </p:stCondLst>
-                                  <p:childTnLst>
-                                    <p:set>
-                                      <p:cBhvr>
-                                        <p:cTn id="14" dur="1" fill="hold">
-                                          <p:stCondLst>
-                                            <p:cond delay="0"/>
-                                          </p:stCondLst>
-                                        </p:cTn>
-                                        <p:tgtEl>
-                                          <p:spTgt spid="60"/>
-                                        </p:tgtEl>
-                                        <p:attrNameLst>
-                                          <p:attrName>style.visibility</p:attrName>
-                                        </p:attrNameLst>
-                                      </p:cBhvr>
-                                      <p:to>
-                                        <p:strVal val="visible"/>
-                                      </p:to>
-                                    </p:set>
-                                  </p:childTnLst>
-                                </p:cTn>
-                              </p:par>
-                              <p:par>
-                                <p:cTn id="15" presetID="1" presetClass="entr" presetSubtype="0" fill="hold" grpId="0" nodeType="withEffect">
-                                  <p:stCondLst>
-                                    <p:cond delay="0"/>
-                                  </p:stCondLst>
-                                  <p:childTnLst>
-                                    <p:set>
-                                      <p:cBhvr>
-                                        <p:cTn id="16" dur="1" fill="hold">
-                                          <p:stCondLst>
-                                            <p:cond delay="0"/>
-                                          </p:stCondLst>
-                                        </p:cTn>
-                                        <p:tgtEl>
-                                          <p:spTgt spid="62"/>
-                                        </p:tgtEl>
-                                        <p:attrNameLst>
-                                          <p:attrName>style.visibility</p:attrName>
-                                        </p:attrNameLst>
-                                      </p:cBhvr>
-                                      <p:to>
-                                        <p:strVal val="visible"/>
-                                      </p:to>
-                                    </p:set>
-                                  </p:childTnLst>
-                                </p:cTn>
-                              </p:par>
-                              <p:par>
-                                <p:cTn id="17" presetID="1" presetClass="entr" presetSubtype="0" fill="hold" grpId="0" nodeType="withEffect">
-                                  <p:stCondLst>
-                                    <p:cond delay="0"/>
-                                  </p:stCondLst>
-                                  <p:childTnLst>
-                                    <p:set>
-                                      <p:cBhvr>
-                                        <p:cTn id="18" dur="1" fill="hold">
-                                          <p:stCondLst>
-                                            <p:cond delay="0"/>
-                                          </p:stCondLst>
-                                        </p:cTn>
-                                        <p:tgtEl>
-                                          <p:spTgt spid="63"/>
-                                        </p:tgtEl>
-                                        <p:attrNameLst>
-                                          <p:attrName>style.visibility</p:attrName>
-                                        </p:attrNameLst>
-                                      </p:cBhvr>
-                                      <p:to>
-                                        <p:strVal val="visible"/>
-                                      </p:to>
-                                    </p:set>
-                                  </p:childTnLst>
-                                </p:cTn>
-                              </p:par>
-                              <p:par>
-                                <p:cTn id="19" presetID="1" presetClass="entr" presetSubtype="0" fill="hold" nodeType="withEffect">
-                                  <p:stCondLst>
-                                    <p:cond delay="0"/>
-                                  </p:stCondLst>
-                                  <p:childTnLst>
-                                    <p:set>
-                                      <p:cBhvr>
-                                        <p:cTn id="20" dur="1" fill="hold">
-                                          <p:stCondLst>
-                                            <p:cond delay="0"/>
-                                          </p:stCondLst>
-                                        </p:cTn>
-                                        <p:tgtEl>
-                                          <p:spTgt spid="71"/>
-                                        </p:tgtEl>
-                                        <p:attrNameLst>
-                                          <p:attrName>style.visibility</p:attrName>
-                                        </p:attrNameLst>
-                                      </p:cBhvr>
-                                      <p:to>
-                                        <p:strVal val="visible"/>
-                                      </p:to>
-                                    </p:set>
-                                  </p:childTnLst>
-                                </p:cTn>
-                              </p:par>
-                              <p:par>
-                                <p:cTn id="21" presetID="1" presetClass="entr" presetSubtype="0" fill="hold" nodeType="withEffect">
-                                  <p:stCondLst>
-                                    <p:cond delay="0"/>
-                                  </p:stCondLst>
-                                  <p:childTnLst>
-                                    <p:set>
-                                      <p:cBhvr>
-                                        <p:cTn id="22" dur="1" fill="hold">
-                                          <p:stCondLst>
-                                            <p:cond delay="0"/>
-                                          </p:stCondLst>
-                                        </p:cTn>
-                                        <p:tgtEl>
-                                          <p:spTgt spid="72"/>
-                                        </p:tgtEl>
-                                        <p:attrNameLst>
-                                          <p:attrName>style.visibility</p:attrName>
-                                        </p:attrNameLst>
-                                      </p:cBhvr>
-                                      <p:to>
-                                        <p:strVal val="visible"/>
-                                      </p:to>
-                                    </p:set>
-                                  </p:childTnLst>
-                                </p:cTn>
-                              </p:par>
-                            </p:childTnLst>
-                          </p:cTn>
-                        </p:par>
-                      </p:childTnLst>
-                    </p:cTn>
-                  </p:par>
-                  <p:par>
-                    <p:cTn id="23" fill="hold">
-                      <p:stCondLst>
-                        <p:cond delay="indefinite"/>
-                      </p:stCondLst>
-                      <p:childTnLst>
-                        <p:par>
-                          <p:cTn id="24" fill="hold">
-                            <p:stCondLst>
-                              <p:cond delay="0"/>
-                            </p:stCondLst>
-                            <p:childTnLst>
-                              <p:par>
-                                <p:cTn id="25" presetID="1" presetClass="entr" presetSubtype="0" fill="hold" grpId="0" nodeType="clickEffect">
-                                  <p:stCondLst>
-                                    <p:cond delay="0"/>
-                                  </p:stCondLst>
-                                  <p:childTnLst>
-                                    <p:set>
-                                      <p:cBhvr>
-                                        <p:cTn id="26" dur="1" fill="hold">
-                                          <p:stCondLst>
-                                            <p:cond delay="0"/>
-                                          </p:stCondLst>
-                                        </p:cTn>
-                                        <p:tgtEl>
-                                          <p:spTgt spid="183"/>
-                                        </p:tgtEl>
-                                        <p:attrNameLst>
-                                          <p:attrName>style.visibility</p:attrName>
-                                        </p:attrNameLst>
-                                      </p:cBhvr>
-                                      <p:to>
-                                        <p:strVal val="visible"/>
-                                      </p:to>
-                                    </p:set>
-                                  </p:childTnLst>
-                                </p:cTn>
-                              </p:par>
-                            </p:childTnLst>
-                          </p:cTn>
-                        </p:par>
-                      </p:childTnLst>
-                    </p:cTn>
-                  </p:par>
-                  <p:par>
-                    <p:cTn id="27" fill="hold">
-                      <p:stCondLst>
-                        <p:cond delay="indefinite"/>
-                      </p:stCondLst>
-                      <p:childTnLst>
-                        <p:par>
-                          <p:cTn id="28" fill="hold">
-                            <p:stCondLst>
-                              <p:cond delay="0"/>
-                            </p:stCondLst>
-                            <p:childTnLst>
-                              <p:par>
-                                <p:cTn id="29" presetID="1" presetClass="entr" presetSubtype="0" fill="hold" grpId="0" nodeType="clickEffect">
-                                  <p:stCondLst>
-                                    <p:cond delay="0"/>
-                                  </p:stCondLst>
-                                  <p:childTnLst>
-                                    <p:set>
-                                      <p:cBhvr>
-                                        <p:cTn id="30" dur="1" fill="hold">
-                                          <p:stCondLst>
-                                            <p:cond delay="0"/>
-                                          </p:stCondLst>
-                                        </p:cTn>
-                                        <p:tgtEl>
-                                          <p:spTgt spid="192"/>
-                                        </p:tgtEl>
-                                        <p:attrNameLst>
-                                          <p:attrName>style.visibility</p:attrName>
-                                        </p:attrNameLst>
-                                      </p:cBhvr>
-                                      <p:to>
-                                        <p:strVal val="visible"/>
-                                      </p:to>
-                                    </p:set>
-                                  </p:childTnLst>
-                                </p:cTn>
-                              </p:par>
-                            </p:childTnLst>
-                          </p:cTn>
-                        </p:par>
-                      </p:childTnLst>
-                    </p:cTn>
-                  </p:par>
-                </p:childTnLst>
-              </p:cTn>
-              <p:prevCondLst>
-                <p:cond evt="onPrev" delay="0">
-                  <p:tgtEl>
-                    <p:sldTgt/>
-                  </p:tgtEl>
-                </p:cond>
-              </p:prevCondLst>
-              <p:nextCondLst>
-                <p:cond evt="onNext" delay="0">
-                  <p:tgtEl>
-                    <p:sldTgt/>
-                  </p:tgtEl>
-                </p:cond>
-              </p:nextCondLst>
-            </p:seq>
-          </p:childTnLst>
-        </p:cTn>
+        <p:cTn id="1" dur="indefinite" restart="never" nodeType="tmRoot"/>
       </p:par>
     </p:tnLst>
-    <p:bldLst>
-      <p:bldP spid="58" grpId="0" animBg="1"/>
-      <p:bldP spid="59" grpId="0" animBg="1"/>
-      <p:bldP spid="62" grpId="0" animBg="1"/>
-      <p:bldP spid="63" grpId="0" animBg="1"/>
-      <p:bldP spid="183" grpId="0"/>
-      <p:bldP spid="192" grpId="0"/>
-    </p:bldLst>
   </p:timing>
 </p:sld>
 </file>

--- a/poster.pptx
+++ b/poster.pptx
@@ -3559,7 +3559,7 @@
       </p:grpSpPr>
       <p:pic>
         <p:nvPicPr>
-          <p:cNvPr id="13" name="Picture 12"/>
+          <p:cNvPr id="17" name="Picture 16"/>
           <p:cNvPicPr>
             <a:picLocks noChangeAspect="1"/>
           </p:cNvPicPr>
@@ -3573,6 +3573,30 @@
         </p:blipFill>
         <p:spPr>
           <a:xfrm>
+            <a:off x="19547617" y="29911324"/>
+            <a:ext cx="10302275" cy="1427155"/>
+          </a:xfrm>
+          <a:prstGeom prst="rect">
+            <a:avLst/>
+          </a:prstGeom>
+        </p:spPr>
+      </p:pic>
+      <p:pic>
+        <p:nvPicPr>
+          <p:cNvPr id="13" name="Picture 12"/>
+          <p:cNvPicPr>
+            <a:picLocks noChangeAspect="1"/>
+          </p:cNvPicPr>
+          <p:nvPr/>
+        </p:nvPicPr>
+        <p:blipFill>
+          <a:blip r:embed="rId4"/>
+          <a:stretch>
+            <a:fillRect/>
+          </a:stretch>
+        </p:blipFill>
+        <p:spPr>
+          <a:xfrm>
             <a:off x="12320335" y="11925327"/>
             <a:ext cx="17232849" cy="4942251"/>
           </a:xfrm>
@@ -3590,7 +3614,7 @@
           <p:nvPr/>
         </p:nvPicPr>
         <p:blipFill rotWithShape="1">
-          <a:blip r:embed="rId4"/>
+          <a:blip r:embed="rId5"/>
           <a:srcRect l="13017" t="7811" r="8885" b="54090"/>
           <a:stretch/>
         </p:blipFill>
@@ -3993,7 +4017,7 @@
                 </a:solidFill>
                 <a:latin typeface="Helvetica"/>
               </a:rPr>
-              <a:t>4</a:t>
+              <a:t>3</a:t>
             </a:r>
             <a:r>
               <a:rPr lang="en-US" sz="4400" b="1" dirty="0" smtClean="0">
@@ -4030,10 +4054,10 @@
         </p:nvGrpSpPr>
         <p:grpSpPr>
           <a:xfrm>
-            <a:off x="683914" y="17885489"/>
-            <a:ext cx="9580654" cy="1812916"/>
-            <a:chOff x="875581" y="5054049"/>
-            <a:chExt cx="7890600" cy="1011276"/>
+            <a:off x="672223" y="10131885"/>
+            <a:ext cx="9646160" cy="20697838"/>
+            <a:chOff x="821630" y="5054049"/>
+            <a:chExt cx="7944551" cy="11545606"/>
           </a:xfrm>
         </p:grpSpPr>
         <p:sp>
@@ -4044,8 +4068,8 @@
           </p:nvSpPr>
           <p:spPr>
             <a:xfrm>
-              <a:off x="875581" y="5647397"/>
-              <a:ext cx="7812133" cy="417928"/>
+              <a:off x="821630" y="16216064"/>
+              <a:ext cx="7812133" cy="383591"/>
             </a:xfrm>
             <a:prstGeom prst="rect">
               <a:avLst/>
@@ -4059,16 +4083,7 @@
             <a:lstStyle/>
             <a:p>
               <a:r>
-                <a:rPr lang="en-US" sz="4400" b="1" dirty="0">
-                  <a:solidFill>
-                    <a:srgbClr val="4E2C75"/>
-                  </a:solidFill>
-                  <a:latin typeface="Helvetica"/>
-                </a:rPr>
-                <a:t>2. </a:t>
-              </a:r>
-              <a:r>
-                <a:rPr lang="en-US" sz="4400" b="1" dirty="0" smtClean="0">
+                <a:rPr lang="en-US" sz="4000" b="1" dirty="0" smtClean="0">
                   <a:solidFill>
                     <a:srgbClr val="4E2C75"/>
                   </a:solidFill>
@@ -4076,7 +4091,7 @@
                 </a:rPr>
                 <a:t>Related Work</a:t>
               </a:r>
-              <a:endParaRPr lang="en-US" sz="4400" b="1" dirty="0">
+              <a:endParaRPr lang="en-US" sz="4000" b="1" dirty="0">
                 <a:solidFill>
                   <a:srgbClr val="4E2C75"/>
                 </a:solidFill>
@@ -4264,11 +4279,7 @@
             </a:r>
             <a:r>
               <a:rPr lang="en-US" sz="2800" dirty="0" smtClean="0"/>
-              <a:t>. </a:t>
-            </a:r>
-            <a:r>
-              <a:rPr lang="en-US" sz="2800" dirty="0" smtClean="0"/>
-              <a:t>We run CREPE on the audio file, determining new notes based off of having a sufficient change in Hz. If CREPE is not confident for too long, we also terminate the current note.</a:t>
+              <a:t>. We run CREPE on the audio file, determining new notes based off of having a sufficient change in Hz. If CREPE is not confident for too long, we also terminate the current note.</a:t>
             </a:r>
             <a:endParaRPr lang="en-US" sz="2800" dirty="0"/>
           </a:p>
@@ -4312,106 +4323,64 @@
           </a:fontRef>
         </p:style>
       </p:cxnSp>
-      <p:grpSp>
-        <p:nvGrpSpPr>
-          <p:cNvPr id="176" name="Group 175">
+      <p:sp>
+        <p:nvSpPr>
+          <p:cNvPr id="181" name="TextBox 180">
             <a:extLst>
               <a:ext uri="{FF2B5EF4-FFF2-40B4-BE49-F238E27FC236}">
-                <a16:creationId xmlns:a16="http://schemas.microsoft.com/office/drawing/2014/main" id="{C3E0DFAA-357A-4A48-94D0-9D195ACFC57B}"/>
+                <a16:creationId xmlns:a16="http://schemas.microsoft.com/office/drawing/2014/main" id="{D38C31A6-6D42-2144-A935-058A67C30F3A}"/>
               </a:ext>
             </a:extLst>
           </p:cNvPr>
-          <p:cNvGrpSpPr/>
+          <p:cNvSpPr txBox="1"/>
           <p:nvPr/>
-        </p:nvGrpSpPr>
-        <p:grpSpPr>
-          <a:xfrm>
-            <a:off x="648535" y="25427510"/>
-            <a:ext cx="9944455" cy="769441"/>
-            <a:chOff x="719260" y="21742305"/>
-            <a:chExt cx="8019525" cy="2963335"/>
-          </a:xfrm>
-        </p:grpSpPr>
-        <p:sp>
-          <p:nvSpPr>
-            <p:cNvPr id="180" name="TextBox 179">
-              <a:extLst>
-                <a:ext uri="{FF2B5EF4-FFF2-40B4-BE49-F238E27FC236}">
-                  <a16:creationId xmlns:a16="http://schemas.microsoft.com/office/drawing/2014/main" id="{97CDD329-AB1F-D448-A9AA-2B330201BF5B}"/>
-                </a:ext>
-              </a:extLst>
-            </p:cNvPr>
-            <p:cNvSpPr txBox="1"/>
-            <p:nvPr/>
-          </p:nvSpPr>
-          <p:spPr>
-            <a:xfrm>
-              <a:off x="877735" y="21742305"/>
-              <a:ext cx="7861050" cy="2680585"/>
-            </a:xfrm>
-            <a:prstGeom prst="rect">
-              <a:avLst/>
-            </a:prstGeom>
-            <a:noFill/>
-          </p:spPr>
-          <p:txBody>
-            <a:bodyPr wrap="square" rtlCol="0">
-              <a:spAutoFit/>
-            </a:bodyPr>
-            <a:lstStyle/>
-            <a:p>
-              <a:pPr algn="just">
-                <a:lnSpc>
-                  <a:spcPct val="120000"/>
-                </a:lnSpc>
-              </a:pPr>
-              <a:endParaRPr lang="en-US" sz="3600" b="1" dirty="0">
+        </p:nvSpPr>
+        <p:spPr>
+          <a:xfrm>
+            <a:off x="950910" y="12135888"/>
+            <a:ext cx="9687288" cy="541446"/>
+          </a:xfrm>
+          <a:prstGeom prst="rect">
+            <a:avLst/>
+          </a:prstGeom>
+          <a:noFill/>
+        </p:spPr>
+        <p:txBody>
+          <a:bodyPr wrap="square" rtlCol="0">
+            <a:spAutoFit/>
+          </a:bodyPr>
+          <a:lstStyle/>
+          <a:p>
+            <a:r>
+              <a:rPr lang="en-US" sz="4400" b="1" dirty="0">
+                <a:solidFill>
+                  <a:srgbClr val="4E2C75"/>
+                </a:solidFill>
                 <a:latin typeface="Helvetica"/>
-              </a:endParaRPr>
-            </a:p>
-          </p:txBody>
-        </p:sp>
-        <p:sp>
-          <p:nvSpPr>
-            <p:cNvPr id="181" name="TextBox 180">
-              <a:extLst>
-                <a:ext uri="{FF2B5EF4-FFF2-40B4-BE49-F238E27FC236}">
-                  <a16:creationId xmlns:a16="http://schemas.microsoft.com/office/drawing/2014/main" id="{D38C31A6-6D42-2144-A935-058A67C30F3A}"/>
-                </a:ext>
-              </a:extLst>
-            </p:cNvPr>
-            <p:cNvSpPr txBox="1"/>
-            <p:nvPr/>
-          </p:nvSpPr>
-          <p:spPr>
-            <a:xfrm>
-              <a:off x="719260" y="21742305"/>
-              <a:ext cx="7812137" cy="2963335"/>
-            </a:xfrm>
-            <a:prstGeom prst="rect">
-              <a:avLst/>
-            </a:prstGeom>
-            <a:noFill/>
-          </p:spPr>
-          <p:txBody>
-            <a:bodyPr wrap="square" rtlCol="0">
-              <a:spAutoFit/>
-            </a:bodyPr>
-            <a:lstStyle/>
-            <a:p>
-              <a:r>
-                <a:rPr lang="en-US" sz="4400" b="1" dirty="0">
-                  <a:solidFill>
-                    <a:srgbClr val="4E2C75"/>
-                  </a:solidFill>
-                  <a:latin typeface="Helvetica"/>
-                </a:rPr>
-                <a:t>3. Problems</a:t>
-              </a:r>
-            </a:p>
-          </p:txBody>
-        </p:sp>
-      </p:grpSp>
+              </a:rPr>
+              <a:t>2</a:t>
+            </a:r>
+            <a:r>
+              <a:rPr lang="en-US" sz="4400" b="1" dirty="0" smtClean="0">
+                <a:solidFill>
+                  <a:srgbClr val="4E2C75"/>
+                </a:solidFill>
+                <a:latin typeface="Helvetica"/>
+              </a:rPr>
+              <a:t>. </a:t>
+            </a:r>
+            <a:r>
+              <a:rPr lang="en-US" sz="4400" b="1" dirty="0">
+                <a:solidFill>
+                  <a:srgbClr val="4E2C75"/>
+                </a:solidFill>
+                <a:latin typeface="Helvetica"/>
+              </a:rPr>
+              <a:t>Problems</a:t>
+            </a:r>
+          </a:p>
+        </p:txBody>
+      </p:sp>
       <p:sp>
         <p:nvSpPr>
           <p:cNvPr id="185" name="TextBox 184">
@@ -4469,9 +4438,9 @@
         <p:grpSpPr>
           <a:xfrm>
             <a:off x="11372802" y="23763497"/>
-            <a:ext cx="16954226" cy="9579959"/>
+            <a:ext cx="16907023" cy="11158883"/>
             <a:chOff x="853193" y="17525457"/>
-            <a:chExt cx="14413109" cy="36895132"/>
+            <a:chExt cx="14372981" cy="42976015"/>
           </a:xfrm>
         </p:grpSpPr>
         <p:sp>
@@ -4527,7 +4496,7 @@
           </p:nvSpPr>
           <p:spPr>
             <a:xfrm>
-              <a:off x="1084708" y="51457254"/>
+              <a:off x="1044580" y="57538137"/>
               <a:ext cx="14181594" cy="2963335"/>
             </a:xfrm>
             <a:prstGeom prst="rect">
@@ -4548,7 +4517,16 @@
                   </a:solidFill>
                   <a:latin typeface="Helvetica"/>
                 </a:rPr>
-                <a:t>7. </a:t>
+                <a:t>6</a:t>
+              </a:r>
+              <a:r>
+                <a:rPr lang="en-US" sz="4400" b="1" dirty="0" smtClean="0">
+                  <a:solidFill>
+                    <a:srgbClr val="4E2C75"/>
+                  </a:solidFill>
+                  <a:latin typeface="Helvetica"/>
+                </a:rPr>
+                <a:t>. </a:t>
               </a:r>
               <a:r>
                 <a:rPr lang="en-US" sz="4400" b="1" dirty="0" smtClean="0">
@@ -4583,7 +4561,7 @@
         </p:nvSpPr>
         <p:spPr>
           <a:xfrm>
-            <a:off x="11645135" y="28069049"/>
+            <a:off x="11529603" y="25967625"/>
             <a:ext cx="19572697" cy="769441"/>
           </a:xfrm>
           <a:prstGeom prst="rect">
@@ -4604,7 +4582,16 @@
                 </a:solidFill>
                 <a:latin typeface="Helvetica"/>
               </a:rPr>
-              <a:t>6. </a:t>
+              <a:t>5</a:t>
+            </a:r>
+            <a:r>
+              <a:rPr lang="en-US" sz="4400" b="1" dirty="0" smtClean="0">
+                <a:solidFill>
+                  <a:srgbClr val="4E2C75"/>
+                </a:solidFill>
+                <a:latin typeface="Helvetica"/>
+              </a:rPr>
+              <a:t>. </a:t>
             </a:r>
             <a:r>
               <a:rPr lang="en-US" sz="4400" b="1" dirty="0" smtClean="0">
@@ -4733,13 +4720,31 @@
           <a:lstStyle/>
           <a:p>
             <a:r>
+              <a:rPr lang="en-US" sz="4400" b="1" dirty="0">
+                <a:solidFill>
+                  <a:srgbClr val="4E2C75"/>
+                </a:solidFill>
+                <a:latin typeface="Helvetica"/>
+              </a:rPr>
+              <a:t>4</a:t>
+            </a:r>
+            <a:r>
               <a:rPr lang="en-US" sz="4400" b="1" dirty="0" smtClean="0">
                 <a:solidFill>
                   <a:srgbClr val="4E2C75"/>
                 </a:solidFill>
                 <a:latin typeface="Helvetica"/>
               </a:rPr>
-              <a:t>5. Fingering Algorithm In Depth</a:t>
+              <a:t>. </a:t>
+            </a:r>
+            <a:r>
+              <a:rPr lang="en-US" sz="4400" b="1" dirty="0" smtClean="0">
+                <a:solidFill>
+                  <a:srgbClr val="4E2C75"/>
+                </a:solidFill>
+                <a:latin typeface="Helvetica"/>
+              </a:rPr>
+              <a:t>Fingering Algorithm In Depth</a:t>
             </a:r>
             <a:endParaRPr lang="en-US" sz="4400" b="1" dirty="0">
               <a:solidFill>
@@ -4759,7 +4764,7 @@
         <p:spPr>
           <a:xfrm>
             <a:off x="1023986" y="7441833"/>
-            <a:ext cx="8487312" cy="11418510"/>
+            <a:ext cx="8487312" cy="3970318"/>
           </a:xfrm>
           <a:prstGeom prst="rect">
             <a:avLst/>
@@ -4777,34 +4782,16 @@
               <a:buChar char="•"/>
             </a:pPr>
             <a:r>
-              <a:rPr lang="en-US" sz="3200" dirty="0"/>
-              <a:t>Amateur or intermediate-level musicians who want a reference to play music would benefit greatly from a tool that automatically turns auto into playable music. </a:t>
-            </a:r>
-            <a:endParaRPr lang="en-US" sz="3200" dirty="0" smtClean="0"/>
-          </a:p>
-          <a:p>
-            <a:endParaRPr lang="en-US" sz="3200" dirty="0" smtClean="0"/>
+              <a:rPr lang="en-US" sz="3600" dirty="0" smtClean="0"/>
+              <a:t>People want to be able to play music, and the majority of the guitar repertoire is only available as audio</a:t>
+            </a:r>
           </a:p>
           <a:p>
             <a:pPr marL="457200" indent="-457200">
               <a:buFont typeface="Arial" panose="020B0604020202020204" pitchFamily="34" charset="0"/>
               <a:buChar char="•"/>
             </a:pPr>
-            <a:r>
-              <a:rPr lang="en-US" sz="3200" dirty="0" smtClean="0"/>
-              <a:t>For </a:t>
-            </a:r>
-            <a:r>
-              <a:rPr lang="en-US" sz="3200" dirty="0"/>
-              <a:t>those who want to have transcriptions for obscure songs, small licks or riffs, or songs that just don’t have playable transcriptions available, an auto-tab generator would be incredibly helpful</a:t>
-            </a:r>
-            <a:r>
-              <a:rPr lang="en-US" sz="3200" dirty="0" smtClean="0"/>
-              <a:t>.</a:t>
-            </a:r>
-          </a:p>
-          <a:p>
-            <a:endParaRPr lang="en-US" sz="3200" dirty="0" smtClean="0"/>
+            <a:endParaRPr lang="en-US" sz="3600" dirty="0"/>
           </a:p>
           <a:p>
             <a:pPr marL="457200" indent="-457200">
@@ -4812,38 +4799,389 @@
               <a:buChar char="•"/>
             </a:pPr>
             <a:r>
-              <a:rPr lang="en-US" sz="3200" dirty="0" smtClean="0"/>
-              <a:t> </a:t>
-            </a:r>
-            <a:r>
-              <a:rPr lang="en-US" sz="3200" dirty="0"/>
-              <a:t>Because many amateur guitarists depend on fan-made tablature from online communities, it would be nice for guitarists of any level to be able to input songs and get relatively good tablature, with accurate fingerings </a:t>
-            </a:r>
-            <a:r>
-              <a:rPr lang="en-US" sz="3200" dirty="0" smtClean="0"/>
-              <a:t>quickly.</a:t>
-            </a:r>
-          </a:p>
-          <a:p>
-            <a:endParaRPr lang="en-US" sz="3200" dirty="0" smtClean="0"/>
-          </a:p>
+              <a:rPr lang="en-US" sz="3600" dirty="0" smtClean="0"/>
+              <a:t>Manual transcription can often take a long time and is also difficult for beginners</a:t>
+            </a:r>
+            <a:endParaRPr lang="en-US" sz="3600" dirty="0"/>
+          </a:p>
+        </p:txBody>
+      </p:sp>
+      <p:sp>
+        <p:nvSpPr>
+          <p:cNvPr id="2" name="TextBox 1"/>
+          <p:cNvSpPr txBox="1"/>
+          <p:nvPr/>
+        </p:nvSpPr>
+        <p:spPr>
+          <a:xfrm>
+            <a:off x="803776" y="20177038"/>
+            <a:ext cx="9633971" cy="646331"/>
+          </a:xfrm>
+          <a:prstGeom prst="rect">
+            <a:avLst/>
+          </a:prstGeom>
+          <a:noFill/>
+        </p:spPr>
+        <p:txBody>
+          <a:bodyPr wrap="square" rtlCol="0">
+            <a:spAutoFit/>
+          </a:bodyPr>
+          <a:lstStyle/>
+          <a:p>
+            <a:endParaRPr lang="en-US" sz="3600" dirty="0"/>
+          </a:p>
+        </p:txBody>
+      </p:sp>
+      <p:sp>
+        <p:nvSpPr>
+          <p:cNvPr id="5" name="TextBox 4"/>
+          <p:cNvSpPr txBox="1"/>
+          <p:nvPr/>
+        </p:nvSpPr>
+        <p:spPr>
+          <a:xfrm>
+            <a:off x="918141" y="13080372"/>
+            <a:ext cx="9944455" cy="8956298"/>
+          </a:xfrm>
+          <a:prstGeom prst="rect">
+            <a:avLst/>
+          </a:prstGeom>
+          <a:noFill/>
+        </p:spPr>
+        <p:txBody>
+          <a:bodyPr wrap="square" rtlCol="0">
+            <a:spAutoFit/>
+          </a:bodyPr>
+          <a:lstStyle/>
           <a:p>
             <a:pPr marL="457200" indent="-457200">
               <a:buFont typeface="Arial" panose="020B0604020202020204" pitchFamily="34" charset="0"/>
               <a:buChar char="•"/>
             </a:pPr>
             <a:r>
-              <a:rPr lang="en-US" sz="3200" dirty="0" smtClean="0"/>
-              <a:t>While </a:t>
-            </a:r>
-            <a:r>
-              <a:rPr lang="en-US" sz="3200" dirty="0"/>
-              <a:t>research has been done on the topics of extracting notes of melodies and songs, processing those notes into midi files, and transcribing into tablature, little has been done to streamline this process from audio file to guitar tabs directly.</a:t>
-            </a:r>
-            <a:endParaRPr lang="en-US" sz="3200" dirty="0"/>
-          </a:p>
-        </p:txBody>
-      </p:sp>
+              <a:rPr lang="en-US" sz="3600" dirty="0" smtClean="0"/>
+              <a:t>Most transcriptions needs to be done based on the audio because transcriptions are not commonly available. However, pitch tracking is a difficult task in itself</a:t>
+            </a:r>
+          </a:p>
+          <a:p>
+            <a:pPr marL="457200" indent="-457200">
+              <a:buFont typeface="Arial" panose="020B0604020202020204" pitchFamily="34" charset="0"/>
+              <a:buChar char="•"/>
+            </a:pPr>
+            <a:endParaRPr lang="en-US" sz="3600" dirty="0"/>
+          </a:p>
+          <a:p>
+            <a:pPr marL="457200" indent="-457200">
+              <a:buFont typeface="Arial" panose="020B0604020202020204" pitchFamily="34" charset="0"/>
+              <a:buChar char="•"/>
+            </a:pPr>
+            <a:r>
+              <a:rPr lang="en-US" sz="3600" dirty="0" smtClean="0"/>
+              <a:t>Even discounting the different positions your hand can be in while playing notes on the guitar, there are still five or six different ways to play every note</a:t>
+            </a:r>
+          </a:p>
+          <a:p>
+            <a:pPr marL="457200" indent="-457200">
+              <a:buFont typeface="Arial" panose="020B0604020202020204" pitchFamily="34" charset="0"/>
+              <a:buChar char="•"/>
+            </a:pPr>
+            <a:endParaRPr lang="en-US" sz="3600" dirty="0"/>
+          </a:p>
+          <a:p>
+            <a:pPr marL="457200" indent="-457200">
+              <a:buFont typeface="Arial" panose="020B0604020202020204" pitchFamily="34" charset="0"/>
+              <a:buChar char="•"/>
+            </a:pPr>
+            <a:r>
+              <a:rPr lang="en-US" sz="3600" dirty="0" smtClean="0"/>
+              <a:t>Even though the notes are important, the fingerings are probably the most important part of the song in order to be viable to play. However, due to the complexity of the fingering, much of how the fingerings are determined depend upon complex distance metrics</a:t>
+            </a:r>
+            <a:endParaRPr lang="en-US" sz="3600" dirty="0"/>
+          </a:p>
+        </p:txBody>
+      </p:sp>
+      <p:sp>
+        <p:nvSpPr>
+          <p:cNvPr id="8" name="TextBox 7"/>
+          <p:cNvSpPr txBox="1"/>
+          <p:nvPr/>
+        </p:nvSpPr>
+        <p:spPr>
+          <a:xfrm>
+            <a:off x="11470602" y="26905572"/>
+            <a:ext cx="11051579" cy="7848302"/>
+          </a:xfrm>
+          <a:prstGeom prst="rect">
+            <a:avLst/>
+          </a:prstGeom>
+          <a:noFill/>
+        </p:spPr>
+        <p:txBody>
+          <a:bodyPr wrap="square" rtlCol="0">
+            <a:spAutoFit/>
+          </a:bodyPr>
+          <a:lstStyle/>
+          <a:p>
+            <a:pPr marL="571500" indent="-571500">
+              <a:buFont typeface="Arial" panose="020B0604020202020204" pitchFamily="34" charset="0"/>
+              <a:buChar char="•"/>
+            </a:pPr>
+            <a:r>
+              <a:rPr lang="en-US" sz="3600" dirty="0" smtClean="0"/>
+              <a:t>On monophonic audio without noise that it is 16 bit depth we are able to mostly successfully transcribe audio into tablature</a:t>
+            </a:r>
+          </a:p>
+          <a:p>
+            <a:pPr marL="571500" indent="-571500">
+              <a:buFont typeface="Arial" panose="020B0604020202020204" pitchFamily="34" charset="0"/>
+              <a:buChar char="•"/>
+            </a:pPr>
+            <a:endParaRPr lang="en-US" sz="3600" dirty="0"/>
+          </a:p>
+          <a:p>
+            <a:pPr marL="571500" indent="-571500">
+              <a:buFont typeface="Arial" panose="020B0604020202020204" pitchFamily="34" charset="0"/>
+              <a:buChar char="•"/>
+            </a:pPr>
+            <a:r>
+              <a:rPr lang="en-US" sz="3600" dirty="0" smtClean="0"/>
+              <a:t>However, a few notes are sometimes an octave off due to CREPE (and pitch trackers in general) having issues determining octaves</a:t>
+            </a:r>
+          </a:p>
+          <a:p>
+            <a:pPr marL="571500" indent="-571500">
+              <a:buFont typeface="Arial" panose="020B0604020202020204" pitchFamily="34" charset="0"/>
+              <a:buChar char="•"/>
+            </a:pPr>
+            <a:endParaRPr lang="en-US" sz="3600" dirty="0"/>
+          </a:p>
+          <a:p>
+            <a:pPr marL="571500" indent="-571500">
+              <a:buFont typeface="Arial" panose="020B0604020202020204" pitchFamily="34" charset="0"/>
+              <a:buChar char="•"/>
+            </a:pPr>
+            <a:r>
+              <a:rPr lang="en-US" sz="3600" dirty="0" smtClean="0"/>
+              <a:t>The fingerings will occasionally put more emphasis on shifting positions and repeatedly using your pinky than it does on using your ring finger and shifting at a later time</a:t>
+            </a:r>
+          </a:p>
+          <a:p>
+            <a:pPr marL="571500" indent="-571500">
+              <a:buFont typeface="Arial" panose="020B0604020202020204" pitchFamily="34" charset="0"/>
+              <a:buChar char="•"/>
+            </a:pPr>
+            <a:endParaRPr lang="en-US" sz="3600" dirty="0"/>
+          </a:p>
+          <a:p>
+            <a:pPr marL="571500" indent="-571500">
+              <a:buFont typeface="Arial" panose="020B0604020202020204" pitchFamily="34" charset="0"/>
+              <a:buChar char="•"/>
+            </a:pPr>
+            <a:endParaRPr lang="en-US" sz="3600" dirty="0"/>
+          </a:p>
+        </p:txBody>
+      </p:sp>
+      <p:pic>
+        <p:nvPicPr>
+          <p:cNvPr id="16" name="Picture 15"/>
+          <p:cNvPicPr>
+            <a:picLocks noChangeAspect="1"/>
+          </p:cNvPicPr>
+          <p:nvPr/>
+        </p:nvPicPr>
+        <p:blipFill>
+          <a:blip r:embed="rId6"/>
+          <a:stretch>
+            <a:fillRect/>
+          </a:stretch>
+        </p:blipFill>
+        <p:spPr>
+          <a:xfrm>
+            <a:off x="22245848" y="28284032"/>
+            <a:ext cx="7467600" cy="904875"/>
+          </a:xfrm>
+          <a:prstGeom prst="rect">
+            <a:avLst/>
+          </a:prstGeom>
+        </p:spPr>
+      </p:pic>
+      <p:sp>
+        <p:nvSpPr>
+          <p:cNvPr id="18" name="TextBox 17"/>
+          <p:cNvSpPr txBox="1"/>
+          <p:nvPr/>
+        </p:nvSpPr>
+        <p:spPr>
+          <a:xfrm>
+            <a:off x="24117065" y="31051226"/>
+            <a:ext cx="4267200" cy="523220"/>
+          </a:xfrm>
+          <a:prstGeom prst="rect">
+            <a:avLst/>
+          </a:prstGeom>
+          <a:noFill/>
+        </p:spPr>
+        <p:txBody>
+          <a:bodyPr wrap="square" rtlCol="0">
+            <a:spAutoFit/>
+          </a:bodyPr>
+          <a:lstStyle/>
+          <a:p>
+            <a:r>
+              <a:rPr lang="en-US" sz="2800" dirty="0" err="1" smtClean="0"/>
+              <a:t>GuiTab</a:t>
+            </a:r>
+            <a:r>
+              <a:rPr lang="en-US" sz="2800" dirty="0" smtClean="0"/>
+              <a:t> tab generation</a:t>
+            </a:r>
+            <a:endParaRPr lang="en-US" sz="2800" dirty="0"/>
+          </a:p>
+        </p:txBody>
+      </p:sp>
+      <p:sp>
+        <p:nvSpPr>
+          <p:cNvPr id="19" name="TextBox 18"/>
+          <p:cNvSpPr txBox="1"/>
+          <p:nvPr/>
+        </p:nvSpPr>
+        <p:spPr>
+          <a:xfrm>
+            <a:off x="24117065" y="29247481"/>
+            <a:ext cx="6721642" cy="523220"/>
+          </a:xfrm>
+          <a:prstGeom prst="rect">
+            <a:avLst/>
+          </a:prstGeom>
+          <a:noFill/>
+        </p:spPr>
+        <p:txBody>
+          <a:bodyPr wrap="square" rtlCol="0">
+            <a:spAutoFit/>
+          </a:bodyPr>
+          <a:lstStyle/>
+          <a:p>
+            <a:r>
+              <a:rPr lang="en-US" sz="2800" dirty="0" err="1" smtClean="0"/>
+              <a:t>LilyPond</a:t>
+            </a:r>
+            <a:r>
+              <a:rPr lang="en-US" sz="2800" dirty="0" smtClean="0"/>
+              <a:t> tab generation</a:t>
+            </a:r>
+            <a:endParaRPr lang="en-US" sz="2800" dirty="0"/>
+          </a:p>
+        </p:txBody>
+      </p:sp>
+      <p:sp>
+        <p:nvSpPr>
+          <p:cNvPr id="40" name="TextBox 39"/>
+          <p:cNvSpPr txBox="1"/>
+          <p:nvPr/>
+        </p:nvSpPr>
+        <p:spPr>
+          <a:xfrm>
+            <a:off x="773176" y="23075832"/>
+            <a:ext cx="9485380" cy="687665"/>
+          </a:xfrm>
+          <a:prstGeom prst="rect">
+            <a:avLst/>
+          </a:prstGeom>
+          <a:noFill/>
+        </p:spPr>
+        <p:txBody>
+          <a:bodyPr wrap="square" lIns="71413" tIns="35707" rIns="71413" bIns="35707" rtlCol="0">
+            <a:spAutoFit/>
+          </a:bodyPr>
+          <a:lstStyle/>
+          <a:p>
+            <a:r>
+              <a:rPr lang="en-US" sz="4000" b="1" dirty="0" smtClean="0">
+                <a:solidFill>
+                  <a:srgbClr val="4E2C75"/>
+                </a:solidFill>
+                <a:latin typeface="Helvetica"/>
+              </a:rPr>
+              <a:t>Evaluation Metrics</a:t>
+            </a:r>
+          </a:p>
+        </p:txBody>
+      </p:sp>
+      <p:sp>
+        <p:nvSpPr>
+          <p:cNvPr id="21" name="TextBox 20"/>
+          <p:cNvSpPr txBox="1"/>
+          <p:nvPr/>
+        </p:nvSpPr>
+        <p:spPr>
+          <a:xfrm>
+            <a:off x="648536" y="24111509"/>
+            <a:ext cx="9789212" cy="5632311"/>
+          </a:xfrm>
+          <a:prstGeom prst="rect">
+            <a:avLst/>
+          </a:prstGeom>
+          <a:noFill/>
+        </p:spPr>
+        <p:txBody>
+          <a:bodyPr wrap="square" rtlCol="0">
+            <a:spAutoFit/>
+          </a:bodyPr>
+          <a:lstStyle/>
+          <a:p>
+            <a:pPr marL="571500" indent="-571500">
+              <a:buFont typeface="Arial" panose="020B0604020202020204" pitchFamily="34" charset="0"/>
+              <a:buChar char="•"/>
+            </a:pPr>
+            <a:r>
+              <a:rPr lang="en-US" sz="3600" dirty="0" smtClean="0"/>
+              <a:t>We evaluated our results based on their pitch accuracy to the actual notes. This was done through human feedback, where the user told us whether or not the pitches sound right.</a:t>
+            </a:r>
+          </a:p>
+          <a:p>
+            <a:pPr marL="571500" indent="-571500">
+              <a:buFont typeface="Arial" panose="020B0604020202020204" pitchFamily="34" charset="0"/>
+              <a:buChar char="•"/>
+            </a:pPr>
+            <a:endParaRPr lang="en-US" sz="3600" dirty="0" smtClean="0"/>
+          </a:p>
+          <a:p>
+            <a:pPr marL="571500" indent="-571500">
+              <a:buFont typeface="Arial" panose="020B0604020202020204" pitchFamily="34" charset="0"/>
+              <a:buChar char="•"/>
+            </a:pPr>
+            <a:r>
+              <a:rPr lang="en-US" sz="3600" dirty="0" smtClean="0"/>
+              <a:t>We evaluated our results based on the fingerings ease of playability. This was done by having several guitar players play the generated tablature and give feedback on how natural it was for them to play it.</a:t>
+            </a:r>
+            <a:endParaRPr lang="en-US" sz="3600" dirty="0"/>
+          </a:p>
+        </p:txBody>
+      </p:sp>
+      <p:pic>
+        <p:nvPicPr>
+          <p:cNvPr id="22" name="Picture 21"/>
+          <p:cNvPicPr>
+            <a:picLocks noChangeAspect="1"/>
+          </p:cNvPicPr>
+          <p:nvPr/>
+        </p:nvPicPr>
+        <p:blipFill>
+          <a:blip r:embed="rId7"/>
+          <a:stretch>
+            <a:fillRect/>
+          </a:stretch>
+        </p:blipFill>
+        <p:spPr>
+          <a:xfrm>
+            <a:off x="19016017" y="18462896"/>
+            <a:ext cx="11538208" cy="6474899"/>
+          </a:xfrm>
+          <a:prstGeom prst="rect">
+            <a:avLst/>
+          </a:prstGeom>
+        </p:spPr>
+      </p:pic>
     </p:spTree>
     <p:extLst>
       <p:ext uri="{BB962C8B-B14F-4D97-AF65-F5344CB8AC3E}">

--- a/poster.pptx
+++ b/poster.pptx
@@ -4026,16 +4026,7 @@
                 </a:solidFill>
                 <a:latin typeface="Helvetica"/>
               </a:rPr>
-              <a:t>. </a:t>
-            </a:r>
-            <a:r>
-              <a:rPr lang="en-US" sz="4400" b="1" dirty="0" smtClean="0">
-                <a:solidFill>
-                  <a:srgbClr val="4E2C75"/>
-                </a:solidFill>
-                <a:latin typeface="Helvetica"/>
-              </a:rPr>
-              <a:t>Pipeline</a:t>
+              <a:t>. Pipeline</a:t>
             </a:r>
             <a:endParaRPr lang="en-US" sz="4400" b="1" dirty="0">
               <a:solidFill>
@@ -4054,10 +4045,10 @@
         </p:nvGrpSpPr>
         <p:grpSpPr>
           <a:xfrm>
-            <a:off x="672223" y="10131885"/>
-            <a:ext cx="9646160" cy="20697838"/>
-            <a:chOff x="821630" y="5054049"/>
-            <a:chExt cx="7944551" cy="11545606"/>
+            <a:off x="773606" y="10131885"/>
+            <a:ext cx="9650345" cy="20697838"/>
+            <a:chOff x="905129" y="5054049"/>
+            <a:chExt cx="7947998" cy="11545606"/>
           </a:xfrm>
         </p:grpSpPr>
         <p:sp>
@@ -4068,7 +4059,7 @@
           </p:nvSpPr>
           <p:spPr>
             <a:xfrm>
-              <a:off x="821630" y="16216064"/>
+              <a:off x="1040994" y="16216064"/>
               <a:ext cx="7812133" cy="383591"/>
             </a:xfrm>
             <a:prstGeom prst="rect">
@@ -4526,16 +4517,7 @@
                   </a:solidFill>
                   <a:latin typeface="Helvetica"/>
                 </a:rPr>
-                <a:t>. </a:t>
-              </a:r>
-              <a:r>
-                <a:rPr lang="en-US" sz="4400" b="1" dirty="0" smtClean="0">
-                  <a:solidFill>
-                    <a:srgbClr val="4E2C75"/>
-                  </a:solidFill>
-                  <a:latin typeface="Helvetica"/>
-                </a:rPr>
-                <a:t>Future Work</a:t>
+                <a:t>. Future Work</a:t>
               </a:r>
               <a:endParaRPr lang="en-US" sz="4400" b="1" dirty="0">
                 <a:solidFill>
@@ -4591,16 +4573,7 @@
                 </a:solidFill>
                 <a:latin typeface="Helvetica"/>
               </a:rPr>
-              <a:t>. </a:t>
-            </a:r>
-            <a:r>
-              <a:rPr lang="en-US" sz="4400" b="1" dirty="0" smtClean="0">
-                <a:solidFill>
-                  <a:srgbClr val="4E2C75"/>
-                </a:solidFill>
-                <a:latin typeface="Helvetica"/>
-              </a:rPr>
-              <a:t>Results</a:t>
+              <a:t>. Results</a:t>
             </a:r>
             <a:endParaRPr lang="en-US" sz="4400" b="1" dirty="0">
               <a:solidFill>
@@ -4735,16 +4708,7 @@
                 </a:solidFill>
                 <a:latin typeface="Helvetica"/>
               </a:rPr>
-              <a:t>. </a:t>
-            </a:r>
-            <a:r>
-              <a:rPr lang="en-US" sz="4400" b="1" dirty="0" smtClean="0">
-                <a:solidFill>
-                  <a:srgbClr val="4E2C75"/>
-                </a:solidFill>
-                <a:latin typeface="Helvetica"/>
-              </a:rPr>
-              <a:t>Fingering Algorithm In Depth</a:t>
+              <a:t>. Fingering Algorithm In Depth</a:t>
             </a:r>
             <a:endParaRPr lang="en-US" sz="4400" b="1" dirty="0">
               <a:solidFill>
@@ -5182,6 +5146,115 @@
           </a:prstGeom>
         </p:spPr>
       </p:pic>
+      <p:sp>
+        <p:nvSpPr>
+          <p:cNvPr id="11" name="TextBox 10"/>
+          <p:cNvSpPr txBox="1"/>
+          <p:nvPr/>
+        </p:nvSpPr>
+        <p:spPr>
+          <a:xfrm>
+            <a:off x="648535" y="31338479"/>
+            <a:ext cx="24099939" cy="15600721"/>
+          </a:xfrm>
+          <a:prstGeom prst="rect">
+            <a:avLst/>
+          </a:prstGeom>
+          <a:noFill/>
+        </p:spPr>
+        <p:txBody>
+          <a:bodyPr wrap="square" rtlCol="0">
+            <a:spAutoFit/>
+          </a:bodyPr>
+          <a:lstStyle/>
+          <a:p>
+            <a:endParaRPr lang="en-US" dirty="0"/>
+          </a:p>
+        </p:txBody>
+      </p:sp>
+      <p:sp>
+        <p:nvSpPr>
+          <p:cNvPr id="12" name="TextBox 11"/>
+          <p:cNvSpPr txBox="1"/>
+          <p:nvPr/>
+        </p:nvSpPr>
+        <p:spPr>
+          <a:xfrm>
+            <a:off x="769548" y="30768167"/>
+            <a:ext cx="9789213" cy="6001643"/>
+          </a:xfrm>
+          <a:prstGeom prst="rect">
+            <a:avLst/>
+          </a:prstGeom>
+          <a:noFill/>
+        </p:spPr>
+        <p:txBody>
+          <a:bodyPr wrap="square" rtlCol="0">
+            <a:spAutoFit/>
+          </a:bodyPr>
+          <a:lstStyle/>
+          <a:p>
+            <a:pPr marL="457200" indent="-457200">
+              <a:buFont typeface="Arial" panose="020B0604020202020204" pitchFamily="34" charset="0"/>
+              <a:buChar char="•"/>
+            </a:pPr>
+            <a:r>
+              <a:rPr lang="en-US" sz="3200" dirty="0" smtClean="0"/>
+              <a:t>Bello </a:t>
+            </a:r>
+            <a:r>
+              <a:rPr lang="en-US" sz="3200" dirty="0"/>
+              <a:t>and Monti in “Techniques for Automatic Music Transcription” give a rough blueprint of producing audio transcriptions from audio and some methods that we have not endeavored to use in this project.</a:t>
+            </a:r>
+          </a:p>
+          <a:p>
+            <a:pPr marL="457200" indent="-457200">
+              <a:buFont typeface="Arial" panose="020B0604020202020204" pitchFamily="34" charset="0"/>
+              <a:buChar char="•"/>
+            </a:pPr>
+            <a:r>
+              <a:rPr lang="en-US" sz="3200" dirty="0" err="1"/>
+              <a:t>Dlabal</a:t>
+            </a:r>
+            <a:r>
+              <a:rPr lang="en-US" sz="3200" dirty="0"/>
+              <a:t> and </a:t>
+            </a:r>
+            <a:r>
+              <a:rPr lang="en-US" sz="3200" dirty="0" err="1"/>
+              <a:t>Wedeen</a:t>
+            </a:r>
+            <a:r>
+              <a:rPr lang="en-US" sz="3200" dirty="0"/>
+              <a:t> in “Generating Sheet Music From Audio Files” give their approach for going from audio to notes and give some detailed note-detection </a:t>
+            </a:r>
+            <a:r>
+              <a:rPr lang="en-US" sz="3200" dirty="0" smtClean="0"/>
+              <a:t>information</a:t>
+            </a:r>
+            <a:endParaRPr lang="en-US" sz="3200" dirty="0"/>
+          </a:p>
+          <a:p>
+            <a:pPr marL="457200" indent="-457200">
+              <a:buFont typeface="Arial" panose="020B0604020202020204" pitchFamily="34" charset="0"/>
+              <a:buChar char="•"/>
+            </a:pPr>
+            <a:r>
+              <a:rPr lang="en-US" sz="3200" dirty="0" err="1" smtClean="0"/>
+              <a:t>Barbancho</a:t>
+            </a:r>
+            <a:r>
+              <a:rPr lang="en-US" sz="3200" dirty="0"/>
+              <a:t>, et. Al in “Automatic Transcription of Guitar Chords and Fingering” discusses a way of feature extraction from many guitar samples to glean useful metrics for potential fingerings</a:t>
+            </a:r>
+            <a:r>
+              <a:rPr lang="en-US" sz="3200" dirty="0" smtClean="0"/>
+              <a:t>.</a:t>
+            </a:r>
+            <a:endParaRPr lang="en-US" sz="3200" dirty="0"/>
+          </a:p>
+        </p:txBody>
+      </p:sp>
     </p:spTree>
     <p:extLst>
       <p:ext uri="{BB962C8B-B14F-4D97-AF65-F5344CB8AC3E}">

--- a/poster.pptx
+++ b/poster.pptx
@@ -3636,8 +3636,8 @@
         </p:nvSpPr>
         <p:spPr>
           <a:xfrm>
-            <a:off x="9053497" y="1757265"/>
-            <a:ext cx="12826571" cy="2277187"/>
+            <a:off x="8856905" y="1757265"/>
+            <a:ext cx="13219756" cy="2277187"/>
           </a:xfrm>
           <a:prstGeom prst="rect">
             <a:avLst/>
@@ -3669,11 +3669,8 @@
                 <a:latin typeface="Helvetica"/>
                 <a:cs typeface="Helvetica"/>
               </a:rPr>
-              <a:t>: an automatic guitar</a:t>
-            </a:r>
-          </a:p>
-          <a:p>
-            <a:pPr algn="ctr"/>
+              <a:t>: </a:t>
+            </a:r>
             <a:r>
               <a:rPr lang="en-US" sz="7200" b="1" dirty="0" smtClean="0">
                 <a:solidFill>
@@ -3682,7 +3679,77 @@
                 <a:latin typeface="Helvetica"/>
                 <a:cs typeface="Helvetica"/>
               </a:rPr>
-              <a:t>transcription generator</a:t>
+              <a:t>An </a:t>
+            </a:r>
+            <a:r>
+              <a:rPr lang="en-US" sz="7200" b="1" dirty="0">
+                <a:solidFill>
+                  <a:srgbClr val="4E2C75"/>
+                </a:solidFill>
+                <a:latin typeface="Helvetica"/>
+                <a:cs typeface="Helvetica"/>
+              </a:rPr>
+              <a:t>A</a:t>
+            </a:r>
+            <a:r>
+              <a:rPr lang="en-US" sz="7200" b="1" dirty="0" smtClean="0">
+                <a:solidFill>
+                  <a:srgbClr val="4E2C75"/>
+                </a:solidFill>
+                <a:latin typeface="Helvetica"/>
+                <a:cs typeface="Helvetica"/>
+              </a:rPr>
+              <a:t>utomatic </a:t>
+            </a:r>
+            <a:r>
+              <a:rPr lang="en-US" sz="7200" b="1" dirty="0">
+                <a:solidFill>
+                  <a:srgbClr val="4E2C75"/>
+                </a:solidFill>
+                <a:latin typeface="Helvetica"/>
+                <a:cs typeface="Helvetica"/>
+              </a:rPr>
+              <a:t>G</a:t>
+            </a:r>
+            <a:r>
+              <a:rPr lang="en-US" sz="7200" b="1" dirty="0" smtClean="0">
+                <a:solidFill>
+                  <a:srgbClr val="4E2C75"/>
+                </a:solidFill>
+                <a:latin typeface="Helvetica"/>
+                <a:cs typeface="Helvetica"/>
+              </a:rPr>
+              <a:t>uitar</a:t>
+            </a:r>
+            <a:endParaRPr lang="en-US" sz="7200" b="1" dirty="0" smtClean="0">
+              <a:solidFill>
+                <a:srgbClr val="4E2C75"/>
+              </a:solidFill>
+              <a:latin typeface="Helvetica"/>
+              <a:cs typeface="Helvetica"/>
+            </a:endParaRPr>
+          </a:p>
+          <a:p>
+            <a:pPr algn="ctr"/>
+            <a:r>
+              <a:rPr lang="en-US" sz="7200" b="1" dirty="0">
+                <a:solidFill>
+                  <a:srgbClr val="4E2C75"/>
+                </a:solidFill>
+                <a:latin typeface="Helvetica"/>
+                <a:cs typeface="Helvetica"/>
+              </a:rPr>
+              <a:t>T</a:t>
+            </a:r>
+            <a:r>
+              <a:rPr lang="en-US" sz="7200" b="1" dirty="0" smtClean="0">
+                <a:solidFill>
+                  <a:srgbClr val="4E2C75"/>
+                </a:solidFill>
+                <a:latin typeface="Helvetica"/>
+                <a:cs typeface="Helvetica"/>
+              </a:rPr>
+              <a:t>ranscription Generator</a:t>
             </a:r>
             <a:endParaRPr lang="en-US" sz="7200" b="1" dirty="0">
               <a:solidFill>
@@ -4212,18 +4279,11 @@
           <a:lstStyle/>
           <a:p>
             <a:r>
-              <a:rPr lang="en-US" sz="2800" dirty="0">
-                <a:latin typeface="Helvetica"/>
-                <a:cs typeface="Helvetica"/>
-              </a:rPr>
-              <a:t>1. </a:t>
-            </a:r>
-            <a:r>
               <a:rPr lang="en-US" sz="2800" dirty="0" smtClean="0">
                 <a:latin typeface="Helvetica"/>
                 <a:cs typeface="Helvetica"/>
               </a:rPr>
-              <a:t>The user indicates an audio file to transcribe</a:t>
+              <a:t>1. The user indicates an audio file to transcribe</a:t>
             </a:r>
             <a:endParaRPr lang="en-US" sz="2800" dirty="0">
               <a:latin typeface="Helvetica"/>
@@ -4909,7 +4969,19 @@
             </a:pPr>
             <a:r>
               <a:rPr lang="en-US" sz="3600" dirty="0" smtClean="0"/>
-              <a:t>However, a few notes are sometimes an octave off due to CREPE (and pitch trackers in general) having issues determining octaves</a:t>
+              <a:t>However, </a:t>
+            </a:r>
+            <a:r>
+              <a:rPr lang="en-US" sz="3600" dirty="0"/>
+              <a:t>a</a:t>
+            </a:r>
+            <a:r>
+              <a:rPr lang="en-US" sz="3600" dirty="0" smtClean="0"/>
+              <a:t> </a:t>
+            </a:r>
+            <a:r>
+              <a:rPr lang="en-US" sz="3600" dirty="0" smtClean="0"/>
+              <a:t>few notes are sometimes an octave off due to CREPE (and pitch trackers in general) having issues determining octaves</a:t>
             </a:r>
           </a:p>
           <a:p>
@@ -5122,30 +5194,6 @@
           </a:p>
         </p:txBody>
       </p:sp>
-      <p:pic>
-        <p:nvPicPr>
-          <p:cNvPr id="22" name="Picture 21"/>
-          <p:cNvPicPr>
-            <a:picLocks noChangeAspect="1"/>
-          </p:cNvPicPr>
-          <p:nvPr/>
-        </p:nvPicPr>
-        <p:blipFill>
-          <a:blip r:embed="rId7"/>
-          <a:stretch>
-            <a:fillRect/>
-          </a:stretch>
-        </p:blipFill>
-        <p:spPr>
-          <a:xfrm>
-            <a:off x="19016017" y="18462896"/>
-            <a:ext cx="11538208" cy="6474899"/>
-          </a:xfrm>
-          <a:prstGeom prst="rect">
-            <a:avLst/>
-          </a:prstGeom>
-        </p:spPr>
-      </p:pic>
       <p:sp>
         <p:nvSpPr>
           <p:cNvPr id="11" name="TextBox 10"/>
@@ -5255,6 +5303,438 @@
           </a:p>
         </p:txBody>
       </p:sp>
+      <p:sp>
+        <p:nvSpPr>
+          <p:cNvPr id="14" name="TextBox 13"/>
+          <p:cNvSpPr txBox="1"/>
+          <p:nvPr/>
+        </p:nvSpPr>
+        <p:spPr>
+          <a:xfrm>
+            <a:off x="11442689" y="34922380"/>
+            <a:ext cx="17336848" cy="1569660"/>
+          </a:xfrm>
+          <a:prstGeom prst="rect">
+            <a:avLst/>
+          </a:prstGeom>
+          <a:noFill/>
+        </p:spPr>
+        <p:txBody>
+          <a:bodyPr wrap="square" rtlCol="0">
+            <a:spAutoFit/>
+          </a:bodyPr>
+          <a:lstStyle/>
+          <a:p>
+            <a:pPr marL="457200" indent="-457200">
+              <a:buFont typeface="Arial" panose="020B0604020202020204" pitchFamily="34" charset="0"/>
+              <a:buChar char="•"/>
+            </a:pPr>
+            <a:r>
+              <a:rPr lang="en-US" sz="3200" dirty="0" smtClean="0"/>
+              <a:t>Fine tune weights of fingering graph or use an alternative machine learning approach</a:t>
+            </a:r>
+          </a:p>
+          <a:p>
+            <a:pPr marL="457200" indent="-457200">
+              <a:buFont typeface="Arial" panose="020B0604020202020204" pitchFamily="34" charset="0"/>
+              <a:buChar char="•"/>
+            </a:pPr>
+            <a:r>
+              <a:rPr lang="en-US" sz="3200" dirty="0" smtClean="0"/>
+              <a:t>Integrate beat onsets in pitch tracking</a:t>
+            </a:r>
+          </a:p>
+          <a:p>
+            <a:pPr marL="457200" indent="-457200">
+              <a:buFont typeface="Arial" panose="020B0604020202020204" pitchFamily="34" charset="0"/>
+              <a:buChar char="•"/>
+            </a:pPr>
+            <a:r>
+              <a:rPr lang="en-US" sz="3200" dirty="0" smtClean="0"/>
+              <a:t>Ideally, make capable of polyphonic input</a:t>
+            </a:r>
+          </a:p>
+        </p:txBody>
+      </p:sp>
+      <p:pic>
+        <p:nvPicPr>
+          <p:cNvPr id="1026" name="Picture 2" descr="https://scontent-ort2-1.xx.fbcdn.net/v/t1.15752-0/p280x280/54730497_588244548317955_2849118219963203584_n.png?_nc_cat=103&amp;_nc_oc=AQmhkb_UGwD87lrvSTqJ1rdqXbewkfUyrdb4FYErL83jhZYSnFp8NWya1MSt4VheVZI&amp;_nc_ad=z-m&amp;_nc_cid=0&amp;_nc_zor=9&amp;_nc_ht=scontent-ort2-1.xx&amp;oh=96faeedac6dec5455690f0357adfa31c&amp;oe=5D0AE8B5"/>
+          <p:cNvPicPr>
+            <a:picLocks noChangeAspect="1" noChangeArrowheads="1"/>
+          </p:cNvPicPr>
+          <p:nvPr/>
+        </p:nvPicPr>
+        <p:blipFill>
+          <a:blip r:embed="rId7">
+            <a:extLst>
+              <a:ext uri="{28A0092B-C50C-407E-A947-70E740481C1C}">
+                <a14:useLocalDpi xmlns:a14="http://schemas.microsoft.com/office/drawing/2010/main" val="0"/>
+              </a:ext>
+            </a:extLst>
+          </a:blip>
+          <a:srcRect/>
+          <a:stretch>
+            <a:fillRect/>
+          </a:stretch>
+        </p:blipFill>
+        <p:spPr bwMode="auto">
+          <a:xfrm>
+            <a:off x="17985207" y="18691274"/>
+            <a:ext cx="12853500" cy="5852000"/>
+          </a:xfrm>
+          <a:prstGeom prst="rect">
+            <a:avLst/>
+          </a:prstGeom>
+          <a:noFill/>
+          <a:extLst>
+            <a:ext uri="{909E8E84-426E-40DD-AFC4-6F175D3DCCD1}">
+              <a14:hiddenFill xmlns:a14="http://schemas.microsoft.com/office/drawing/2010/main">
+                <a:solidFill>
+                  <a:srgbClr val="FFFFFF"/>
+                </a:solidFill>
+              </a14:hiddenFill>
+            </a:ext>
+          </a:extLst>
+        </p:spPr>
+      </p:pic>
+      <mc:AlternateContent xmlns:mc="http://schemas.openxmlformats.org/markup-compatibility/2006">
+        <mc:Choice xmlns:a14="http://schemas.microsoft.com/office/drawing/2010/main" Requires="a14">
+          <p:sp>
+            <p:nvSpPr>
+              <p:cNvPr id="15" name="TextBox 14"/>
+              <p:cNvSpPr txBox="1"/>
+              <p:nvPr/>
+            </p:nvSpPr>
+            <p:spPr>
+              <a:xfrm>
+                <a:off x="19798551" y="24111509"/>
+                <a:ext cx="8910729" cy="1384995"/>
+              </a:xfrm>
+              <a:prstGeom prst="rect">
+                <a:avLst/>
+              </a:prstGeom>
+              <a:noFill/>
+            </p:spPr>
+            <p:txBody>
+              <a:bodyPr wrap="square" rtlCol="0">
+                <a:spAutoFit/>
+              </a:bodyPr>
+              <a:lstStyle/>
+              <a:p>
+                <a:r>
+                  <a:rPr lang="en-US" sz="2800" dirty="0" smtClean="0"/>
+                  <a:t>The vertex layers of our song, where </a:t>
+                </a:r>
+                <a14:m>
+                  <m:oMath xmlns:m="http://schemas.openxmlformats.org/officeDocument/2006/math">
+                    <m:sSub>
+                      <m:sSubPr>
+                        <m:ctrlPr>
+                          <a:rPr lang="en-US" sz="2800" b="0" i="1" smtClean="0">
+                            <a:latin typeface="Cambria Math" panose="02040503050406030204" pitchFamily="18" charset="0"/>
+                          </a:rPr>
+                        </m:ctrlPr>
+                      </m:sSubPr>
+                      <m:e>
+                        <m:r>
+                          <a:rPr lang="en-US" sz="2800" b="0" i="1" smtClean="0">
+                            <a:latin typeface="Cambria Math" panose="02040503050406030204" pitchFamily="18" charset="0"/>
+                          </a:rPr>
+                          <m:t>𝑣</m:t>
+                        </m:r>
+                      </m:e>
+                      <m:sub>
+                        <m:r>
+                          <a:rPr lang="en-US" sz="2800" b="0" i="1" smtClean="0">
+                            <a:latin typeface="Cambria Math" panose="02040503050406030204" pitchFamily="18" charset="0"/>
+                          </a:rPr>
+                          <m:t>𝑆</m:t>
+                        </m:r>
+                      </m:sub>
+                    </m:sSub>
+                  </m:oMath>
+                </a14:m>
+                <a:r>
+                  <a:rPr lang="en-US" sz="2800" dirty="0" smtClean="0"/>
+                  <a:t> is a special node representing the start of our graph structure, </a:t>
+                </a:r>
+                <a14:m>
+                  <m:oMath xmlns:m="http://schemas.openxmlformats.org/officeDocument/2006/math">
+                    <m:sSub>
+                      <m:sSubPr>
+                        <m:ctrlPr>
+                          <a:rPr lang="en-US" sz="2800" i="1">
+                            <a:latin typeface="Cambria Math" panose="02040503050406030204" pitchFamily="18" charset="0"/>
+                          </a:rPr>
+                        </m:ctrlPr>
+                      </m:sSubPr>
+                      <m:e>
+                        <m:r>
+                          <a:rPr lang="en-US" sz="2800" i="1">
+                            <a:latin typeface="Cambria Math" panose="02040503050406030204" pitchFamily="18" charset="0"/>
+                          </a:rPr>
+                          <m:t>𝑣</m:t>
+                        </m:r>
+                      </m:e>
+                      <m:sub>
+                        <m:r>
+                          <a:rPr lang="en-US" sz="2800" b="0" i="1" smtClean="0">
+                            <a:latin typeface="Cambria Math" panose="02040503050406030204" pitchFamily="18" charset="0"/>
+                          </a:rPr>
+                          <m:t>𝐸</m:t>
+                        </m:r>
+                      </m:sub>
+                    </m:sSub>
+                  </m:oMath>
+                </a14:m>
+                <a:r>
+                  <a:rPr lang="en-US" sz="2800" dirty="0" smtClean="0"/>
+                  <a:t> is a special node representing the end of our graph structure.</a:t>
+                </a:r>
+                <a:endParaRPr lang="en-US" sz="2800" dirty="0"/>
+              </a:p>
+            </p:txBody>
+          </p:sp>
+        </mc:Choice>
+        <mc:Fallback>
+          <p:sp>
+            <p:nvSpPr>
+              <p:cNvPr id="15" name="TextBox 14"/>
+              <p:cNvSpPr txBox="1">
+                <a:spLocks noRot="1" noChangeAspect="1" noMove="1" noResize="1" noEditPoints="1" noAdjustHandles="1" noChangeArrowheads="1" noChangeShapeType="1" noTextEdit="1"/>
+              </p:cNvSpPr>
+              <p:nvPr/>
+            </p:nvSpPr>
+            <p:spPr>
+              <a:xfrm>
+                <a:off x="19798551" y="24111509"/>
+                <a:ext cx="8910729" cy="1384995"/>
+              </a:xfrm>
+              <a:prstGeom prst="rect">
+                <a:avLst/>
+              </a:prstGeom>
+              <a:blipFill>
+                <a:blip r:embed="rId8"/>
+                <a:stretch>
+                  <a:fillRect l="-1436" t="-3965" r="-547" b="-11894"/>
+                </a:stretch>
+              </a:blipFill>
+            </p:spPr>
+            <p:txBody>
+              <a:bodyPr/>
+              <a:lstStyle/>
+              <a:p>
+                <a:r>
+                  <a:rPr lang="en-US">
+                    <a:noFill/>
+                  </a:rPr>
+                  <a:t> </a:t>
+                </a:r>
+              </a:p>
+            </p:txBody>
+          </p:sp>
+        </mc:Fallback>
+      </mc:AlternateContent>
+      <mc:AlternateContent xmlns:mc="http://schemas.openxmlformats.org/markup-compatibility/2006">
+        <mc:Choice xmlns:a14="http://schemas.microsoft.com/office/drawing/2010/main" Requires="a14">
+          <p:sp>
+            <p:nvSpPr>
+              <p:cNvPr id="23" name="TextBox 22"/>
+              <p:cNvSpPr txBox="1"/>
+              <p:nvPr/>
+            </p:nvSpPr>
+            <p:spPr>
+              <a:xfrm>
+                <a:off x="11529603" y="17558521"/>
+                <a:ext cx="7223618" cy="9457589"/>
+              </a:xfrm>
+              <a:prstGeom prst="rect">
+                <a:avLst/>
+              </a:prstGeom>
+              <a:noFill/>
+            </p:spPr>
+            <p:txBody>
+              <a:bodyPr wrap="square" rtlCol="0">
+                <a:spAutoFit/>
+              </a:bodyPr>
+              <a:lstStyle/>
+              <a:p>
+                <a:pPr marL="457200" indent="-457200">
+                  <a:buFont typeface="Arial" panose="020B0604020202020204" pitchFamily="34" charset="0"/>
+                  <a:buChar char="•"/>
+                </a:pPr>
+                <a:r>
+                  <a:rPr lang="en-US" sz="3200" dirty="0" smtClean="0"/>
+                  <a:t>We initially parse our song with </a:t>
+                </a:r>
+                <a14:m>
+                  <m:oMath xmlns:m="http://schemas.openxmlformats.org/officeDocument/2006/math">
+                    <m:r>
+                      <a:rPr lang="en-US" sz="3200" b="0" i="1" smtClean="0">
+                        <a:latin typeface="Cambria Math" panose="02040503050406030204" pitchFamily="18" charset="0"/>
+                      </a:rPr>
+                      <m:t>𝑘</m:t>
+                    </m:r>
+                    <m:r>
+                      <a:rPr lang="en-US" sz="3200" b="0" i="1" smtClean="0">
+                        <a:latin typeface="Cambria Math" panose="02040503050406030204" pitchFamily="18" charset="0"/>
+                      </a:rPr>
+                      <m:t> </m:t>
+                    </m:r>
+                  </m:oMath>
+                </a14:m>
+                <a:r>
+                  <a:rPr lang="en-US" sz="3200" dirty="0" smtClean="0"/>
+                  <a:t>notes into a graph structure of </a:t>
+                </a:r>
+                <a14:m>
+                  <m:oMath xmlns:m="http://schemas.openxmlformats.org/officeDocument/2006/math">
+                    <m:r>
+                      <a:rPr lang="en-US" sz="3200" i="1">
+                        <a:latin typeface="Cambria Math" panose="02040503050406030204" pitchFamily="18" charset="0"/>
+                      </a:rPr>
+                      <m:t>𝑘</m:t>
+                    </m:r>
+                    <m:r>
+                      <a:rPr lang="en-US" sz="3200" b="0" i="1" smtClean="0">
+                        <a:latin typeface="Cambria Math" panose="02040503050406030204" pitchFamily="18" charset="0"/>
+                      </a:rPr>
+                      <m:t>+2</m:t>
+                    </m:r>
+                  </m:oMath>
+                </a14:m>
+                <a:r>
+                  <a:rPr lang="en-US" sz="3200" dirty="0" smtClean="0"/>
+                  <a:t> layers, where each vertex is a way to play the </a:t>
+                </a:r>
+                <a14:m>
+                  <m:oMath xmlns:m="http://schemas.openxmlformats.org/officeDocument/2006/math">
+                    <m:sSup>
+                      <m:sSupPr>
+                        <m:ctrlPr>
+                          <a:rPr lang="en-US" sz="3200" b="0" i="1" smtClean="0">
+                            <a:latin typeface="Cambria Math" panose="02040503050406030204" pitchFamily="18" charset="0"/>
+                          </a:rPr>
+                        </m:ctrlPr>
+                      </m:sSupPr>
+                      <m:e>
+                        <m:r>
+                          <a:rPr lang="en-US" sz="3200" b="0" i="1" smtClean="0">
+                            <a:latin typeface="Cambria Math" panose="02040503050406030204" pitchFamily="18" charset="0"/>
+                          </a:rPr>
+                          <m:t>𝑖</m:t>
+                        </m:r>
+                      </m:e>
+                      <m:sup>
+                        <m:r>
+                          <a:rPr lang="en-US" sz="3200" b="0" i="1" smtClean="0">
+                            <a:latin typeface="Cambria Math" panose="02040503050406030204" pitchFamily="18" charset="0"/>
+                          </a:rPr>
+                          <m:t>𝑡h</m:t>
+                        </m:r>
+                      </m:sup>
+                    </m:sSup>
+                  </m:oMath>
+                </a14:m>
+                <a:r>
+                  <a:rPr lang="en-US" sz="3200" dirty="0" smtClean="0"/>
+                  <a:t> note.</a:t>
+                </a:r>
+              </a:p>
+              <a:p>
+                <a:pPr marL="457200" indent="-457200">
+                  <a:buFont typeface="Arial" panose="020B0604020202020204" pitchFamily="34" charset="0"/>
+                  <a:buChar char="•"/>
+                </a:pPr>
+                <a:endParaRPr lang="en-US" sz="3200" dirty="0"/>
+              </a:p>
+              <a:p>
+                <a:pPr marL="457200" indent="-457200">
+                  <a:buFont typeface="Arial" panose="020B0604020202020204" pitchFamily="34" charset="0"/>
+                  <a:buChar char="•"/>
+                </a:pPr>
+                <a:r>
+                  <a:rPr lang="en-US" sz="3200" dirty="0" smtClean="0"/>
+                  <a:t>We then connect each vertex layer to the next vertex layer with directed edges, where weights are assigned by a distance metric between note tuples</a:t>
+                </a:r>
+              </a:p>
+              <a:p>
+                <a:pPr marL="457200" indent="-457200">
+                  <a:buFont typeface="Arial" panose="020B0604020202020204" pitchFamily="34" charset="0"/>
+                  <a:buChar char="•"/>
+                </a:pPr>
+                <a:endParaRPr lang="en-US" sz="3200" dirty="0"/>
+              </a:p>
+              <a:p>
+                <a:pPr marL="457200" indent="-457200">
+                  <a:buFont typeface="Arial" panose="020B0604020202020204" pitchFamily="34" charset="0"/>
+                  <a:buChar char="•"/>
+                </a:pPr>
+                <a:r>
+                  <a:rPr lang="en-US" sz="3200" dirty="0" smtClean="0"/>
+                  <a:t>Once we have our finalized graph, we perform </a:t>
+                </a:r>
+                <a:r>
+                  <a:rPr lang="en-US" sz="3200" dirty="0" err="1" smtClean="0"/>
+                  <a:t>Dijkstra’s</a:t>
+                </a:r>
+                <a:r>
+                  <a:rPr lang="en-US" sz="3200" dirty="0" smtClean="0"/>
+                  <a:t> Algorithm to find the shortest path through the graph based on the weighted edges, which returns the fingerings which require the least movement based on our distance metrics.</a:t>
+                </a:r>
+              </a:p>
+              <a:p>
+                <a:pPr marL="457200" indent="-457200">
+                  <a:buFont typeface="Arial" panose="020B0604020202020204" pitchFamily="34" charset="0"/>
+                  <a:buChar char="•"/>
+                </a:pPr>
+                <a:endParaRPr lang="en-US" sz="3200" dirty="0"/>
+              </a:p>
+              <a:p>
+                <a:endParaRPr lang="en-US" sz="3200" dirty="0"/>
+              </a:p>
+            </p:txBody>
+          </p:sp>
+        </mc:Choice>
+        <mc:Fallback>
+          <p:sp>
+            <p:nvSpPr>
+              <p:cNvPr id="23" name="TextBox 22"/>
+              <p:cNvSpPr txBox="1">
+                <a:spLocks noRot="1" noChangeAspect="1" noMove="1" noResize="1" noEditPoints="1" noAdjustHandles="1" noChangeArrowheads="1" noChangeShapeType="1" noTextEdit="1"/>
+              </p:cNvSpPr>
+              <p:nvPr/>
+            </p:nvSpPr>
+            <p:spPr>
+              <a:xfrm>
+                <a:off x="11529603" y="17558521"/>
+                <a:ext cx="7223618" cy="9457589"/>
+              </a:xfrm>
+              <a:prstGeom prst="rect">
+                <a:avLst/>
+              </a:prstGeom>
+              <a:blipFill>
+                <a:blip r:embed="rId9"/>
+                <a:stretch>
+                  <a:fillRect l="-1941" t="-773" r="-2785"/>
+                </a:stretch>
+              </a:blipFill>
+            </p:spPr>
+            <p:txBody>
+              <a:bodyPr/>
+              <a:lstStyle/>
+              <a:p>
+                <a:r>
+                  <a:rPr lang="en-US">
+                    <a:noFill/>
+                  </a:rPr>
+                  <a:t> </a:t>
+                </a:r>
+              </a:p>
+            </p:txBody>
+          </p:sp>
+        </mc:Fallback>
+      </mc:AlternateContent>
     </p:spTree>
     <p:extLst>
       <p:ext uri="{BB962C8B-B14F-4D97-AF65-F5344CB8AC3E}">
